--- a/Data Scince - Fricipe.pptx
+++ b/Data Scince - Fricipe.pptx
@@ -5,7 +5,7 @@
     <p:sldMasterId id="2147483661" r:id="rId1"/>
   </p:sldMasterIdLst>
   <p:notesMasterIdLst>
-    <p:notesMasterId r:id="rId20"/>
+    <p:notesMasterId r:id="rId28"/>
   </p:notesMasterIdLst>
   <p:sldIdLst>
     <p:sldId id="256" r:id="rId2"/>
@@ -15,50 +15,58 @@
     <p:sldId id="274" r:id="rId6"/>
     <p:sldId id="259" r:id="rId7"/>
     <p:sldId id="261" r:id="rId8"/>
-    <p:sldId id="278" r:id="rId9"/>
-    <p:sldId id="262" r:id="rId10"/>
-    <p:sldId id="263" r:id="rId11"/>
-    <p:sldId id="275" r:id="rId12"/>
-    <p:sldId id="279" r:id="rId13"/>
-    <p:sldId id="264" r:id="rId14"/>
-    <p:sldId id="265" r:id="rId15"/>
-    <p:sldId id="280" r:id="rId16"/>
-    <p:sldId id="266" r:id="rId17"/>
-    <p:sldId id="281" r:id="rId18"/>
-    <p:sldId id="271" r:id="rId19"/>
+    <p:sldId id="285" r:id="rId9"/>
+    <p:sldId id="287" r:id="rId10"/>
+    <p:sldId id="288" r:id="rId11"/>
+    <p:sldId id="286" r:id="rId12"/>
+    <p:sldId id="262" r:id="rId13"/>
+    <p:sldId id="263" r:id="rId14"/>
+    <p:sldId id="275" r:id="rId15"/>
+    <p:sldId id="279" r:id="rId16"/>
+    <p:sldId id="264" r:id="rId17"/>
+    <p:sldId id="265" r:id="rId18"/>
+    <p:sldId id="289" r:id="rId19"/>
+    <p:sldId id="290" r:id="rId20"/>
+    <p:sldId id="291" r:id="rId21"/>
+    <p:sldId id="294" r:id="rId22"/>
+    <p:sldId id="292" r:id="rId23"/>
+    <p:sldId id="280" r:id="rId24"/>
+    <p:sldId id="266" r:id="rId25"/>
+    <p:sldId id="281" r:id="rId26"/>
+    <p:sldId id="271" r:id="rId27"/>
   </p:sldIdLst>
   <p:sldSz cx="9144000" cy="5143500" type="screen16x9"/>
   <p:notesSz cx="6858000" cy="9144000"/>
   <p:embeddedFontLst>
-    <p:embeddedFont>
-      <p:font typeface="Montserrat Medium" panose="020B0604020202020204" charset="0"/>
-      <p:regular r:id="rId21"/>
-      <p:bold r:id="rId22"/>
-      <p:italic r:id="rId23"/>
-      <p:boldItalic r:id="rId24"/>
-    </p:embeddedFont>
-    <p:embeddedFont>
-      <p:font typeface="Nunito Sans" panose="020B0604020202020204" charset="0"/>
-      <p:regular r:id="rId25"/>
-      <p:bold r:id="rId26"/>
-      <p:italic r:id="rId27"/>
-      <p:boldItalic r:id="rId28"/>
-    </p:embeddedFont>
     <p:embeddedFont>
       <p:font typeface="Lato" panose="020F0502020204030203" pitchFamily="34" charset="0"/>
       <p:regular r:id="rId29"/>
       <p:bold r:id="rId30"/>
     </p:embeddedFont>
     <p:embeddedFont>
-      <p:font typeface="Calibri" panose="020F0502020204030204" pitchFamily="34" charset="0"/>
+      <p:font typeface="Montserrat Medium" panose="020B0604020202020204" charset="0"/>
       <p:regular r:id="rId31"/>
       <p:bold r:id="rId32"/>
       <p:italic r:id="rId33"/>
       <p:boldItalic r:id="rId34"/>
     </p:embeddedFont>
     <p:embeddedFont>
+      <p:font typeface="Nunito Sans" panose="020B0604020202020204" charset="0"/>
+      <p:regular r:id="rId35"/>
+      <p:bold r:id="rId36"/>
+      <p:italic r:id="rId37"/>
+      <p:boldItalic r:id="rId38"/>
+    </p:embeddedFont>
+    <p:embeddedFont>
       <p:font typeface="Montserrat" panose="02000505000000020004" pitchFamily="2" charset="0"/>
-      <p:regular r:id="rId35"/>
+      <p:regular r:id="rId39"/>
+    </p:embeddedFont>
+    <p:embeddedFont>
+      <p:font typeface="Calibri" panose="020F0502020204030204" pitchFamily="34" charset="0"/>
+      <p:regular r:id="rId40"/>
+      <p:bold r:id="rId41"/>
+      <p:italic r:id="rId42"/>
+      <p:boldItalic r:id="rId43"/>
     </p:embeddedFont>
   </p:embeddedFontLst>
   <p:defaultTextStyle>
@@ -899,7 +907,7 @@
   <p:cSld>
     <p:spTree>
       <p:nvGrpSpPr>
-        <p:cNvPr id="1" name="Shape 126"/>
+        <p:cNvPr id="1" name="Shape 115"/>
         <p:cNvGrpSpPr/>
         <p:nvPr/>
       </p:nvGrpSpPr>
@@ -913,7 +921,7 @@
       </p:grpSpPr>
       <p:sp>
         <p:nvSpPr>
-          <p:cNvPr id="127" name="Google Shape;127;gbeac4eda0d_0_2:notes"/>
+          <p:cNvPr id="116" name="Google Shape;116;gbdb37be86e_0_27:notes"/>
           <p:cNvSpPr txBox="1">
             <a:spLocks noGrp="1"/>
           </p:cNvSpPr>
@@ -971,7 +979,7 @@
       </p:sp>
       <p:sp>
         <p:nvSpPr>
-          <p:cNvPr id="128" name="Google Shape;128;gbeac4eda0d_0_2:notes"/>
+          <p:cNvPr id="117" name="Google Shape;117;gbdb37be86e_0_27:notes"/>
           <p:cNvSpPr>
             <a:spLocks noGrp="1" noRot="1" noChangeAspect="1"/>
           </p:cNvSpPr>
@@ -1023,7 +1031,7 @@
     </p:spTree>
     <p:extLst>
       <p:ext uri="{BB962C8B-B14F-4D97-AF65-F5344CB8AC3E}">
-        <p14:creationId xmlns:p14="http://schemas.microsoft.com/office/powerpoint/2010/main" val="960121791"/>
+        <p14:creationId xmlns:p14="http://schemas.microsoft.com/office/powerpoint/2010/main" val="2781638376"/>
       </p:ext>
     </p:extLst>
   </p:cSld>
@@ -1034,145 +1042,6 @@
 </file>
 
 <file path=ppt/notesSlides/notesSlide11.xml><?xml version="1.0" encoding="utf-8"?>
-<p:notes xmlns:a="http://schemas.openxmlformats.org/drawingml/2006/main" xmlns:r="http://schemas.openxmlformats.org/officeDocument/2006/relationships" xmlns:p="http://schemas.openxmlformats.org/presentationml/2006/main" showMasterSp="0" showMasterPhAnim="0">
-  <p:cSld>
-    <p:spTree>
-      <p:nvGrpSpPr>
-        <p:cNvPr id="1" name="Shape 126"/>
-        <p:cNvGrpSpPr/>
-        <p:nvPr/>
-      </p:nvGrpSpPr>
-      <p:grpSpPr>
-        <a:xfrm>
-          <a:off x="0" y="0"/>
-          <a:ext cx="0" cy="0"/>
-          <a:chOff x="0" y="0"/>
-          <a:chExt cx="0" cy="0"/>
-        </a:xfrm>
-      </p:grpSpPr>
-      <p:sp>
-        <p:nvSpPr>
-          <p:cNvPr id="127" name="Google Shape;127;gbeac4eda0d_0_2:notes"/>
-          <p:cNvSpPr txBox="1">
-            <a:spLocks noGrp="1"/>
-          </p:cNvSpPr>
-          <p:nvPr>
-            <p:ph type="body" idx="1"/>
-          </p:nvPr>
-        </p:nvSpPr>
-        <p:spPr>
-          <a:xfrm>
-            <a:off x="685800" y="4343400"/>
-            <a:ext cx="5486400" cy="4114800"/>
-          </a:xfrm>
-          <a:prstGeom prst="rect">
-            <a:avLst/>
-          </a:prstGeom>
-          <a:noFill/>
-          <a:ln>
-            <a:noFill/>
-          </a:ln>
-        </p:spPr>
-        <p:txBody>
-          <a:bodyPr spcFirstLastPara="1" wrap="square" lIns="91425" tIns="91425" rIns="91425" bIns="91425" anchor="ctr" anchorCtr="0">
-            <a:noAutofit/>
-          </a:bodyPr>
-          <a:lstStyle/>
-          <a:p>
-            <a:pPr marL="0" marR="0" lvl="0" indent="0" algn="l" rtl="0">
-              <a:lnSpc>
-                <a:spcPct val="100000"/>
-              </a:lnSpc>
-              <a:spcBef>
-                <a:spcPts val="0"/>
-              </a:spcBef>
-              <a:spcAft>
-                <a:spcPts val="0"/>
-              </a:spcAft>
-              <a:buClr>
-                <a:srgbClr val="000000"/>
-              </a:buClr>
-              <a:buSzPts val="1100"/>
-              <a:buFont typeface="Arial"/>
-              <a:buNone/>
-            </a:pPr>
-            <a:endParaRPr sz="1100" u="none" strike="noStrike" cap="none" dirty="0">
-              <a:solidFill>
-                <a:srgbClr val="000000"/>
-              </a:solidFill>
-              <a:latin typeface="Nunito Sans"/>
-              <a:ea typeface="Nunito Sans"/>
-              <a:cs typeface="Nunito Sans"/>
-              <a:sym typeface="Nunito Sans"/>
-            </a:endParaRPr>
-          </a:p>
-        </p:txBody>
-      </p:sp>
-      <p:sp>
-        <p:nvSpPr>
-          <p:cNvPr id="128" name="Google Shape;128;gbeac4eda0d_0_2:notes"/>
-          <p:cNvSpPr>
-            <a:spLocks noGrp="1" noRot="1" noChangeAspect="1"/>
-          </p:cNvSpPr>
-          <p:nvPr>
-            <p:ph type="sldImg" idx="2"/>
-          </p:nvPr>
-        </p:nvSpPr>
-        <p:spPr>
-          <a:xfrm>
-            <a:off x="381000" y="685800"/>
-            <a:ext cx="6096000" cy="3429000"/>
-          </a:xfrm>
-          <a:custGeom>
-            <a:avLst/>
-            <a:gdLst/>
-            <a:ahLst/>
-            <a:cxnLst/>
-            <a:rect l="l" t="t" r="r" b="b"/>
-            <a:pathLst>
-              <a:path w="120000" h="120000" extrusionOk="0">
-                <a:moveTo>
-                  <a:pt x="0" y="0"/>
-                </a:moveTo>
-                <a:lnTo>
-                  <a:pt x="120000" y="0"/>
-                </a:lnTo>
-                <a:lnTo>
-                  <a:pt x="120000" y="120000"/>
-                </a:lnTo>
-                <a:lnTo>
-                  <a:pt x="0" y="120000"/>
-                </a:lnTo>
-                <a:close/>
-              </a:path>
-            </a:pathLst>
-          </a:custGeom>
-          <a:noFill/>
-          <a:ln w="9525" cap="flat" cmpd="sng">
-            <a:solidFill>
-              <a:srgbClr val="000000"/>
-            </a:solidFill>
-            <a:prstDash val="solid"/>
-            <a:round/>
-            <a:headEnd type="none" w="sm" len="sm"/>
-            <a:tailEnd type="none" w="sm" len="sm"/>
-          </a:ln>
-        </p:spPr>
-      </p:sp>
-    </p:spTree>
-    <p:extLst>
-      <p:ext uri="{BB962C8B-B14F-4D97-AF65-F5344CB8AC3E}">
-        <p14:creationId xmlns:p14="http://schemas.microsoft.com/office/powerpoint/2010/main" val="98847245"/>
-      </p:ext>
-    </p:extLst>
-  </p:cSld>
-  <p:clrMapOvr>
-    <a:masterClrMapping/>
-  </p:clrMapOvr>
-</p:notes>
-</file>
-
-<file path=ppt/notesSlides/notesSlide12.xml><?xml version="1.0" encoding="utf-8"?>
 <p:notes xmlns:a="http://schemas.openxmlformats.org/drawingml/2006/main" xmlns:r="http://schemas.openxmlformats.org/officeDocument/2006/relationships" xmlns:p="http://schemas.openxmlformats.org/presentationml/2006/main" showMasterSp="0" showMasterPhAnim="0">
   <p:cSld>
     <p:spTree>
@@ -1271,7 +1140,7 @@
     </p:spTree>
     <p:extLst>
       <p:ext uri="{BB962C8B-B14F-4D97-AF65-F5344CB8AC3E}">
-        <p14:creationId xmlns:p14="http://schemas.microsoft.com/office/powerpoint/2010/main" val="34265219"/>
+        <p14:creationId xmlns:p14="http://schemas.microsoft.com/office/powerpoint/2010/main" val="1325979566"/>
       </p:ext>
     </p:extLst>
   </p:cSld>
@@ -1281,12 +1150,12 @@
 </p:notes>
 </file>
 
-<file path=ppt/notesSlides/notesSlide13.xml><?xml version="1.0" encoding="utf-8"?>
+<file path=ppt/notesSlides/notesSlide12.xml><?xml version="1.0" encoding="utf-8"?>
 <p:notes xmlns:a="http://schemas.openxmlformats.org/drawingml/2006/main" xmlns:r="http://schemas.openxmlformats.org/officeDocument/2006/relationships" xmlns:p="http://schemas.openxmlformats.org/presentationml/2006/main" showMasterSp="0" showMasterPhAnim="0">
   <p:cSld>
     <p:spTree>
       <p:nvGrpSpPr>
-        <p:cNvPr id="1" name="Shape 138"/>
+        <p:cNvPr id="1" name="Shape 115"/>
         <p:cNvGrpSpPr/>
         <p:nvPr/>
       </p:nvGrpSpPr>
@@ -1300,7 +1169,7 @@
       </p:grpSpPr>
       <p:sp>
         <p:nvSpPr>
-          <p:cNvPr id="139" name="Google Shape;139;gbdb37be86e_0_33:notes"/>
+          <p:cNvPr id="116" name="Google Shape;116;gbdb37be86e_0_27:notes"/>
           <p:cNvSpPr txBox="1">
             <a:spLocks noGrp="1"/>
           </p:cNvSpPr>
@@ -1358,7 +1227,7 @@
       </p:sp>
       <p:sp>
         <p:nvSpPr>
-          <p:cNvPr id="140" name="Google Shape;140;gbdb37be86e_0_33:notes"/>
+          <p:cNvPr id="117" name="Google Shape;117;gbdb37be86e_0_27:notes"/>
           <p:cNvSpPr>
             <a:spLocks noGrp="1" noRot="1" noChangeAspect="1"/>
           </p:cNvSpPr>
@@ -1410,7 +1279,7 @@
     </p:spTree>
     <p:extLst>
       <p:ext uri="{BB962C8B-B14F-4D97-AF65-F5344CB8AC3E}">
-        <p14:creationId xmlns:p14="http://schemas.microsoft.com/office/powerpoint/2010/main" val="294368561"/>
+        <p14:creationId xmlns:p14="http://schemas.microsoft.com/office/powerpoint/2010/main" val="3694367962"/>
       </p:ext>
     </p:extLst>
   </p:cSld>
@@ -1420,12 +1289,12 @@
 </p:notes>
 </file>
 
-<file path=ppt/notesSlides/notesSlide14.xml><?xml version="1.0" encoding="utf-8"?>
+<file path=ppt/notesSlides/notesSlide13.xml><?xml version="1.0" encoding="utf-8"?>
 <p:notes xmlns:a="http://schemas.openxmlformats.org/drawingml/2006/main" xmlns:r="http://schemas.openxmlformats.org/officeDocument/2006/relationships" xmlns:p="http://schemas.openxmlformats.org/presentationml/2006/main" showMasterSp="0" showMasterPhAnim="0">
   <p:cSld>
     <p:spTree>
       <p:nvGrpSpPr>
-        <p:cNvPr id="1" name="Shape 146"/>
+        <p:cNvPr id="1" name="Shape 126"/>
         <p:cNvGrpSpPr/>
         <p:nvPr/>
       </p:nvGrpSpPr>
@@ -1439,7 +1308,7 @@
       </p:grpSpPr>
       <p:sp>
         <p:nvSpPr>
-          <p:cNvPr id="147" name="Google Shape;147;gbeb0753c87_0_4:notes"/>
+          <p:cNvPr id="127" name="Google Shape;127;gbeac4eda0d_0_2:notes"/>
           <p:cNvSpPr txBox="1">
             <a:spLocks noGrp="1"/>
           </p:cNvSpPr>
@@ -1466,7 +1335,10 @@
           </a:bodyPr>
           <a:lstStyle/>
           <a:p>
-            <a:pPr marL="0" lvl="0" indent="0" algn="l" rtl="0">
+            <a:pPr marL="0" marR="0" lvl="0" indent="0" algn="l" rtl="0">
+              <a:lnSpc>
+                <a:spcPct val="100000"/>
+              </a:lnSpc>
               <a:spcBef>
                 <a:spcPts val="0"/>
               </a:spcBef>
@@ -1474,7 +1346,7 @@
                 <a:spcPts val="0"/>
               </a:spcAft>
               <a:buClr>
-                <a:schemeClr val="dk1"/>
+                <a:srgbClr val="000000"/>
               </a:buClr>
               <a:buSzPts val="1100"/>
               <a:buFont typeface="Arial"/>
@@ -1494,7 +1366,7 @@
       </p:sp>
       <p:sp>
         <p:nvSpPr>
-          <p:cNvPr id="148" name="Google Shape;148;gbeb0753c87_0_4:notes"/>
+          <p:cNvPr id="128" name="Google Shape;128;gbeac4eda0d_0_2:notes"/>
           <p:cNvSpPr>
             <a:spLocks noGrp="1" noRot="1" noChangeAspect="1"/>
           </p:cNvSpPr>
@@ -1546,7 +1418,146 @@
     </p:spTree>
     <p:extLst>
       <p:ext uri="{BB962C8B-B14F-4D97-AF65-F5344CB8AC3E}">
-        <p14:creationId xmlns:p14="http://schemas.microsoft.com/office/powerpoint/2010/main" val="1752851376"/>
+        <p14:creationId xmlns:p14="http://schemas.microsoft.com/office/powerpoint/2010/main" val="960121791"/>
+      </p:ext>
+    </p:extLst>
+  </p:cSld>
+  <p:clrMapOvr>
+    <a:masterClrMapping/>
+  </p:clrMapOvr>
+</p:notes>
+</file>
+
+<file path=ppt/notesSlides/notesSlide14.xml><?xml version="1.0" encoding="utf-8"?>
+<p:notes xmlns:a="http://schemas.openxmlformats.org/drawingml/2006/main" xmlns:r="http://schemas.openxmlformats.org/officeDocument/2006/relationships" xmlns:p="http://schemas.openxmlformats.org/presentationml/2006/main" showMasterSp="0" showMasterPhAnim="0">
+  <p:cSld>
+    <p:spTree>
+      <p:nvGrpSpPr>
+        <p:cNvPr id="1" name="Shape 126"/>
+        <p:cNvGrpSpPr/>
+        <p:nvPr/>
+      </p:nvGrpSpPr>
+      <p:grpSpPr>
+        <a:xfrm>
+          <a:off x="0" y="0"/>
+          <a:ext cx="0" cy="0"/>
+          <a:chOff x="0" y="0"/>
+          <a:chExt cx="0" cy="0"/>
+        </a:xfrm>
+      </p:grpSpPr>
+      <p:sp>
+        <p:nvSpPr>
+          <p:cNvPr id="127" name="Google Shape;127;gbeac4eda0d_0_2:notes"/>
+          <p:cNvSpPr txBox="1">
+            <a:spLocks noGrp="1"/>
+          </p:cNvSpPr>
+          <p:nvPr>
+            <p:ph type="body" idx="1"/>
+          </p:nvPr>
+        </p:nvSpPr>
+        <p:spPr>
+          <a:xfrm>
+            <a:off x="685800" y="4343400"/>
+            <a:ext cx="5486400" cy="4114800"/>
+          </a:xfrm>
+          <a:prstGeom prst="rect">
+            <a:avLst/>
+          </a:prstGeom>
+          <a:noFill/>
+          <a:ln>
+            <a:noFill/>
+          </a:ln>
+        </p:spPr>
+        <p:txBody>
+          <a:bodyPr spcFirstLastPara="1" wrap="square" lIns="91425" tIns="91425" rIns="91425" bIns="91425" anchor="ctr" anchorCtr="0">
+            <a:noAutofit/>
+          </a:bodyPr>
+          <a:lstStyle/>
+          <a:p>
+            <a:pPr marL="0" marR="0" lvl="0" indent="0" algn="l" rtl="0">
+              <a:lnSpc>
+                <a:spcPct val="100000"/>
+              </a:lnSpc>
+              <a:spcBef>
+                <a:spcPts val="0"/>
+              </a:spcBef>
+              <a:spcAft>
+                <a:spcPts val="0"/>
+              </a:spcAft>
+              <a:buClr>
+                <a:srgbClr val="000000"/>
+              </a:buClr>
+              <a:buSzPts val="1100"/>
+              <a:buFont typeface="Arial"/>
+              <a:buNone/>
+            </a:pPr>
+            <a:endParaRPr sz="1100" u="none" strike="noStrike" cap="none" dirty="0">
+              <a:solidFill>
+                <a:srgbClr val="000000"/>
+              </a:solidFill>
+              <a:latin typeface="Nunito Sans"/>
+              <a:ea typeface="Nunito Sans"/>
+              <a:cs typeface="Nunito Sans"/>
+              <a:sym typeface="Nunito Sans"/>
+            </a:endParaRPr>
+          </a:p>
+        </p:txBody>
+      </p:sp>
+      <p:sp>
+        <p:nvSpPr>
+          <p:cNvPr id="128" name="Google Shape;128;gbeac4eda0d_0_2:notes"/>
+          <p:cNvSpPr>
+            <a:spLocks noGrp="1" noRot="1" noChangeAspect="1"/>
+          </p:cNvSpPr>
+          <p:nvPr>
+            <p:ph type="sldImg" idx="2"/>
+          </p:nvPr>
+        </p:nvSpPr>
+        <p:spPr>
+          <a:xfrm>
+            <a:off x="381000" y="685800"/>
+            <a:ext cx="6096000" cy="3429000"/>
+          </a:xfrm>
+          <a:custGeom>
+            <a:avLst/>
+            <a:gdLst/>
+            <a:ahLst/>
+            <a:cxnLst/>
+            <a:rect l="l" t="t" r="r" b="b"/>
+            <a:pathLst>
+              <a:path w="120000" h="120000" extrusionOk="0">
+                <a:moveTo>
+                  <a:pt x="0" y="0"/>
+                </a:moveTo>
+                <a:lnTo>
+                  <a:pt x="120000" y="0"/>
+                </a:lnTo>
+                <a:lnTo>
+                  <a:pt x="120000" y="120000"/>
+                </a:lnTo>
+                <a:lnTo>
+                  <a:pt x="0" y="120000"/>
+                </a:lnTo>
+                <a:close/>
+              </a:path>
+            </a:pathLst>
+          </a:custGeom>
+          <a:noFill/>
+          <a:ln w="9525" cap="flat" cmpd="sng">
+            <a:solidFill>
+              <a:srgbClr val="000000"/>
+            </a:solidFill>
+            <a:prstDash val="solid"/>
+            <a:round/>
+            <a:headEnd type="none" w="sm" len="sm"/>
+            <a:tailEnd type="none" w="sm" len="sm"/>
+          </a:ln>
+        </p:spPr>
+      </p:sp>
+    </p:spTree>
+    <p:extLst>
+      <p:ext uri="{BB962C8B-B14F-4D97-AF65-F5344CB8AC3E}">
+        <p14:creationId xmlns:p14="http://schemas.microsoft.com/office/powerpoint/2010/main" val="98847245"/>
       </p:ext>
     </p:extLst>
   </p:cSld>
@@ -1655,7 +1666,7 @@
     </p:spTree>
     <p:extLst>
       <p:ext uri="{BB962C8B-B14F-4D97-AF65-F5344CB8AC3E}">
-        <p14:creationId xmlns:p14="http://schemas.microsoft.com/office/powerpoint/2010/main" val="3602434436"/>
+        <p14:creationId xmlns:p14="http://schemas.microsoft.com/office/powerpoint/2010/main" val="34265219"/>
       </p:ext>
     </p:extLst>
   </p:cSld>
@@ -1670,7 +1681,7 @@
   <p:cSld>
     <p:spTree>
       <p:nvGrpSpPr>
-        <p:cNvPr id="1" name="Shape 160"/>
+        <p:cNvPr id="1" name="Shape 138"/>
         <p:cNvGrpSpPr/>
         <p:nvPr/>
       </p:nvGrpSpPr>
@@ -1684,7 +1695,7 @@
       </p:grpSpPr>
       <p:sp>
         <p:nvSpPr>
-          <p:cNvPr id="161" name="Google Shape;161;gbdb37be86e_0_39:notes"/>
+          <p:cNvPr id="139" name="Google Shape;139;gbdb37be86e_0_33:notes"/>
           <p:cNvSpPr txBox="1">
             <a:spLocks noGrp="1"/>
           </p:cNvSpPr>
@@ -1711,7 +1722,10 @@
           </a:bodyPr>
           <a:lstStyle/>
           <a:p>
-            <a:pPr marL="0" lvl="0" indent="0" algn="l" rtl="0">
+            <a:pPr marL="0" marR="0" lvl="0" indent="0" algn="l" rtl="0">
+              <a:lnSpc>
+                <a:spcPct val="100000"/>
+              </a:lnSpc>
               <a:spcBef>
                 <a:spcPts val="0"/>
               </a:spcBef>
@@ -1719,7 +1733,7 @@
                 <a:spcPts val="0"/>
               </a:spcAft>
               <a:buClr>
-                <a:schemeClr val="dk1"/>
+                <a:srgbClr val="000000"/>
               </a:buClr>
               <a:buSzPts val="1100"/>
               <a:buFont typeface="Arial"/>
@@ -1739,7 +1753,7 @@
       </p:sp>
       <p:sp>
         <p:nvSpPr>
-          <p:cNvPr id="162" name="Google Shape;162;gbdb37be86e_0_39:notes"/>
+          <p:cNvPr id="140" name="Google Shape;140;gbdb37be86e_0_33:notes"/>
           <p:cNvSpPr>
             <a:spLocks noGrp="1" noRot="1" noChangeAspect="1"/>
           </p:cNvSpPr>
@@ -1791,7 +1805,7 @@
     </p:spTree>
     <p:extLst>
       <p:ext uri="{BB962C8B-B14F-4D97-AF65-F5344CB8AC3E}">
-        <p14:creationId xmlns:p14="http://schemas.microsoft.com/office/powerpoint/2010/main" val="2167677409"/>
+        <p14:creationId xmlns:p14="http://schemas.microsoft.com/office/powerpoint/2010/main" val="294368561"/>
       </p:ext>
     </p:extLst>
   </p:cSld>
@@ -1802,6 +1816,278 @@
 </file>
 
 <file path=ppt/notesSlides/notesSlide17.xml><?xml version="1.0" encoding="utf-8"?>
+<p:notes xmlns:a="http://schemas.openxmlformats.org/drawingml/2006/main" xmlns:r="http://schemas.openxmlformats.org/officeDocument/2006/relationships" xmlns:p="http://schemas.openxmlformats.org/presentationml/2006/main" showMasterSp="0" showMasterPhAnim="0">
+  <p:cSld>
+    <p:spTree>
+      <p:nvGrpSpPr>
+        <p:cNvPr id="1" name="Shape 146"/>
+        <p:cNvGrpSpPr/>
+        <p:nvPr/>
+      </p:nvGrpSpPr>
+      <p:grpSpPr>
+        <a:xfrm>
+          <a:off x="0" y="0"/>
+          <a:ext cx="0" cy="0"/>
+          <a:chOff x="0" y="0"/>
+          <a:chExt cx="0" cy="0"/>
+        </a:xfrm>
+      </p:grpSpPr>
+      <p:sp>
+        <p:nvSpPr>
+          <p:cNvPr id="147" name="Google Shape;147;gbeb0753c87_0_4:notes"/>
+          <p:cNvSpPr txBox="1">
+            <a:spLocks noGrp="1"/>
+          </p:cNvSpPr>
+          <p:nvPr>
+            <p:ph type="body" idx="1"/>
+          </p:nvPr>
+        </p:nvSpPr>
+        <p:spPr>
+          <a:xfrm>
+            <a:off x="685800" y="4343400"/>
+            <a:ext cx="5486400" cy="4114800"/>
+          </a:xfrm>
+          <a:prstGeom prst="rect">
+            <a:avLst/>
+          </a:prstGeom>
+          <a:noFill/>
+          <a:ln>
+            <a:noFill/>
+          </a:ln>
+        </p:spPr>
+        <p:txBody>
+          <a:bodyPr spcFirstLastPara="1" wrap="square" lIns="91425" tIns="91425" rIns="91425" bIns="91425" anchor="ctr" anchorCtr="0">
+            <a:noAutofit/>
+          </a:bodyPr>
+          <a:lstStyle/>
+          <a:p>
+            <a:pPr marL="0" lvl="0" indent="0" algn="l" rtl="0">
+              <a:spcBef>
+                <a:spcPts val="0"/>
+              </a:spcBef>
+              <a:spcAft>
+                <a:spcPts val="0"/>
+              </a:spcAft>
+              <a:buClr>
+                <a:schemeClr val="dk1"/>
+              </a:buClr>
+              <a:buSzPts val="1100"/>
+              <a:buFont typeface="Arial"/>
+              <a:buNone/>
+            </a:pPr>
+            <a:endParaRPr sz="1100" u="none" strike="noStrike" cap="none" dirty="0">
+              <a:solidFill>
+                <a:srgbClr val="000000"/>
+              </a:solidFill>
+              <a:latin typeface="Nunito Sans"/>
+              <a:ea typeface="Nunito Sans"/>
+              <a:cs typeface="Nunito Sans"/>
+              <a:sym typeface="Nunito Sans"/>
+            </a:endParaRPr>
+          </a:p>
+        </p:txBody>
+      </p:sp>
+      <p:sp>
+        <p:nvSpPr>
+          <p:cNvPr id="148" name="Google Shape;148;gbeb0753c87_0_4:notes"/>
+          <p:cNvSpPr>
+            <a:spLocks noGrp="1" noRot="1" noChangeAspect="1"/>
+          </p:cNvSpPr>
+          <p:nvPr>
+            <p:ph type="sldImg" idx="2"/>
+          </p:nvPr>
+        </p:nvSpPr>
+        <p:spPr>
+          <a:xfrm>
+            <a:off x="381000" y="685800"/>
+            <a:ext cx="6096000" cy="3429000"/>
+          </a:xfrm>
+          <a:custGeom>
+            <a:avLst/>
+            <a:gdLst/>
+            <a:ahLst/>
+            <a:cxnLst/>
+            <a:rect l="l" t="t" r="r" b="b"/>
+            <a:pathLst>
+              <a:path w="120000" h="120000" extrusionOk="0">
+                <a:moveTo>
+                  <a:pt x="0" y="0"/>
+                </a:moveTo>
+                <a:lnTo>
+                  <a:pt x="120000" y="0"/>
+                </a:lnTo>
+                <a:lnTo>
+                  <a:pt x="120000" y="120000"/>
+                </a:lnTo>
+                <a:lnTo>
+                  <a:pt x="0" y="120000"/>
+                </a:lnTo>
+                <a:close/>
+              </a:path>
+            </a:pathLst>
+          </a:custGeom>
+          <a:noFill/>
+          <a:ln w="9525" cap="flat" cmpd="sng">
+            <a:solidFill>
+              <a:srgbClr val="000000"/>
+            </a:solidFill>
+            <a:prstDash val="solid"/>
+            <a:round/>
+            <a:headEnd type="none" w="sm" len="sm"/>
+            <a:tailEnd type="none" w="sm" len="sm"/>
+          </a:ln>
+        </p:spPr>
+      </p:sp>
+    </p:spTree>
+    <p:extLst>
+      <p:ext uri="{BB962C8B-B14F-4D97-AF65-F5344CB8AC3E}">
+        <p14:creationId xmlns:p14="http://schemas.microsoft.com/office/powerpoint/2010/main" val="1752851376"/>
+      </p:ext>
+    </p:extLst>
+  </p:cSld>
+  <p:clrMapOvr>
+    <a:masterClrMapping/>
+  </p:clrMapOvr>
+</p:notes>
+</file>
+
+<file path=ppt/notesSlides/notesSlide18.xml><?xml version="1.0" encoding="utf-8"?>
+<p:notes xmlns:a="http://schemas.openxmlformats.org/drawingml/2006/main" xmlns:r="http://schemas.openxmlformats.org/officeDocument/2006/relationships" xmlns:p="http://schemas.openxmlformats.org/presentationml/2006/main" showMasterSp="0" showMasterPhAnim="0">
+  <p:cSld>
+    <p:spTree>
+      <p:nvGrpSpPr>
+        <p:cNvPr id="1" name="Shape 146"/>
+        <p:cNvGrpSpPr/>
+        <p:nvPr/>
+      </p:nvGrpSpPr>
+      <p:grpSpPr>
+        <a:xfrm>
+          <a:off x="0" y="0"/>
+          <a:ext cx="0" cy="0"/>
+          <a:chOff x="0" y="0"/>
+          <a:chExt cx="0" cy="0"/>
+        </a:xfrm>
+      </p:grpSpPr>
+      <p:sp>
+        <p:nvSpPr>
+          <p:cNvPr id="147" name="Google Shape;147;gbeb0753c87_0_4:notes"/>
+          <p:cNvSpPr txBox="1">
+            <a:spLocks noGrp="1"/>
+          </p:cNvSpPr>
+          <p:nvPr>
+            <p:ph type="body" idx="1"/>
+          </p:nvPr>
+        </p:nvSpPr>
+        <p:spPr>
+          <a:xfrm>
+            <a:off x="685800" y="4343400"/>
+            <a:ext cx="5486400" cy="4114800"/>
+          </a:xfrm>
+          <a:prstGeom prst="rect">
+            <a:avLst/>
+          </a:prstGeom>
+          <a:noFill/>
+          <a:ln>
+            <a:noFill/>
+          </a:ln>
+        </p:spPr>
+        <p:txBody>
+          <a:bodyPr spcFirstLastPara="1" wrap="square" lIns="91425" tIns="91425" rIns="91425" bIns="91425" anchor="ctr" anchorCtr="0">
+            <a:noAutofit/>
+          </a:bodyPr>
+          <a:lstStyle/>
+          <a:p>
+            <a:pPr marL="0" lvl="0" indent="0" algn="l" rtl="0">
+              <a:spcBef>
+                <a:spcPts val="0"/>
+              </a:spcBef>
+              <a:spcAft>
+                <a:spcPts val="0"/>
+              </a:spcAft>
+              <a:buClr>
+                <a:schemeClr val="dk1"/>
+              </a:buClr>
+              <a:buSzPts val="1100"/>
+              <a:buFont typeface="Arial"/>
+              <a:buNone/>
+            </a:pPr>
+            <a:endParaRPr sz="1100" u="none" strike="noStrike" cap="none" dirty="0">
+              <a:solidFill>
+                <a:srgbClr val="000000"/>
+              </a:solidFill>
+              <a:latin typeface="Nunito Sans"/>
+              <a:ea typeface="Nunito Sans"/>
+              <a:cs typeface="Nunito Sans"/>
+              <a:sym typeface="Nunito Sans"/>
+            </a:endParaRPr>
+          </a:p>
+        </p:txBody>
+      </p:sp>
+      <p:sp>
+        <p:nvSpPr>
+          <p:cNvPr id="148" name="Google Shape;148;gbeb0753c87_0_4:notes"/>
+          <p:cNvSpPr>
+            <a:spLocks noGrp="1" noRot="1" noChangeAspect="1"/>
+          </p:cNvSpPr>
+          <p:nvPr>
+            <p:ph type="sldImg" idx="2"/>
+          </p:nvPr>
+        </p:nvSpPr>
+        <p:spPr>
+          <a:xfrm>
+            <a:off x="381000" y="685800"/>
+            <a:ext cx="6096000" cy="3429000"/>
+          </a:xfrm>
+          <a:custGeom>
+            <a:avLst/>
+            <a:gdLst/>
+            <a:ahLst/>
+            <a:cxnLst/>
+            <a:rect l="l" t="t" r="r" b="b"/>
+            <a:pathLst>
+              <a:path w="120000" h="120000" extrusionOk="0">
+                <a:moveTo>
+                  <a:pt x="0" y="0"/>
+                </a:moveTo>
+                <a:lnTo>
+                  <a:pt x="120000" y="0"/>
+                </a:lnTo>
+                <a:lnTo>
+                  <a:pt x="120000" y="120000"/>
+                </a:lnTo>
+                <a:lnTo>
+                  <a:pt x="0" y="120000"/>
+                </a:lnTo>
+                <a:close/>
+              </a:path>
+            </a:pathLst>
+          </a:custGeom>
+          <a:noFill/>
+          <a:ln w="9525" cap="flat" cmpd="sng">
+            <a:solidFill>
+              <a:srgbClr val="000000"/>
+            </a:solidFill>
+            <a:prstDash val="solid"/>
+            <a:round/>
+            <a:headEnd type="none" w="sm" len="sm"/>
+            <a:tailEnd type="none" w="sm" len="sm"/>
+          </a:ln>
+        </p:spPr>
+      </p:sp>
+    </p:spTree>
+    <p:extLst>
+      <p:ext uri="{BB962C8B-B14F-4D97-AF65-F5344CB8AC3E}">
+        <p14:creationId xmlns:p14="http://schemas.microsoft.com/office/powerpoint/2010/main" val="1247472575"/>
+      </p:ext>
+    </p:extLst>
+  </p:cSld>
+  <p:clrMapOvr>
+    <a:masterClrMapping/>
+  </p:clrMapOvr>
+</p:notes>
+</file>
+
+<file path=ppt/notesSlides/notesSlide19.xml><?xml version="1.0" encoding="utf-8"?>
 <p:notes xmlns:a="http://schemas.openxmlformats.org/drawingml/2006/main" xmlns:r="http://schemas.openxmlformats.org/officeDocument/2006/relationships" xmlns:p="http://schemas.openxmlformats.org/presentationml/2006/main" showMasterSp="0" showMasterPhAnim="0">
   <p:cSld>
     <p:spTree>
@@ -1900,146 +2186,7 @@
     </p:spTree>
     <p:extLst>
       <p:ext uri="{BB962C8B-B14F-4D97-AF65-F5344CB8AC3E}">
-        <p14:creationId xmlns:p14="http://schemas.microsoft.com/office/powerpoint/2010/main" val="3782067903"/>
-      </p:ext>
-    </p:extLst>
-  </p:cSld>
-  <p:clrMapOvr>
-    <a:masterClrMapping/>
-  </p:clrMapOvr>
-</p:notes>
-</file>
-
-<file path=ppt/notesSlides/notesSlide18.xml><?xml version="1.0" encoding="utf-8"?>
-<p:notes xmlns:a="http://schemas.openxmlformats.org/drawingml/2006/main" xmlns:r="http://schemas.openxmlformats.org/officeDocument/2006/relationships" xmlns:p="http://schemas.openxmlformats.org/presentationml/2006/main" showMasterSp="0" showMasterPhAnim="0">
-  <p:cSld>
-    <p:spTree>
-      <p:nvGrpSpPr>
-        <p:cNvPr id="1" name="Shape 212"/>
-        <p:cNvGrpSpPr/>
-        <p:nvPr/>
-      </p:nvGrpSpPr>
-      <p:grpSpPr>
-        <a:xfrm>
-          <a:off x="0" y="0"/>
-          <a:ext cx="0" cy="0"/>
-          <a:chOff x="0" y="0"/>
-          <a:chExt cx="0" cy="0"/>
-        </a:xfrm>
-      </p:grpSpPr>
-      <p:sp>
-        <p:nvSpPr>
-          <p:cNvPr id="213" name="Google Shape;213;g898ad788d7_4_24:notes"/>
-          <p:cNvSpPr txBox="1">
-            <a:spLocks noGrp="1"/>
-          </p:cNvSpPr>
-          <p:nvPr>
-            <p:ph type="body" idx="1"/>
-          </p:nvPr>
-        </p:nvSpPr>
-        <p:spPr>
-          <a:xfrm>
-            <a:off x="685800" y="4343400"/>
-            <a:ext cx="5486400" cy="4114800"/>
-          </a:xfrm>
-          <a:prstGeom prst="rect">
-            <a:avLst/>
-          </a:prstGeom>
-          <a:noFill/>
-          <a:ln>
-            <a:noFill/>
-          </a:ln>
-        </p:spPr>
-        <p:txBody>
-          <a:bodyPr spcFirstLastPara="1" wrap="square" lIns="91425" tIns="91425" rIns="91425" bIns="91425" anchor="ctr" anchorCtr="0">
-            <a:noAutofit/>
-          </a:bodyPr>
-          <a:lstStyle/>
-          <a:p>
-            <a:pPr marL="0" marR="0" lvl="0" indent="0" algn="l" rtl="0">
-              <a:lnSpc>
-                <a:spcPct val="100000"/>
-              </a:lnSpc>
-              <a:spcBef>
-                <a:spcPts val="0"/>
-              </a:spcBef>
-              <a:spcAft>
-                <a:spcPts val="0"/>
-              </a:spcAft>
-              <a:buClr>
-                <a:srgbClr val="000000"/>
-              </a:buClr>
-              <a:buSzPts val="1100"/>
-              <a:buFont typeface="Arial"/>
-              <a:buNone/>
-            </a:pPr>
-            <a:endParaRPr sz="1100" u="none" strike="noStrike" cap="none">
-              <a:solidFill>
-                <a:srgbClr val="000000"/>
-              </a:solidFill>
-              <a:latin typeface="Nunito Sans"/>
-              <a:ea typeface="Nunito Sans"/>
-              <a:cs typeface="Nunito Sans"/>
-              <a:sym typeface="Nunito Sans"/>
-            </a:endParaRPr>
-          </a:p>
-        </p:txBody>
-      </p:sp>
-      <p:sp>
-        <p:nvSpPr>
-          <p:cNvPr id="214" name="Google Shape;214;g898ad788d7_4_24:notes"/>
-          <p:cNvSpPr>
-            <a:spLocks noGrp="1" noRot="1" noChangeAspect="1"/>
-          </p:cNvSpPr>
-          <p:nvPr>
-            <p:ph type="sldImg" idx="2"/>
-          </p:nvPr>
-        </p:nvSpPr>
-        <p:spPr>
-          <a:xfrm>
-            <a:off x="381000" y="685800"/>
-            <a:ext cx="6096000" cy="3429000"/>
-          </a:xfrm>
-          <a:custGeom>
-            <a:avLst/>
-            <a:gdLst/>
-            <a:ahLst/>
-            <a:cxnLst/>
-            <a:rect l="l" t="t" r="r" b="b"/>
-            <a:pathLst>
-              <a:path w="120000" h="120000" extrusionOk="0">
-                <a:moveTo>
-                  <a:pt x="0" y="0"/>
-                </a:moveTo>
-                <a:lnTo>
-                  <a:pt x="120000" y="0"/>
-                </a:lnTo>
-                <a:lnTo>
-                  <a:pt x="120000" y="120000"/>
-                </a:lnTo>
-                <a:lnTo>
-                  <a:pt x="0" y="120000"/>
-                </a:lnTo>
-                <a:close/>
-              </a:path>
-            </a:pathLst>
-          </a:custGeom>
-          <a:noFill/>
-          <a:ln w="9525" cap="flat" cmpd="sng">
-            <a:solidFill>
-              <a:srgbClr val="000000"/>
-            </a:solidFill>
-            <a:prstDash val="solid"/>
-            <a:round/>
-            <a:headEnd type="none" w="sm" len="sm"/>
-            <a:tailEnd type="none" w="sm" len="sm"/>
-          </a:ln>
-        </p:spPr>
-      </p:sp>
-    </p:spTree>
-    <p:extLst>
-      <p:ext uri="{BB962C8B-B14F-4D97-AF65-F5344CB8AC3E}">
-        <p14:creationId xmlns:p14="http://schemas.microsoft.com/office/powerpoint/2010/main" val="2064330840"/>
+        <p14:creationId xmlns:p14="http://schemas.microsoft.com/office/powerpoint/2010/main" val="2265929142"/>
       </p:ext>
     </p:extLst>
   </p:cSld>
@@ -2149,6 +2296,907 @@
     <p:extLst>
       <p:ext uri="{BB962C8B-B14F-4D97-AF65-F5344CB8AC3E}">
         <p14:creationId xmlns:p14="http://schemas.microsoft.com/office/powerpoint/2010/main" val="1071299764"/>
+      </p:ext>
+    </p:extLst>
+  </p:cSld>
+  <p:clrMapOvr>
+    <a:masterClrMapping/>
+  </p:clrMapOvr>
+</p:notes>
+</file>
+
+<file path=ppt/notesSlides/notesSlide20.xml><?xml version="1.0" encoding="utf-8"?>
+<p:notes xmlns:a="http://schemas.openxmlformats.org/drawingml/2006/main" xmlns:r="http://schemas.openxmlformats.org/officeDocument/2006/relationships" xmlns:p="http://schemas.openxmlformats.org/presentationml/2006/main" showMasterSp="0" showMasterPhAnim="0">
+  <p:cSld>
+    <p:spTree>
+      <p:nvGrpSpPr>
+        <p:cNvPr id="1" name="Shape 146"/>
+        <p:cNvGrpSpPr/>
+        <p:nvPr/>
+      </p:nvGrpSpPr>
+      <p:grpSpPr>
+        <a:xfrm>
+          <a:off x="0" y="0"/>
+          <a:ext cx="0" cy="0"/>
+          <a:chOff x="0" y="0"/>
+          <a:chExt cx="0" cy="0"/>
+        </a:xfrm>
+      </p:grpSpPr>
+      <p:sp>
+        <p:nvSpPr>
+          <p:cNvPr id="147" name="Google Shape;147;gbeb0753c87_0_4:notes"/>
+          <p:cNvSpPr txBox="1">
+            <a:spLocks noGrp="1"/>
+          </p:cNvSpPr>
+          <p:nvPr>
+            <p:ph type="body" idx="1"/>
+          </p:nvPr>
+        </p:nvSpPr>
+        <p:spPr>
+          <a:xfrm>
+            <a:off x="685800" y="4343400"/>
+            <a:ext cx="5486400" cy="4114800"/>
+          </a:xfrm>
+          <a:prstGeom prst="rect">
+            <a:avLst/>
+          </a:prstGeom>
+          <a:noFill/>
+          <a:ln>
+            <a:noFill/>
+          </a:ln>
+        </p:spPr>
+        <p:txBody>
+          <a:bodyPr spcFirstLastPara="1" wrap="square" lIns="91425" tIns="91425" rIns="91425" bIns="91425" anchor="ctr" anchorCtr="0">
+            <a:noAutofit/>
+          </a:bodyPr>
+          <a:lstStyle/>
+          <a:p>
+            <a:pPr marL="0" lvl="0" indent="0" algn="l" rtl="0">
+              <a:spcBef>
+                <a:spcPts val="0"/>
+              </a:spcBef>
+              <a:spcAft>
+                <a:spcPts val="0"/>
+              </a:spcAft>
+              <a:buClr>
+                <a:schemeClr val="dk1"/>
+              </a:buClr>
+              <a:buSzPts val="1100"/>
+              <a:buFont typeface="Arial"/>
+              <a:buNone/>
+            </a:pPr>
+            <a:endParaRPr sz="1100" u="none" strike="noStrike" cap="none" dirty="0">
+              <a:solidFill>
+                <a:srgbClr val="000000"/>
+              </a:solidFill>
+              <a:latin typeface="Nunito Sans"/>
+              <a:ea typeface="Nunito Sans"/>
+              <a:cs typeface="Nunito Sans"/>
+              <a:sym typeface="Nunito Sans"/>
+            </a:endParaRPr>
+          </a:p>
+        </p:txBody>
+      </p:sp>
+      <p:sp>
+        <p:nvSpPr>
+          <p:cNvPr id="148" name="Google Shape;148;gbeb0753c87_0_4:notes"/>
+          <p:cNvSpPr>
+            <a:spLocks noGrp="1" noRot="1" noChangeAspect="1"/>
+          </p:cNvSpPr>
+          <p:nvPr>
+            <p:ph type="sldImg" idx="2"/>
+          </p:nvPr>
+        </p:nvSpPr>
+        <p:spPr>
+          <a:xfrm>
+            <a:off x="381000" y="685800"/>
+            <a:ext cx="6096000" cy="3429000"/>
+          </a:xfrm>
+          <a:custGeom>
+            <a:avLst/>
+            <a:gdLst/>
+            <a:ahLst/>
+            <a:cxnLst/>
+            <a:rect l="l" t="t" r="r" b="b"/>
+            <a:pathLst>
+              <a:path w="120000" h="120000" extrusionOk="0">
+                <a:moveTo>
+                  <a:pt x="0" y="0"/>
+                </a:moveTo>
+                <a:lnTo>
+                  <a:pt x="120000" y="0"/>
+                </a:lnTo>
+                <a:lnTo>
+                  <a:pt x="120000" y="120000"/>
+                </a:lnTo>
+                <a:lnTo>
+                  <a:pt x="0" y="120000"/>
+                </a:lnTo>
+                <a:close/>
+              </a:path>
+            </a:pathLst>
+          </a:custGeom>
+          <a:noFill/>
+          <a:ln w="9525" cap="flat" cmpd="sng">
+            <a:solidFill>
+              <a:srgbClr val="000000"/>
+            </a:solidFill>
+            <a:prstDash val="solid"/>
+            <a:round/>
+            <a:headEnd type="none" w="sm" len="sm"/>
+            <a:tailEnd type="none" w="sm" len="sm"/>
+          </a:ln>
+        </p:spPr>
+      </p:sp>
+    </p:spTree>
+    <p:extLst>
+      <p:ext uri="{BB962C8B-B14F-4D97-AF65-F5344CB8AC3E}">
+        <p14:creationId xmlns:p14="http://schemas.microsoft.com/office/powerpoint/2010/main" val="569407891"/>
+      </p:ext>
+    </p:extLst>
+  </p:cSld>
+  <p:clrMapOvr>
+    <a:masterClrMapping/>
+  </p:clrMapOvr>
+</p:notes>
+</file>
+
+<file path=ppt/notesSlides/notesSlide21.xml><?xml version="1.0" encoding="utf-8"?>
+<p:notes xmlns:a="http://schemas.openxmlformats.org/drawingml/2006/main" xmlns:r="http://schemas.openxmlformats.org/officeDocument/2006/relationships" xmlns:p="http://schemas.openxmlformats.org/presentationml/2006/main" showMasterSp="0" showMasterPhAnim="0">
+  <p:cSld>
+    <p:spTree>
+      <p:nvGrpSpPr>
+        <p:cNvPr id="1" name="Shape 146"/>
+        <p:cNvGrpSpPr/>
+        <p:nvPr/>
+      </p:nvGrpSpPr>
+      <p:grpSpPr>
+        <a:xfrm>
+          <a:off x="0" y="0"/>
+          <a:ext cx="0" cy="0"/>
+          <a:chOff x="0" y="0"/>
+          <a:chExt cx="0" cy="0"/>
+        </a:xfrm>
+      </p:grpSpPr>
+      <p:sp>
+        <p:nvSpPr>
+          <p:cNvPr id="147" name="Google Shape;147;gbeb0753c87_0_4:notes"/>
+          <p:cNvSpPr txBox="1">
+            <a:spLocks noGrp="1"/>
+          </p:cNvSpPr>
+          <p:nvPr>
+            <p:ph type="body" idx="1"/>
+          </p:nvPr>
+        </p:nvSpPr>
+        <p:spPr>
+          <a:xfrm>
+            <a:off x="685800" y="4343400"/>
+            <a:ext cx="5486400" cy="4114800"/>
+          </a:xfrm>
+          <a:prstGeom prst="rect">
+            <a:avLst/>
+          </a:prstGeom>
+          <a:noFill/>
+          <a:ln>
+            <a:noFill/>
+          </a:ln>
+        </p:spPr>
+        <p:txBody>
+          <a:bodyPr spcFirstLastPara="1" wrap="square" lIns="91425" tIns="91425" rIns="91425" bIns="91425" anchor="ctr" anchorCtr="0">
+            <a:noAutofit/>
+          </a:bodyPr>
+          <a:lstStyle/>
+          <a:p>
+            <a:pPr marL="0" lvl="0" indent="0" algn="l" rtl="0">
+              <a:spcBef>
+                <a:spcPts val="0"/>
+              </a:spcBef>
+              <a:spcAft>
+                <a:spcPts val="0"/>
+              </a:spcAft>
+              <a:buClr>
+                <a:schemeClr val="dk1"/>
+              </a:buClr>
+              <a:buSzPts val="1100"/>
+              <a:buFont typeface="Arial"/>
+              <a:buNone/>
+            </a:pPr>
+            <a:endParaRPr sz="1100" u="none" strike="noStrike" cap="none" dirty="0">
+              <a:solidFill>
+                <a:srgbClr val="000000"/>
+              </a:solidFill>
+              <a:latin typeface="Nunito Sans"/>
+              <a:ea typeface="Nunito Sans"/>
+              <a:cs typeface="Nunito Sans"/>
+              <a:sym typeface="Nunito Sans"/>
+            </a:endParaRPr>
+          </a:p>
+        </p:txBody>
+      </p:sp>
+      <p:sp>
+        <p:nvSpPr>
+          <p:cNvPr id="148" name="Google Shape;148;gbeb0753c87_0_4:notes"/>
+          <p:cNvSpPr>
+            <a:spLocks noGrp="1" noRot="1" noChangeAspect="1"/>
+          </p:cNvSpPr>
+          <p:nvPr>
+            <p:ph type="sldImg" idx="2"/>
+          </p:nvPr>
+        </p:nvSpPr>
+        <p:spPr>
+          <a:xfrm>
+            <a:off x="381000" y="685800"/>
+            <a:ext cx="6096000" cy="3429000"/>
+          </a:xfrm>
+          <a:custGeom>
+            <a:avLst/>
+            <a:gdLst/>
+            <a:ahLst/>
+            <a:cxnLst/>
+            <a:rect l="l" t="t" r="r" b="b"/>
+            <a:pathLst>
+              <a:path w="120000" h="120000" extrusionOk="0">
+                <a:moveTo>
+                  <a:pt x="0" y="0"/>
+                </a:moveTo>
+                <a:lnTo>
+                  <a:pt x="120000" y="0"/>
+                </a:lnTo>
+                <a:lnTo>
+                  <a:pt x="120000" y="120000"/>
+                </a:lnTo>
+                <a:lnTo>
+                  <a:pt x="0" y="120000"/>
+                </a:lnTo>
+                <a:close/>
+              </a:path>
+            </a:pathLst>
+          </a:custGeom>
+          <a:noFill/>
+          <a:ln w="9525" cap="flat" cmpd="sng">
+            <a:solidFill>
+              <a:srgbClr val="000000"/>
+            </a:solidFill>
+            <a:prstDash val="solid"/>
+            <a:round/>
+            <a:headEnd type="none" w="sm" len="sm"/>
+            <a:tailEnd type="none" w="sm" len="sm"/>
+          </a:ln>
+        </p:spPr>
+      </p:sp>
+    </p:spTree>
+    <p:extLst>
+      <p:ext uri="{BB962C8B-B14F-4D97-AF65-F5344CB8AC3E}">
+        <p14:creationId xmlns:p14="http://schemas.microsoft.com/office/powerpoint/2010/main" val="355565580"/>
+      </p:ext>
+    </p:extLst>
+  </p:cSld>
+  <p:clrMapOvr>
+    <a:masterClrMapping/>
+  </p:clrMapOvr>
+</p:notes>
+</file>
+
+<file path=ppt/notesSlides/notesSlide22.xml><?xml version="1.0" encoding="utf-8"?>
+<p:notes xmlns:a="http://schemas.openxmlformats.org/drawingml/2006/main" xmlns:r="http://schemas.openxmlformats.org/officeDocument/2006/relationships" xmlns:p="http://schemas.openxmlformats.org/presentationml/2006/main" showMasterSp="0" showMasterPhAnim="0">
+  <p:cSld>
+    <p:spTree>
+      <p:nvGrpSpPr>
+        <p:cNvPr id="1" name="Shape 146"/>
+        <p:cNvGrpSpPr/>
+        <p:nvPr/>
+      </p:nvGrpSpPr>
+      <p:grpSpPr>
+        <a:xfrm>
+          <a:off x="0" y="0"/>
+          <a:ext cx="0" cy="0"/>
+          <a:chOff x="0" y="0"/>
+          <a:chExt cx="0" cy="0"/>
+        </a:xfrm>
+      </p:grpSpPr>
+      <p:sp>
+        <p:nvSpPr>
+          <p:cNvPr id="147" name="Google Shape;147;gbeb0753c87_0_4:notes"/>
+          <p:cNvSpPr txBox="1">
+            <a:spLocks noGrp="1"/>
+          </p:cNvSpPr>
+          <p:nvPr>
+            <p:ph type="body" idx="1"/>
+          </p:nvPr>
+        </p:nvSpPr>
+        <p:spPr>
+          <a:xfrm>
+            <a:off x="685800" y="4343400"/>
+            <a:ext cx="5486400" cy="4114800"/>
+          </a:xfrm>
+          <a:prstGeom prst="rect">
+            <a:avLst/>
+          </a:prstGeom>
+          <a:noFill/>
+          <a:ln>
+            <a:noFill/>
+          </a:ln>
+        </p:spPr>
+        <p:txBody>
+          <a:bodyPr spcFirstLastPara="1" wrap="square" lIns="91425" tIns="91425" rIns="91425" bIns="91425" anchor="ctr" anchorCtr="0">
+            <a:noAutofit/>
+          </a:bodyPr>
+          <a:lstStyle/>
+          <a:p>
+            <a:pPr marL="0" lvl="0" indent="0" algn="l" rtl="0">
+              <a:spcBef>
+                <a:spcPts val="0"/>
+              </a:spcBef>
+              <a:spcAft>
+                <a:spcPts val="0"/>
+              </a:spcAft>
+              <a:buClr>
+                <a:schemeClr val="dk1"/>
+              </a:buClr>
+              <a:buSzPts val="1100"/>
+              <a:buFont typeface="Arial"/>
+              <a:buNone/>
+            </a:pPr>
+            <a:endParaRPr sz="1100" u="none" strike="noStrike" cap="none" dirty="0">
+              <a:solidFill>
+                <a:srgbClr val="000000"/>
+              </a:solidFill>
+              <a:latin typeface="Nunito Sans"/>
+              <a:ea typeface="Nunito Sans"/>
+              <a:cs typeface="Nunito Sans"/>
+              <a:sym typeface="Nunito Sans"/>
+            </a:endParaRPr>
+          </a:p>
+        </p:txBody>
+      </p:sp>
+      <p:sp>
+        <p:nvSpPr>
+          <p:cNvPr id="148" name="Google Shape;148;gbeb0753c87_0_4:notes"/>
+          <p:cNvSpPr>
+            <a:spLocks noGrp="1" noRot="1" noChangeAspect="1"/>
+          </p:cNvSpPr>
+          <p:nvPr>
+            <p:ph type="sldImg" idx="2"/>
+          </p:nvPr>
+        </p:nvSpPr>
+        <p:spPr>
+          <a:xfrm>
+            <a:off x="381000" y="685800"/>
+            <a:ext cx="6096000" cy="3429000"/>
+          </a:xfrm>
+          <a:custGeom>
+            <a:avLst/>
+            <a:gdLst/>
+            <a:ahLst/>
+            <a:cxnLst/>
+            <a:rect l="l" t="t" r="r" b="b"/>
+            <a:pathLst>
+              <a:path w="120000" h="120000" extrusionOk="0">
+                <a:moveTo>
+                  <a:pt x="0" y="0"/>
+                </a:moveTo>
+                <a:lnTo>
+                  <a:pt x="120000" y="0"/>
+                </a:lnTo>
+                <a:lnTo>
+                  <a:pt x="120000" y="120000"/>
+                </a:lnTo>
+                <a:lnTo>
+                  <a:pt x="0" y="120000"/>
+                </a:lnTo>
+                <a:close/>
+              </a:path>
+            </a:pathLst>
+          </a:custGeom>
+          <a:noFill/>
+          <a:ln w="9525" cap="flat" cmpd="sng">
+            <a:solidFill>
+              <a:srgbClr val="000000"/>
+            </a:solidFill>
+            <a:prstDash val="solid"/>
+            <a:round/>
+            <a:headEnd type="none" w="sm" len="sm"/>
+            <a:tailEnd type="none" w="sm" len="sm"/>
+          </a:ln>
+        </p:spPr>
+      </p:sp>
+    </p:spTree>
+    <p:extLst>
+      <p:ext uri="{BB962C8B-B14F-4D97-AF65-F5344CB8AC3E}">
+        <p14:creationId xmlns:p14="http://schemas.microsoft.com/office/powerpoint/2010/main" val="2060117950"/>
+      </p:ext>
+    </p:extLst>
+  </p:cSld>
+  <p:clrMapOvr>
+    <a:masterClrMapping/>
+  </p:clrMapOvr>
+</p:notes>
+</file>
+
+<file path=ppt/notesSlides/notesSlide23.xml><?xml version="1.0" encoding="utf-8"?>
+<p:notes xmlns:a="http://schemas.openxmlformats.org/drawingml/2006/main" xmlns:r="http://schemas.openxmlformats.org/officeDocument/2006/relationships" xmlns:p="http://schemas.openxmlformats.org/presentationml/2006/main" showMasterSp="0" showMasterPhAnim="0">
+  <p:cSld>
+    <p:spTree>
+      <p:nvGrpSpPr>
+        <p:cNvPr id="1" name="Shape 62"/>
+        <p:cNvGrpSpPr/>
+        <p:nvPr/>
+      </p:nvGrpSpPr>
+      <p:grpSpPr>
+        <a:xfrm>
+          <a:off x="0" y="0"/>
+          <a:ext cx="0" cy="0"/>
+          <a:chOff x="0" y="0"/>
+          <a:chExt cx="0" cy="0"/>
+        </a:xfrm>
+      </p:grpSpPr>
+      <p:sp>
+        <p:nvSpPr>
+          <p:cNvPr id="63" name="Google Shape;63;g88610737b9_2_40:notes"/>
+          <p:cNvSpPr>
+            <a:spLocks noGrp="1" noRot="1" noChangeAspect="1"/>
+          </p:cNvSpPr>
+          <p:nvPr>
+            <p:ph type="sldImg" idx="2"/>
+          </p:nvPr>
+        </p:nvSpPr>
+        <p:spPr>
+          <a:xfrm>
+            <a:off x="381000" y="685800"/>
+            <a:ext cx="6096000" cy="3429000"/>
+          </a:xfrm>
+          <a:custGeom>
+            <a:avLst/>
+            <a:gdLst/>
+            <a:ahLst/>
+            <a:cxnLst/>
+            <a:rect l="l" t="t" r="r" b="b"/>
+            <a:pathLst>
+              <a:path w="120000" h="120000" extrusionOk="0">
+                <a:moveTo>
+                  <a:pt x="0" y="0"/>
+                </a:moveTo>
+                <a:lnTo>
+                  <a:pt x="120000" y="0"/>
+                </a:lnTo>
+                <a:lnTo>
+                  <a:pt x="120000" y="120000"/>
+                </a:lnTo>
+                <a:lnTo>
+                  <a:pt x="0" y="120000"/>
+                </a:lnTo>
+                <a:close/>
+              </a:path>
+            </a:pathLst>
+          </a:custGeom>
+        </p:spPr>
+      </p:sp>
+      <p:sp>
+        <p:nvSpPr>
+          <p:cNvPr id="64" name="Google Shape;64;g88610737b9_2_40:notes"/>
+          <p:cNvSpPr txBox="1">
+            <a:spLocks noGrp="1"/>
+          </p:cNvSpPr>
+          <p:nvPr>
+            <p:ph type="body" idx="1"/>
+          </p:nvPr>
+        </p:nvSpPr>
+        <p:spPr>
+          <a:xfrm>
+            <a:off x="685800" y="4343400"/>
+            <a:ext cx="5486400" cy="4114800"/>
+          </a:xfrm>
+          <a:prstGeom prst="rect">
+            <a:avLst/>
+          </a:prstGeom>
+        </p:spPr>
+        <p:txBody>
+          <a:bodyPr spcFirstLastPara="1" wrap="square" lIns="91425" tIns="91425" rIns="91425" bIns="91425" anchor="t" anchorCtr="0">
+            <a:noAutofit/>
+          </a:bodyPr>
+          <a:lstStyle/>
+          <a:p>
+            <a:pPr marL="0" lvl="0" indent="0" algn="l" rtl="0">
+              <a:spcBef>
+                <a:spcPts val="0"/>
+              </a:spcBef>
+              <a:spcAft>
+                <a:spcPts val="0"/>
+              </a:spcAft>
+              <a:buNone/>
+            </a:pPr>
+            <a:endParaRPr dirty="0"/>
+          </a:p>
+        </p:txBody>
+      </p:sp>
+    </p:spTree>
+    <p:extLst>
+      <p:ext uri="{BB962C8B-B14F-4D97-AF65-F5344CB8AC3E}">
+        <p14:creationId xmlns:p14="http://schemas.microsoft.com/office/powerpoint/2010/main" val="3602434436"/>
+      </p:ext>
+    </p:extLst>
+  </p:cSld>
+  <p:clrMapOvr>
+    <a:masterClrMapping/>
+  </p:clrMapOvr>
+</p:notes>
+</file>
+
+<file path=ppt/notesSlides/notesSlide24.xml><?xml version="1.0" encoding="utf-8"?>
+<p:notes xmlns:a="http://schemas.openxmlformats.org/drawingml/2006/main" xmlns:r="http://schemas.openxmlformats.org/officeDocument/2006/relationships" xmlns:p="http://schemas.openxmlformats.org/presentationml/2006/main" showMasterSp="0" showMasterPhAnim="0">
+  <p:cSld>
+    <p:spTree>
+      <p:nvGrpSpPr>
+        <p:cNvPr id="1" name="Shape 160"/>
+        <p:cNvGrpSpPr/>
+        <p:nvPr/>
+      </p:nvGrpSpPr>
+      <p:grpSpPr>
+        <a:xfrm>
+          <a:off x="0" y="0"/>
+          <a:ext cx="0" cy="0"/>
+          <a:chOff x="0" y="0"/>
+          <a:chExt cx="0" cy="0"/>
+        </a:xfrm>
+      </p:grpSpPr>
+      <p:sp>
+        <p:nvSpPr>
+          <p:cNvPr id="161" name="Google Shape;161;gbdb37be86e_0_39:notes"/>
+          <p:cNvSpPr txBox="1">
+            <a:spLocks noGrp="1"/>
+          </p:cNvSpPr>
+          <p:nvPr>
+            <p:ph type="body" idx="1"/>
+          </p:nvPr>
+        </p:nvSpPr>
+        <p:spPr>
+          <a:xfrm>
+            <a:off x="685800" y="4343400"/>
+            <a:ext cx="5486400" cy="4114800"/>
+          </a:xfrm>
+          <a:prstGeom prst="rect">
+            <a:avLst/>
+          </a:prstGeom>
+          <a:noFill/>
+          <a:ln>
+            <a:noFill/>
+          </a:ln>
+        </p:spPr>
+        <p:txBody>
+          <a:bodyPr spcFirstLastPara="1" wrap="square" lIns="91425" tIns="91425" rIns="91425" bIns="91425" anchor="ctr" anchorCtr="0">
+            <a:noAutofit/>
+          </a:bodyPr>
+          <a:lstStyle/>
+          <a:p>
+            <a:pPr marL="0" lvl="0" indent="0" algn="l" rtl="0">
+              <a:spcBef>
+                <a:spcPts val="0"/>
+              </a:spcBef>
+              <a:spcAft>
+                <a:spcPts val="0"/>
+              </a:spcAft>
+              <a:buClr>
+                <a:schemeClr val="dk1"/>
+              </a:buClr>
+              <a:buSzPts val="1100"/>
+              <a:buFont typeface="Arial"/>
+              <a:buNone/>
+            </a:pPr>
+            <a:endParaRPr sz="1100" u="none" strike="noStrike" cap="none" dirty="0">
+              <a:solidFill>
+                <a:srgbClr val="000000"/>
+              </a:solidFill>
+              <a:latin typeface="Nunito Sans"/>
+              <a:ea typeface="Nunito Sans"/>
+              <a:cs typeface="Nunito Sans"/>
+              <a:sym typeface="Nunito Sans"/>
+            </a:endParaRPr>
+          </a:p>
+        </p:txBody>
+      </p:sp>
+      <p:sp>
+        <p:nvSpPr>
+          <p:cNvPr id="162" name="Google Shape;162;gbdb37be86e_0_39:notes"/>
+          <p:cNvSpPr>
+            <a:spLocks noGrp="1" noRot="1" noChangeAspect="1"/>
+          </p:cNvSpPr>
+          <p:nvPr>
+            <p:ph type="sldImg" idx="2"/>
+          </p:nvPr>
+        </p:nvSpPr>
+        <p:spPr>
+          <a:xfrm>
+            <a:off x="381000" y="685800"/>
+            <a:ext cx="6096000" cy="3429000"/>
+          </a:xfrm>
+          <a:custGeom>
+            <a:avLst/>
+            <a:gdLst/>
+            <a:ahLst/>
+            <a:cxnLst/>
+            <a:rect l="l" t="t" r="r" b="b"/>
+            <a:pathLst>
+              <a:path w="120000" h="120000" extrusionOk="0">
+                <a:moveTo>
+                  <a:pt x="0" y="0"/>
+                </a:moveTo>
+                <a:lnTo>
+                  <a:pt x="120000" y="0"/>
+                </a:lnTo>
+                <a:lnTo>
+                  <a:pt x="120000" y="120000"/>
+                </a:lnTo>
+                <a:lnTo>
+                  <a:pt x="0" y="120000"/>
+                </a:lnTo>
+                <a:close/>
+              </a:path>
+            </a:pathLst>
+          </a:custGeom>
+          <a:noFill/>
+          <a:ln w="9525" cap="flat" cmpd="sng">
+            <a:solidFill>
+              <a:srgbClr val="000000"/>
+            </a:solidFill>
+            <a:prstDash val="solid"/>
+            <a:round/>
+            <a:headEnd type="none" w="sm" len="sm"/>
+            <a:tailEnd type="none" w="sm" len="sm"/>
+          </a:ln>
+        </p:spPr>
+      </p:sp>
+    </p:spTree>
+    <p:extLst>
+      <p:ext uri="{BB962C8B-B14F-4D97-AF65-F5344CB8AC3E}">
+        <p14:creationId xmlns:p14="http://schemas.microsoft.com/office/powerpoint/2010/main" val="2167677409"/>
+      </p:ext>
+    </p:extLst>
+  </p:cSld>
+  <p:clrMapOvr>
+    <a:masterClrMapping/>
+  </p:clrMapOvr>
+</p:notes>
+</file>
+
+<file path=ppt/notesSlides/notesSlide25.xml><?xml version="1.0" encoding="utf-8"?>
+<p:notes xmlns:a="http://schemas.openxmlformats.org/drawingml/2006/main" xmlns:r="http://schemas.openxmlformats.org/officeDocument/2006/relationships" xmlns:p="http://schemas.openxmlformats.org/presentationml/2006/main" showMasterSp="0" showMasterPhAnim="0">
+  <p:cSld>
+    <p:spTree>
+      <p:nvGrpSpPr>
+        <p:cNvPr id="1" name="Shape 62"/>
+        <p:cNvGrpSpPr/>
+        <p:nvPr/>
+      </p:nvGrpSpPr>
+      <p:grpSpPr>
+        <a:xfrm>
+          <a:off x="0" y="0"/>
+          <a:ext cx="0" cy="0"/>
+          <a:chOff x="0" y="0"/>
+          <a:chExt cx="0" cy="0"/>
+        </a:xfrm>
+      </p:grpSpPr>
+      <p:sp>
+        <p:nvSpPr>
+          <p:cNvPr id="63" name="Google Shape;63;g88610737b9_2_40:notes"/>
+          <p:cNvSpPr>
+            <a:spLocks noGrp="1" noRot="1" noChangeAspect="1"/>
+          </p:cNvSpPr>
+          <p:nvPr>
+            <p:ph type="sldImg" idx="2"/>
+          </p:nvPr>
+        </p:nvSpPr>
+        <p:spPr>
+          <a:xfrm>
+            <a:off x="381000" y="685800"/>
+            <a:ext cx="6096000" cy="3429000"/>
+          </a:xfrm>
+          <a:custGeom>
+            <a:avLst/>
+            <a:gdLst/>
+            <a:ahLst/>
+            <a:cxnLst/>
+            <a:rect l="l" t="t" r="r" b="b"/>
+            <a:pathLst>
+              <a:path w="120000" h="120000" extrusionOk="0">
+                <a:moveTo>
+                  <a:pt x="0" y="0"/>
+                </a:moveTo>
+                <a:lnTo>
+                  <a:pt x="120000" y="0"/>
+                </a:lnTo>
+                <a:lnTo>
+                  <a:pt x="120000" y="120000"/>
+                </a:lnTo>
+                <a:lnTo>
+                  <a:pt x="0" y="120000"/>
+                </a:lnTo>
+                <a:close/>
+              </a:path>
+            </a:pathLst>
+          </a:custGeom>
+        </p:spPr>
+      </p:sp>
+      <p:sp>
+        <p:nvSpPr>
+          <p:cNvPr id="64" name="Google Shape;64;g88610737b9_2_40:notes"/>
+          <p:cNvSpPr txBox="1">
+            <a:spLocks noGrp="1"/>
+          </p:cNvSpPr>
+          <p:nvPr>
+            <p:ph type="body" idx="1"/>
+          </p:nvPr>
+        </p:nvSpPr>
+        <p:spPr>
+          <a:xfrm>
+            <a:off x="685800" y="4343400"/>
+            <a:ext cx="5486400" cy="4114800"/>
+          </a:xfrm>
+          <a:prstGeom prst="rect">
+            <a:avLst/>
+          </a:prstGeom>
+        </p:spPr>
+        <p:txBody>
+          <a:bodyPr spcFirstLastPara="1" wrap="square" lIns="91425" tIns="91425" rIns="91425" bIns="91425" anchor="t" anchorCtr="0">
+            <a:noAutofit/>
+          </a:bodyPr>
+          <a:lstStyle/>
+          <a:p>
+            <a:pPr marL="0" lvl="0" indent="0" algn="l" rtl="0">
+              <a:spcBef>
+                <a:spcPts val="0"/>
+              </a:spcBef>
+              <a:spcAft>
+                <a:spcPts val="0"/>
+              </a:spcAft>
+              <a:buNone/>
+            </a:pPr>
+            <a:endParaRPr dirty="0"/>
+          </a:p>
+        </p:txBody>
+      </p:sp>
+    </p:spTree>
+    <p:extLst>
+      <p:ext uri="{BB962C8B-B14F-4D97-AF65-F5344CB8AC3E}">
+        <p14:creationId xmlns:p14="http://schemas.microsoft.com/office/powerpoint/2010/main" val="3782067903"/>
+      </p:ext>
+    </p:extLst>
+  </p:cSld>
+  <p:clrMapOvr>
+    <a:masterClrMapping/>
+  </p:clrMapOvr>
+</p:notes>
+</file>
+
+<file path=ppt/notesSlides/notesSlide26.xml><?xml version="1.0" encoding="utf-8"?>
+<p:notes xmlns:a="http://schemas.openxmlformats.org/drawingml/2006/main" xmlns:r="http://schemas.openxmlformats.org/officeDocument/2006/relationships" xmlns:p="http://schemas.openxmlformats.org/presentationml/2006/main" showMasterSp="0" showMasterPhAnim="0">
+  <p:cSld>
+    <p:spTree>
+      <p:nvGrpSpPr>
+        <p:cNvPr id="1" name="Shape 212"/>
+        <p:cNvGrpSpPr/>
+        <p:nvPr/>
+      </p:nvGrpSpPr>
+      <p:grpSpPr>
+        <a:xfrm>
+          <a:off x="0" y="0"/>
+          <a:ext cx="0" cy="0"/>
+          <a:chOff x="0" y="0"/>
+          <a:chExt cx="0" cy="0"/>
+        </a:xfrm>
+      </p:grpSpPr>
+      <p:sp>
+        <p:nvSpPr>
+          <p:cNvPr id="213" name="Google Shape;213;g898ad788d7_4_24:notes"/>
+          <p:cNvSpPr txBox="1">
+            <a:spLocks noGrp="1"/>
+          </p:cNvSpPr>
+          <p:nvPr>
+            <p:ph type="body" idx="1"/>
+          </p:nvPr>
+        </p:nvSpPr>
+        <p:spPr>
+          <a:xfrm>
+            <a:off x="685800" y="4343400"/>
+            <a:ext cx="5486400" cy="4114800"/>
+          </a:xfrm>
+          <a:prstGeom prst="rect">
+            <a:avLst/>
+          </a:prstGeom>
+          <a:noFill/>
+          <a:ln>
+            <a:noFill/>
+          </a:ln>
+        </p:spPr>
+        <p:txBody>
+          <a:bodyPr spcFirstLastPara="1" wrap="square" lIns="91425" tIns="91425" rIns="91425" bIns="91425" anchor="ctr" anchorCtr="0">
+            <a:noAutofit/>
+          </a:bodyPr>
+          <a:lstStyle/>
+          <a:p>
+            <a:pPr marL="0" marR="0" lvl="0" indent="0" algn="l" rtl="0">
+              <a:lnSpc>
+                <a:spcPct val="100000"/>
+              </a:lnSpc>
+              <a:spcBef>
+                <a:spcPts val="0"/>
+              </a:spcBef>
+              <a:spcAft>
+                <a:spcPts val="0"/>
+              </a:spcAft>
+              <a:buClr>
+                <a:srgbClr val="000000"/>
+              </a:buClr>
+              <a:buSzPts val="1100"/>
+              <a:buFont typeface="Arial"/>
+              <a:buNone/>
+            </a:pPr>
+            <a:endParaRPr sz="1100" u="none" strike="noStrike" cap="none">
+              <a:solidFill>
+                <a:srgbClr val="000000"/>
+              </a:solidFill>
+              <a:latin typeface="Nunito Sans"/>
+              <a:ea typeface="Nunito Sans"/>
+              <a:cs typeface="Nunito Sans"/>
+              <a:sym typeface="Nunito Sans"/>
+            </a:endParaRPr>
+          </a:p>
+        </p:txBody>
+      </p:sp>
+      <p:sp>
+        <p:nvSpPr>
+          <p:cNvPr id="214" name="Google Shape;214;g898ad788d7_4_24:notes"/>
+          <p:cNvSpPr>
+            <a:spLocks noGrp="1" noRot="1" noChangeAspect="1"/>
+          </p:cNvSpPr>
+          <p:nvPr>
+            <p:ph type="sldImg" idx="2"/>
+          </p:nvPr>
+        </p:nvSpPr>
+        <p:spPr>
+          <a:xfrm>
+            <a:off x="381000" y="685800"/>
+            <a:ext cx="6096000" cy="3429000"/>
+          </a:xfrm>
+          <a:custGeom>
+            <a:avLst/>
+            <a:gdLst/>
+            <a:ahLst/>
+            <a:cxnLst/>
+            <a:rect l="l" t="t" r="r" b="b"/>
+            <a:pathLst>
+              <a:path w="120000" h="120000" extrusionOk="0">
+                <a:moveTo>
+                  <a:pt x="0" y="0"/>
+                </a:moveTo>
+                <a:lnTo>
+                  <a:pt x="120000" y="0"/>
+                </a:lnTo>
+                <a:lnTo>
+                  <a:pt x="120000" y="120000"/>
+                </a:lnTo>
+                <a:lnTo>
+                  <a:pt x="0" y="120000"/>
+                </a:lnTo>
+                <a:close/>
+              </a:path>
+            </a:pathLst>
+          </a:custGeom>
+          <a:noFill/>
+          <a:ln w="9525" cap="flat" cmpd="sng">
+            <a:solidFill>
+              <a:srgbClr val="000000"/>
+            </a:solidFill>
+            <a:prstDash val="solid"/>
+            <a:round/>
+            <a:headEnd type="none" w="sm" len="sm"/>
+            <a:tailEnd type="none" w="sm" len="sm"/>
+          </a:ln>
+        </p:spPr>
+      </p:sp>
+    </p:spTree>
+    <p:extLst>
+      <p:ext uri="{BB962C8B-B14F-4D97-AF65-F5344CB8AC3E}">
+        <p14:creationId xmlns:p14="http://schemas.microsoft.com/office/powerpoint/2010/main" val="2064330840"/>
       </p:ext>
     </p:extLst>
   </p:cSld>
@@ -2922,7 +3970,7 @@
     </p:spTree>
     <p:extLst>
       <p:ext uri="{BB962C8B-B14F-4D97-AF65-F5344CB8AC3E}">
-        <p14:creationId xmlns:p14="http://schemas.microsoft.com/office/powerpoint/2010/main" val="3497655246"/>
+        <p14:creationId xmlns:p14="http://schemas.microsoft.com/office/powerpoint/2010/main" val="3616020524"/>
       </p:ext>
     </p:extLst>
   </p:cSld>
@@ -3061,7 +4109,7 @@
     </p:spTree>
     <p:extLst>
       <p:ext uri="{BB962C8B-B14F-4D97-AF65-F5344CB8AC3E}">
-        <p14:creationId xmlns:p14="http://schemas.microsoft.com/office/powerpoint/2010/main" val="3694367962"/>
+        <p14:creationId xmlns:p14="http://schemas.microsoft.com/office/powerpoint/2010/main" val="165716305"/>
       </p:ext>
     </p:extLst>
   </p:cSld>
@@ -8594,6 +9642,979 @@
   <p:cSld>
     <p:spTree>
       <p:nvGrpSpPr>
+        <p:cNvPr id="1" name="Shape 118"/>
+        <p:cNvGrpSpPr/>
+        <p:nvPr/>
+      </p:nvGrpSpPr>
+      <p:grpSpPr>
+        <a:xfrm>
+          <a:off x="0" y="0"/>
+          <a:ext cx="0" cy="0"/>
+          <a:chOff x="0" y="0"/>
+          <a:chExt cx="0" cy="0"/>
+        </a:xfrm>
+      </p:grpSpPr>
+      <p:sp>
+        <p:nvSpPr>
+          <p:cNvPr id="119" name="Google Shape;119;p21"/>
+          <p:cNvSpPr/>
+          <p:nvPr/>
+        </p:nvSpPr>
+        <p:spPr>
+          <a:xfrm>
+            <a:off x="-1" y="416878"/>
+            <a:ext cx="288900" cy="331200"/>
+          </a:xfrm>
+          <a:prstGeom prst="rect">
+            <a:avLst/>
+          </a:prstGeom>
+          <a:solidFill>
+            <a:srgbClr val="19CA99"/>
+          </a:solidFill>
+          <a:ln>
+            <a:noFill/>
+          </a:ln>
+        </p:spPr>
+        <p:txBody>
+          <a:bodyPr spcFirstLastPara="1" wrap="square" lIns="68575" tIns="34275" rIns="68575" bIns="34275" anchor="ctr" anchorCtr="0">
+            <a:noAutofit/>
+          </a:bodyPr>
+          <a:lstStyle/>
+          <a:p>
+            <a:pPr marL="0" marR="0" lvl="0" indent="0" algn="ctr" rtl="0">
+              <a:lnSpc>
+                <a:spcPct val="100000"/>
+              </a:lnSpc>
+              <a:spcBef>
+                <a:spcPts val="0"/>
+              </a:spcBef>
+              <a:spcAft>
+                <a:spcPts val="0"/>
+              </a:spcAft>
+              <a:buClr>
+                <a:srgbClr val="000000"/>
+              </a:buClr>
+              <a:buSzPts val="1400"/>
+              <a:buFont typeface="Arial"/>
+              <a:buNone/>
+            </a:pPr>
+            <a:endParaRPr sz="1400" b="0" i="0" u="none" strike="noStrike" cap="none">
+              <a:solidFill>
+                <a:schemeClr val="lt1"/>
+              </a:solidFill>
+              <a:latin typeface="Nunito Sans"/>
+              <a:ea typeface="Nunito Sans"/>
+              <a:cs typeface="Nunito Sans"/>
+              <a:sym typeface="Nunito Sans"/>
+            </a:endParaRPr>
+          </a:p>
+        </p:txBody>
+      </p:sp>
+      <p:sp>
+        <p:nvSpPr>
+          <p:cNvPr id="121" name="Google Shape;121;p21"/>
+          <p:cNvSpPr txBox="1"/>
+          <p:nvPr/>
+        </p:nvSpPr>
+        <p:spPr>
+          <a:xfrm>
+            <a:off x="144449" y="1306287"/>
+            <a:ext cx="6805749" cy="2913017"/>
+          </a:xfrm>
+          <a:prstGeom prst="rect">
+            <a:avLst/>
+          </a:prstGeom>
+          <a:noFill/>
+          <a:ln>
+            <a:noFill/>
+          </a:ln>
+        </p:spPr>
+        <p:txBody>
+          <a:bodyPr spcFirstLastPara="1" wrap="square" lIns="91425" tIns="91425" rIns="91425" bIns="91425" anchor="t" anchorCtr="0">
+            <a:noAutofit/>
+          </a:bodyPr>
+          <a:lstStyle/>
+          <a:p>
+            <a:pPr marL="285750" lvl="0" indent="-285750">
+              <a:lnSpc>
+                <a:spcPct val="150000"/>
+              </a:lnSpc>
+              <a:buClr>
+                <a:srgbClr val="19CA99"/>
+              </a:buClr>
+              <a:buSzPts val="1100"/>
+              <a:buFont typeface="Arial" panose="020B0604020202020204" pitchFamily="34" charset="0"/>
+              <a:buChar char="•"/>
+            </a:pPr>
+            <a:r>
+              <a:rPr lang="en-US" dirty="0">
+                <a:latin typeface="Montserrat"/>
+                <a:ea typeface="Montserrat"/>
+                <a:cs typeface="Montserrat"/>
+                <a:sym typeface="Montserrat"/>
+              </a:rPr>
+              <a:t>In order to predict the taste of users we tried to find how their tastes relate by referencing the reviews we </a:t>
+            </a:r>
+            <a:r>
+              <a:rPr lang="en-US" dirty="0" smtClean="0">
+                <a:latin typeface="Montserrat"/>
+                <a:ea typeface="Montserrat"/>
+                <a:cs typeface="Montserrat"/>
+                <a:sym typeface="Montserrat"/>
+              </a:rPr>
+              <a:t>collected in </a:t>
+            </a:r>
+            <a:r>
+              <a:rPr lang="en-US" dirty="0">
+                <a:latin typeface="Montserrat"/>
+                <a:ea typeface="Montserrat"/>
+                <a:cs typeface="Montserrat"/>
+                <a:sym typeface="Montserrat"/>
+              </a:rPr>
+              <a:t>previous </a:t>
+            </a:r>
+            <a:r>
+              <a:rPr lang="en-US" dirty="0" smtClean="0">
+                <a:latin typeface="Montserrat"/>
+                <a:ea typeface="Montserrat"/>
+                <a:cs typeface="Montserrat"/>
+                <a:sym typeface="Montserrat"/>
+              </a:rPr>
+              <a:t>steps. We </a:t>
+            </a:r>
+            <a:r>
+              <a:rPr lang="en-US" dirty="0">
+                <a:latin typeface="Montserrat"/>
+                <a:ea typeface="Montserrat"/>
+                <a:cs typeface="Montserrat"/>
+                <a:sym typeface="Montserrat"/>
+              </a:rPr>
+              <a:t>used a Deep Learning Neural Network with 6 fully connected </a:t>
+            </a:r>
+            <a:r>
+              <a:rPr lang="en-US" dirty="0" smtClean="0">
+                <a:latin typeface="Montserrat"/>
+                <a:ea typeface="Montserrat"/>
+                <a:cs typeface="Montserrat"/>
+                <a:sym typeface="Montserrat"/>
+              </a:rPr>
+              <a:t>linear </a:t>
+            </a:r>
+            <a:r>
+              <a:rPr lang="en-US" dirty="0">
+                <a:latin typeface="Montserrat"/>
+                <a:ea typeface="Montserrat"/>
+                <a:cs typeface="Montserrat"/>
+                <a:sym typeface="Montserrat"/>
+              </a:rPr>
+              <a:t>layers, with </a:t>
+            </a:r>
+            <a:r>
+              <a:rPr lang="en-US" dirty="0" err="1">
+                <a:latin typeface="Montserrat"/>
+                <a:ea typeface="Montserrat"/>
+                <a:cs typeface="Montserrat"/>
+                <a:sym typeface="Montserrat"/>
+              </a:rPr>
+              <a:t>ReLU</a:t>
+            </a:r>
+            <a:r>
+              <a:rPr lang="en-US" dirty="0">
+                <a:latin typeface="Montserrat"/>
+                <a:ea typeface="Montserrat"/>
+                <a:cs typeface="Montserrat"/>
+                <a:sym typeface="Montserrat"/>
+              </a:rPr>
+              <a:t> activation </a:t>
+            </a:r>
+            <a:r>
+              <a:rPr lang="en-US" dirty="0" smtClean="0">
+                <a:latin typeface="Montserrat"/>
+                <a:ea typeface="Montserrat"/>
+                <a:cs typeface="Montserrat"/>
+                <a:sym typeface="Montserrat"/>
+              </a:rPr>
+              <a:t>functions (called </a:t>
+            </a:r>
+            <a:r>
+              <a:rPr lang="en-US" dirty="0">
+                <a:latin typeface="Montserrat"/>
+                <a:ea typeface="Montserrat"/>
+                <a:cs typeface="Montserrat"/>
+                <a:sym typeface="Montserrat"/>
+              </a:rPr>
+              <a:t>RAMP in Wolfram Mathematica), we separated the data using the 80/20 ratio, before the separation we had </a:t>
+            </a:r>
+            <a:r>
+              <a:rPr lang="en-US" dirty="0" smtClean="0">
+                <a:latin typeface="Montserrat"/>
+                <a:ea typeface="Montserrat"/>
+                <a:cs typeface="Montserrat"/>
+                <a:sym typeface="Montserrat"/>
+              </a:rPr>
+              <a:t>94% success </a:t>
+            </a:r>
+            <a:r>
+              <a:rPr lang="en-US" dirty="0">
+                <a:latin typeface="Montserrat"/>
+                <a:ea typeface="Montserrat"/>
+                <a:cs typeface="Montserrat"/>
+                <a:sym typeface="Montserrat"/>
+              </a:rPr>
+              <a:t>rate, while afterwards the prediction was successful 97% of the </a:t>
+            </a:r>
+            <a:r>
+              <a:rPr lang="en-US" dirty="0" smtClean="0">
+                <a:latin typeface="Montserrat"/>
+                <a:ea typeface="Montserrat"/>
+                <a:cs typeface="Montserrat"/>
+                <a:sym typeface="Montserrat"/>
+              </a:rPr>
+              <a:t>time! At </a:t>
+            </a:r>
+            <a:r>
+              <a:rPr lang="en-US" dirty="0">
+                <a:latin typeface="Montserrat"/>
+                <a:ea typeface="Montserrat"/>
+                <a:cs typeface="Montserrat"/>
+                <a:sym typeface="Montserrat"/>
+              </a:rPr>
+              <a:t>last, we used the </a:t>
+            </a:r>
+            <a:r>
+              <a:rPr lang="en-US" dirty="0" err="1">
+                <a:latin typeface="Montserrat"/>
+                <a:ea typeface="Montserrat"/>
+                <a:cs typeface="Montserrat"/>
+                <a:sym typeface="Montserrat"/>
+              </a:rPr>
+              <a:t>SoftMax</a:t>
+            </a:r>
+            <a:r>
+              <a:rPr lang="en-US" dirty="0">
+                <a:latin typeface="Montserrat"/>
+                <a:ea typeface="Montserrat"/>
+                <a:cs typeface="Montserrat"/>
+                <a:sym typeface="Montserrat"/>
+              </a:rPr>
+              <a:t> function with the ADAM optimizer</a:t>
+            </a:r>
+            <a:r>
+              <a:rPr lang="en-US" dirty="0" smtClean="0">
+                <a:latin typeface="Montserrat"/>
+                <a:ea typeface="Montserrat"/>
+                <a:cs typeface="Montserrat"/>
+                <a:sym typeface="Montserrat"/>
+              </a:rPr>
+              <a:t>. </a:t>
+            </a:r>
+            <a:endParaRPr dirty="0">
+              <a:latin typeface="Montserrat"/>
+              <a:ea typeface="Montserrat"/>
+              <a:cs typeface="Montserrat"/>
+              <a:sym typeface="Montserrat"/>
+            </a:endParaRPr>
+          </a:p>
+        </p:txBody>
+      </p:sp>
+      <p:sp>
+        <p:nvSpPr>
+          <p:cNvPr id="120" name="Google Shape;120;p21"/>
+          <p:cNvSpPr txBox="1"/>
+          <p:nvPr/>
+        </p:nvSpPr>
+        <p:spPr>
+          <a:xfrm>
+            <a:off x="553956" y="385214"/>
+            <a:ext cx="3911253" cy="764318"/>
+          </a:xfrm>
+          <a:prstGeom prst="rect">
+            <a:avLst/>
+          </a:prstGeom>
+          <a:noFill/>
+          <a:ln>
+            <a:noFill/>
+          </a:ln>
+        </p:spPr>
+        <p:txBody>
+          <a:bodyPr spcFirstLastPara="1" wrap="square" lIns="0" tIns="0" rIns="0" bIns="0" anchor="t" anchorCtr="0">
+            <a:noAutofit/>
+          </a:bodyPr>
+          <a:lstStyle/>
+          <a:p>
+            <a:pPr marL="0" marR="0" lvl="0" indent="0" algn="l" rtl="0">
+              <a:lnSpc>
+                <a:spcPct val="100000"/>
+              </a:lnSpc>
+              <a:spcBef>
+                <a:spcPts val="0"/>
+              </a:spcBef>
+              <a:spcAft>
+                <a:spcPts val="0"/>
+              </a:spcAft>
+              <a:buClr>
+                <a:srgbClr val="000000"/>
+              </a:buClr>
+              <a:buSzPts val="3200"/>
+              <a:buFont typeface="Arial"/>
+              <a:buNone/>
+            </a:pPr>
+            <a:r>
+              <a:rPr lang="en" sz="3300" dirty="0" smtClean="0">
+                <a:solidFill>
+                  <a:schemeClr val="dk2"/>
+                </a:solidFill>
+                <a:latin typeface="Montserrat Medium"/>
+                <a:ea typeface="Montserrat Medium"/>
+                <a:cs typeface="Montserrat Medium"/>
+                <a:sym typeface="Montserrat Medium"/>
+              </a:rPr>
+              <a:t>Predicting Taste</a:t>
+            </a:r>
+            <a:endParaRPr lang="en" sz="3300" dirty="0" smtClean="0">
+              <a:solidFill>
+                <a:schemeClr val="dk2"/>
+              </a:solidFill>
+              <a:latin typeface="Montserrat Medium"/>
+              <a:ea typeface="Montserrat Medium"/>
+              <a:cs typeface="Montserrat Medium"/>
+              <a:sym typeface="Montserrat Medium"/>
+            </a:endParaRPr>
+          </a:p>
+          <a:p>
+            <a:pPr marL="0" marR="0" lvl="0" indent="0" algn="l" rtl="0">
+              <a:lnSpc>
+                <a:spcPct val="100000"/>
+              </a:lnSpc>
+              <a:spcBef>
+                <a:spcPts val="0"/>
+              </a:spcBef>
+              <a:spcAft>
+                <a:spcPts val="0"/>
+              </a:spcAft>
+              <a:buClr>
+                <a:srgbClr val="000000"/>
+              </a:buClr>
+              <a:buSzPts val="3200"/>
+              <a:buFont typeface="Arial"/>
+              <a:buNone/>
+            </a:pPr>
+            <a:r>
+              <a:rPr lang="en" sz="900" dirty="0" smtClean="0">
+                <a:solidFill>
+                  <a:schemeClr val="dk2"/>
+                </a:solidFill>
+                <a:latin typeface="Montserrat Medium"/>
+                <a:ea typeface="Montserrat Medium"/>
+                <a:cs typeface="Montserrat Medium"/>
+                <a:sym typeface="Montserrat Medium"/>
+              </a:rPr>
+              <a:t>Pre Machine Learning.</a:t>
+            </a:r>
+            <a:endParaRPr sz="900" i="0" u="none" strike="noStrike" cap="none" dirty="0">
+              <a:solidFill>
+                <a:schemeClr val="dk2"/>
+              </a:solidFill>
+              <a:latin typeface="Montserrat Medium"/>
+              <a:ea typeface="Montserrat Medium"/>
+              <a:cs typeface="Montserrat Medium"/>
+              <a:sym typeface="Montserrat Medium"/>
+            </a:endParaRPr>
+          </a:p>
+        </p:txBody>
+      </p:sp>
+      <p:pic>
+        <p:nvPicPr>
+          <p:cNvPr id="2050" name="Picture 2" descr="https://cdn.discordapp.com/attachments/858053051780562957/858626114951053332/picpic.png"/>
+          <p:cNvPicPr>
+            <a:picLocks noChangeAspect="1" noChangeArrowheads="1"/>
+          </p:cNvPicPr>
+          <p:nvPr/>
+        </p:nvPicPr>
+        <p:blipFill>
+          <a:blip r:embed="rId3">
+            <a:extLst>
+              <a:ext uri="{28A0092B-C50C-407E-A947-70E740481C1C}">
+                <a14:useLocalDpi xmlns:a14="http://schemas.microsoft.com/office/drawing/2010/main" val="0"/>
+              </a:ext>
+            </a:extLst>
+          </a:blip>
+          <a:srcRect/>
+          <a:stretch>
+            <a:fillRect/>
+          </a:stretch>
+        </p:blipFill>
+        <p:spPr bwMode="auto">
+          <a:xfrm>
+            <a:off x="6786154" y="71843"/>
+            <a:ext cx="2357846" cy="4943381"/>
+          </a:xfrm>
+          <a:prstGeom prst="rect">
+            <a:avLst/>
+          </a:prstGeom>
+          <a:noFill/>
+          <a:extLst>
+            <a:ext uri="{909E8E84-426E-40DD-AFC4-6F175D3DCCD1}">
+              <a14:hiddenFill xmlns:a14="http://schemas.microsoft.com/office/drawing/2010/main">
+                <a:solidFill>
+                  <a:srgbClr val="FFFFFF"/>
+                </a:solidFill>
+              </a14:hiddenFill>
+            </a:ext>
+          </a:extLst>
+        </p:spPr>
+      </p:pic>
+    </p:spTree>
+    <p:extLst>
+      <p:ext uri="{BB962C8B-B14F-4D97-AF65-F5344CB8AC3E}">
+        <p14:creationId xmlns:p14="http://schemas.microsoft.com/office/powerpoint/2010/main" val="3108261406"/>
+      </p:ext>
+    </p:extLst>
+  </p:cSld>
+  <p:clrMapOvr>
+    <a:masterClrMapping/>
+  </p:clrMapOvr>
+</p:sld>
+</file>
+
+<file path=ppt/slides/slide11.xml><?xml version="1.0" encoding="utf-8"?>
+<p:sld xmlns:a="http://schemas.openxmlformats.org/drawingml/2006/main" xmlns:r="http://schemas.openxmlformats.org/officeDocument/2006/relationships" xmlns:p="http://schemas.openxmlformats.org/presentationml/2006/main">
+  <p:cSld>
+    <p:spTree>
+      <p:nvGrpSpPr>
+        <p:cNvPr id="1" name="Shape 65"/>
+        <p:cNvGrpSpPr/>
+        <p:nvPr/>
+      </p:nvGrpSpPr>
+      <p:grpSpPr>
+        <a:xfrm>
+          <a:off x="0" y="0"/>
+          <a:ext cx="0" cy="0"/>
+          <a:chOff x="0" y="0"/>
+          <a:chExt cx="0" cy="0"/>
+        </a:xfrm>
+      </p:grpSpPr>
+      <p:sp>
+        <p:nvSpPr>
+          <p:cNvPr id="66" name="Google Shape;66;p16"/>
+          <p:cNvSpPr/>
+          <p:nvPr/>
+        </p:nvSpPr>
+        <p:spPr>
+          <a:xfrm>
+            <a:off x="-1" y="416878"/>
+            <a:ext cx="288900" cy="331200"/>
+          </a:xfrm>
+          <a:prstGeom prst="rect">
+            <a:avLst/>
+          </a:prstGeom>
+          <a:solidFill>
+            <a:srgbClr val="19CA99"/>
+          </a:solidFill>
+          <a:ln>
+            <a:noFill/>
+          </a:ln>
+        </p:spPr>
+        <p:txBody>
+          <a:bodyPr spcFirstLastPara="1" wrap="square" lIns="68575" tIns="34275" rIns="68575" bIns="34275" anchor="ctr" anchorCtr="0">
+            <a:noAutofit/>
+          </a:bodyPr>
+          <a:lstStyle/>
+          <a:p>
+            <a:pPr marL="0" marR="0" lvl="0" indent="0" algn="ctr" rtl="0">
+              <a:lnSpc>
+                <a:spcPct val="100000"/>
+              </a:lnSpc>
+              <a:spcBef>
+                <a:spcPts val="0"/>
+              </a:spcBef>
+              <a:spcAft>
+                <a:spcPts val="0"/>
+              </a:spcAft>
+              <a:buClr>
+                <a:srgbClr val="000000"/>
+              </a:buClr>
+              <a:buSzPts val="1400"/>
+              <a:buFont typeface="Arial"/>
+              <a:buNone/>
+            </a:pPr>
+            <a:endParaRPr sz="1400" b="0" i="0" u="none" strike="noStrike" cap="none">
+              <a:solidFill>
+                <a:schemeClr val="lt1"/>
+              </a:solidFill>
+              <a:latin typeface="Nunito Sans"/>
+              <a:ea typeface="Nunito Sans"/>
+              <a:cs typeface="Nunito Sans"/>
+              <a:sym typeface="Nunito Sans"/>
+            </a:endParaRPr>
+          </a:p>
+        </p:txBody>
+      </p:sp>
+      <p:pic>
+        <p:nvPicPr>
+          <p:cNvPr id="5" name="Google Shape;57;p15"/>
+          <p:cNvPicPr preferRelativeResize="0"/>
+          <p:nvPr/>
+        </p:nvPicPr>
+        <p:blipFill>
+          <a:blip r:embed="rId3">
+            <a:alphaModFix/>
+          </a:blip>
+          <a:stretch>
+            <a:fillRect/>
+          </a:stretch>
+        </p:blipFill>
+        <p:spPr>
+          <a:xfrm>
+            <a:off x="0" y="0"/>
+            <a:ext cx="9212870" cy="5182240"/>
+          </a:xfrm>
+          <a:prstGeom prst="rect">
+            <a:avLst/>
+          </a:prstGeom>
+          <a:noFill/>
+          <a:ln>
+            <a:noFill/>
+          </a:ln>
+        </p:spPr>
+      </p:pic>
+      <p:sp>
+        <p:nvSpPr>
+          <p:cNvPr id="6" name="Google Shape;59;p15"/>
+          <p:cNvSpPr txBox="1"/>
+          <p:nvPr/>
+        </p:nvSpPr>
+        <p:spPr>
+          <a:xfrm>
+            <a:off x="1818039" y="2334779"/>
+            <a:ext cx="5576791" cy="665149"/>
+          </a:xfrm>
+          <a:prstGeom prst="rect">
+            <a:avLst/>
+          </a:prstGeom>
+          <a:noFill/>
+          <a:ln>
+            <a:noFill/>
+          </a:ln>
+        </p:spPr>
+        <p:txBody>
+          <a:bodyPr spcFirstLastPara="1" wrap="square" lIns="68575" tIns="34275" rIns="68575" bIns="34275" anchor="t" anchorCtr="0">
+            <a:noAutofit/>
+          </a:bodyPr>
+          <a:lstStyle/>
+          <a:p>
+            <a:pPr lvl="0">
+              <a:buSzPts val="3200"/>
+            </a:pPr>
+            <a:r>
+              <a:rPr lang="en-US" sz="3300" dirty="0" smtClean="0">
+                <a:solidFill>
+                  <a:schemeClr val="bg1"/>
+                </a:solidFill>
+                <a:latin typeface="Montserrat Medium"/>
+                <a:ea typeface="Montserrat Medium"/>
+                <a:cs typeface="Montserrat Medium"/>
+                <a:sym typeface="Montserrat Medium"/>
+              </a:rPr>
+              <a:t>Pre Machine Learning</a:t>
+            </a:r>
+            <a:endParaRPr lang="en-US" sz="3300" dirty="0">
+              <a:solidFill>
+                <a:schemeClr val="bg1"/>
+              </a:solidFill>
+              <a:latin typeface="Montserrat Medium"/>
+              <a:ea typeface="Montserrat Medium"/>
+              <a:cs typeface="Montserrat Medium"/>
+              <a:sym typeface="Montserrat Medium"/>
+            </a:endParaRPr>
+          </a:p>
+          <a:p>
+            <a:pPr marL="0" marR="0" lvl="0" indent="0" algn="l" rtl="0">
+              <a:lnSpc>
+                <a:spcPct val="90000"/>
+              </a:lnSpc>
+              <a:spcBef>
+                <a:spcPts val="0"/>
+              </a:spcBef>
+              <a:spcAft>
+                <a:spcPts val="0"/>
+              </a:spcAft>
+              <a:buClr>
+                <a:schemeClr val="dk1"/>
+              </a:buClr>
+              <a:buSzPts val="1100"/>
+              <a:buFont typeface="Arial"/>
+              <a:buNone/>
+            </a:pPr>
+            <a:endParaRPr sz="3300" dirty="0">
+              <a:solidFill>
+                <a:schemeClr val="lt1"/>
+              </a:solidFill>
+              <a:latin typeface="Montserrat Medium"/>
+              <a:ea typeface="Montserrat Medium"/>
+              <a:cs typeface="Montserrat Medium"/>
+              <a:sym typeface="Montserrat Medium"/>
+            </a:endParaRPr>
+          </a:p>
+          <a:p>
+            <a:pPr marL="0" marR="0" lvl="0" indent="0" algn="l" rtl="0">
+              <a:lnSpc>
+                <a:spcPct val="90000"/>
+              </a:lnSpc>
+              <a:spcBef>
+                <a:spcPts val="0"/>
+              </a:spcBef>
+              <a:spcAft>
+                <a:spcPts val="0"/>
+              </a:spcAft>
+              <a:buClr>
+                <a:schemeClr val="dk1"/>
+              </a:buClr>
+              <a:buSzPts val="1100"/>
+              <a:buFont typeface="Arial"/>
+              <a:buNone/>
+            </a:pPr>
+            <a:endParaRPr sz="3300" dirty="0">
+              <a:solidFill>
+                <a:schemeClr val="lt1"/>
+              </a:solidFill>
+              <a:latin typeface="Montserrat Medium"/>
+              <a:ea typeface="Montserrat Medium"/>
+              <a:cs typeface="Montserrat Medium"/>
+              <a:sym typeface="Montserrat Medium"/>
+            </a:endParaRPr>
+          </a:p>
+          <a:p>
+            <a:pPr marL="0" marR="0" lvl="0" indent="0" algn="l" rtl="0">
+              <a:lnSpc>
+                <a:spcPct val="90000"/>
+              </a:lnSpc>
+              <a:spcBef>
+                <a:spcPts val="0"/>
+              </a:spcBef>
+              <a:spcAft>
+                <a:spcPts val="0"/>
+              </a:spcAft>
+              <a:buClr>
+                <a:schemeClr val="lt1"/>
+              </a:buClr>
+              <a:buSzPts val="4100"/>
+              <a:buFont typeface="Lato"/>
+              <a:buNone/>
+            </a:pPr>
+            <a:endParaRPr sz="3300" dirty="0">
+              <a:solidFill>
+                <a:schemeClr val="lt1"/>
+              </a:solidFill>
+              <a:latin typeface="Montserrat Medium"/>
+              <a:ea typeface="Montserrat Medium"/>
+              <a:cs typeface="Montserrat Medium"/>
+              <a:sym typeface="Montserrat Medium"/>
+            </a:endParaRPr>
+          </a:p>
+        </p:txBody>
+      </p:sp>
+    </p:spTree>
+    <p:extLst>
+      <p:ext uri="{BB962C8B-B14F-4D97-AF65-F5344CB8AC3E}">
+        <p14:creationId xmlns:p14="http://schemas.microsoft.com/office/powerpoint/2010/main" val="323695245"/>
+      </p:ext>
+    </p:extLst>
+  </p:cSld>
+  <p:clrMapOvr>
+    <a:masterClrMapping/>
+  </p:clrMapOvr>
+</p:sld>
+</file>
+
+<file path=ppt/slides/slide12.xml><?xml version="1.0" encoding="utf-8"?>
+<p:sld xmlns:a="http://schemas.openxmlformats.org/drawingml/2006/main" xmlns:r="http://schemas.openxmlformats.org/officeDocument/2006/relationships" xmlns:p="http://schemas.openxmlformats.org/presentationml/2006/main">
+  <p:cSld>
+    <p:spTree>
+      <p:nvGrpSpPr>
+        <p:cNvPr id="1" name="Shape 118"/>
+        <p:cNvGrpSpPr/>
+        <p:nvPr/>
+      </p:nvGrpSpPr>
+      <p:grpSpPr>
+        <a:xfrm>
+          <a:off x="0" y="0"/>
+          <a:ext cx="0" cy="0"/>
+          <a:chOff x="0" y="0"/>
+          <a:chExt cx="0" cy="0"/>
+        </a:xfrm>
+      </p:grpSpPr>
+      <p:sp>
+        <p:nvSpPr>
+          <p:cNvPr id="119" name="Google Shape;119;p21"/>
+          <p:cNvSpPr/>
+          <p:nvPr/>
+        </p:nvSpPr>
+        <p:spPr>
+          <a:xfrm>
+            <a:off x="-1" y="416878"/>
+            <a:ext cx="288900" cy="331200"/>
+          </a:xfrm>
+          <a:prstGeom prst="rect">
+            <a:avLst/>
+          </a:prstGeom>
+          <a:solidFill>
+            <a:srgbClr val="19CA99"/>
+          </a:solidFill>
+          <a:ln>
+            <a:noFill/>
+          </a:ln>
+        </p:spPr>
+        <p:txBody>
+          <a:bodyPr spcFirstLastPara="1" wrap="square" lIns="68575" tIns="34275" rIns="68575" bIns="34275" anchor="ctr" anchorCtr="0">
+            <a:noAutofit/>
+          </a:bodyPr>
+          <a:lstStyle/>
+          <a:p>
+            <a:pPr marL="0" marR="0" lvl="0" indent="0" algn="ctr" rtl="0">
+              <a:lnSpc>
+                <a:spcPct val="100000"/>
+              </a:lnSpc>
+              <a:spcBef>
+                <a:spcPts val="0"/>
+              </a:spcBef>
+              <a:spcAft>
+                <a:spcPts val="0"/>
+              </a:spcAft>
+              <a:buClr>
+                <a:srgbClr val="000000"/>
+              </a:buClr>
+              <a:buSzPts val="1400"/>
+              <a:buFont typeface="Arial"/>
+              <a:buNone/>
+            </a:pPr>
+            <a:endParaRPr sz="1400" b="0" i="0" u="none" strike="noStrike" cap="none">
+              <a:solidFill>
+                <a:schemeClr val="lt1"/>
+              </a:solidFill>
+              <a:latin typeface="Nunito Sans"/>
+              <a:ea typeface="Nunito Sans"/>
+              <a:cs typeface="Nunito Sans"/>
+              <a:sym typeface="Nunito Sans"/>
+            </a:endParaRPr>
+          </a:p>
+        </p:txBody>
+      </p:sp>
+      <p:sp>
+        <p:nvSpPr>
+          <p:cNvPr id="120" name="Google Shape;120;p21"/>
+          <p:cNvSpPr txBox="1"/>
+          <p:nvPr/>
+        </p:nvSpPr>
+        <p:spPr>
+          <a:xfrm>
+            <a:off x="506074" y="339525"/>
+            <a:ext cx="3471565" cy="541500"/>
+          </a:xfrm>
+          <a:prstGeom prst="rect">
+            <a:avLst/>
+          </a:prstGeom>
+          <a:noFill/>
+          <a:ln>
+            <a:noFill/>
+          </a:ln>
+        </p:spPr>
+        <p:txBody>
+          <a:bodyPr spcFirstLastPara="1" wrap="square" lIns="0" tIns="0" rIns="0" bIns="0" anchor="t" anchorCtr="0">
+            <a:noAutofit/>
+          </a:bodyPr>
+          <a:lstStyle/>
+          <a:p>
+            <a:pPr marL="0" marR="0" lvl="0" indent="0" algn="l" rtl="0">
+              <a:lnSpc>
+                <a:spcPct val="100000"/>
+              </a:lnSpc>
+              <a:spcBef>
+                <a:spcPts val="0"/>
+              </a:spcBef>
+              <a:spcAft>
+                <a:spcPts val="0"/>
+              </a:spcAft>
+              <a:buClr>
+                <a:srgbClr val="000000"/>
+              </a:buClr>
+              <a:buSzPts val="3200"/>
+              <a:buFont typeface="Arial"/>
+              <a:buNone/>
+            </a:pPr>
+            <a:r>
+              <a:rPr lang="en" sz="3300" dirty="0" smtClean="0">
+                <a:solidFill>
+                  <a:schemeClr val="dk2"/>
+                </a:solidFill>
+                <a:latin typeface="Montserrat Medium"/>
+                <a:ea typeface="Montserrat Medium"/>
+                <a:cs typeface="Montserrat Medium"/>
+                <a:sym typeface="Montserrat Medium"/>
+              </a:rPr>
+              <a:t>Countries Data</a:t>
+            </a:r>
+          </a:p>
+          <a:p>
+            <a:pPr marL="0" marR="0" lvl="0" indent="0" algn="l" rtl="0">
+              <a:lnSpc>
+                <a:spcPct val="100000"/>
+              </a:lnSpc>
+              <a:spcBef>
+                <a:spcPts val="0"/>
+              </a:spcBef>
+              <a:spcAft>
+                <a:spcPts val="0"/>
+              </a:spcAft>
+              <a:buClr>
+                <a:srgbClr val="000000"/>
+              </a:buClr>
+              <a:buSzPts val="3200"/>
+              <a:buFont typeface="Arial"/>
+              <a:buNone/>
+            </a:pPr>
+            <a:r>
+              <a:rPr lang="en" sz="900" dirty="0" smtClean="0">
+                <a:solidFill>
+                  <a:schemeClr val="dk2"/>
+                </a:solidFill>
+                <a:latin typeface="Montserrat Medium"/>
+                <a:ea typeface="Montserrat Medium"/>
+                <a:cs typeface="Montserrat Medium"/>
+                <a:sym typeface="Montserrat Medium"/>
+              </a:rPr>
+              <a:t>Pre Machine Learning.</a:t>
+            </a:r>
+            <a:endParaRPr sz="900" i="0" u="none" strike="noStrike" cap="none" dirty="0">
+              <a:solidFill>
+                <a:schemeClr val="dk2"/>
+              </a:solidFill>
+              <a:latin typeface="Montserrat Medium"/>
+              <a:ea typeface="Montserrat Medium"/>
+              <a:cs typeface="Montserrat Medium"/>
+              <a:sym typeface="Montserrat Medium"/>
+            </a:endParaRPr>
+          </a:p>
+        </p:txBody>
+      </p:sp>
+      <p:pic>
+        <p:nvPicPr>
+          <p:cNvPr id="2" name="תמונה 1"/>
+          <p:cNvPicPr>
+            <a:picLocks noChangeAspect="1"/>
+          </p:cNvPicPr>
+          <p:nvPr/>
+        </p:nvPicPr>
+        <p:blipFill>
+          <a:blip r:embed="rId3"/>
+          <a:stretch>
+            <a:fillRect/>
+          </a:stretch>
+        </p:blipFill>
+        <p:spPr>
+          <a:xfrm>
+            <a:off x="1528353" y="1981289"/>
+            <a:ext cx="5643157" cy="2802268"/>
+          </a:xfrm>
+          <a:prstGeom prst="rect">
+            <a:avLst/>
+          </a:prstGeom>
+        </p:spPr>
+      </p:pic>
+      <p:sp>
+        <p:nvSpPr>
+          <p:cNvPr id="121" name="Google Shape;121;p21"/>
+          <p:cNvSpPr txBox="1"/>
+          <p:nvPr/>
+        </p:nvSpPr>
+        <p:spPr>
+          <a:xfrm>
+            <a:off x="288899" y="1012677"/>
+            <a:ext cx="7821496" cy="1027395"/>
+          </a:xfrm>
+          <a:prstGeom prst="rect">
+            <a:avLst/>
+          </a:prstGeom>
+          <a:noFill/>
+          <a:ln>
+            <a:noFill/>
+          </a:ln>
+        </p:spPr>
+        <p:txBody>
+          <a:bodyPr spcFirstLastPara="1" wrap="square" lIns="91425" tIns="91425" rIns="91425" bIns="91425" anchor="t" anchorCtr="0">
+            <a:noAutofit/>
+          </a:bodyPr>
+          <a:lstStyle/>
+          <a:p>
+            <a:pPr marL="285750" lvl="0" indent="-285750">
+              <a:lnSpc>
+                <a:spcPct val="150000"/>
+              </a:lnSpc>
+              <a:buClr>
+                <a:srgbClr val="19CA99"/>
+              </a:buClr>
+              <a:buSzPts val="1100"/>
+              <a:buFont typeface="Arial" panose="020B0604020202020204" pitchFamily="34" charset="0"/>
+              <a:buChar char="•"/>
+            </a:pPr>
+            <a:r>
+              <a:rPr lang="en-US" dirty="0" smtClean="0">
+                <a:latin typeface="Montserrat"/>
+                <a:ea typeface="Montserrat"/>
+                <a:cs typeface="Montserrat"/>
+                <a:sym typeface="Montserrat"/>
+              </a:rPr>
+              <a:t>Representation of </a:t>
+            </a:r>
+            <a:r>
+              <a:rPr lang="en-US" dirty="0">
+                <a:latin typeface="Montserrat"/>
+                <a:ea typeface="Montserrat"/>
+                <a:cs typeface="Montserrat"/>
+                <a:sym typeface="Montserrat"/>
+              </a:rPr>
+              <a:t>the percentage of users of each country out of the entire </a:t>
+            </a:r>
+            <a:r>
+              <a:rPr lang="en-US" dirty="0" err="1" smtClean="0">
+                <a:latin typeface="Montserrat"/>
+                <a:ea typeface="Montserrat"/>
+                <a:cs typeface="Montserrat"/>
+                <a:sym typeface="Montserrat"/>
+              </a:rPr>
+              <a:t>userbase</a:t>
+            </a:r>
+            <a:r>
+              <a:rPr lang="en-US" dirty="0" smtClean="0">
+                <a:latin typeface="Montserrat"/>
+                <a:ea typeface="Montserrat"/>
+                <a:cs typeface="Montserrat"/>
+                <a:sym typeface="Montserrat"/>
+              </a:rPr>
+              <a:t>:</a:t>
+            </a:r>
+            <a:endParaRPr dirty="0">
+              <a:latin typeface="Montserrat"/>
+              <a:ea typeface="Montserrat"/>
+              <a:cs typeface="Montserrat"/>
+              <a:sym typeface="Montserrat"/>
+            </a:endParaRPr>
+          </a:p>
+        </p:txBody>
+      </p:sp>
+    </p:spTree>
+  </p:cSld>
+  <p:clrMapOvr>
+    <a:masterClrMapping/>
+  </p:clrMapOvr>
+</p:sld>
+</file>
+
+<file path=ppt/slides/slide13.xml><?xml version="1.0" encoding="utf-8"?>
+<p:sld xmlns:a="http://schemas.openxmlformats.org/drawingml/2006/main" xmlns:r="http://schemas.openxmlformats.org/officeDocument/2006/relationships" xmlns:p="http://schemas.openxmlformats.org/presentationml/2006/main">
+  <p:cSld>
+    <p:spTree>
+      <p:nvGrpSpPr>
         <p:cNvPr id="1" name="Shape 129"/>
         <p:cNvGrpSpPr/>
         <p:nvPr/>
@@ -8892,7 +10913,7 @@
 </p:sld>
 </file>
 
-<file path=ppt/slides/slide11.xml><?xml version="1.0" encoding="utf-8"?>
+<file path=ppt/slides/slide14.xml><?xml version="1.0" encoding="utf-8"?>
 <p:sld xmlns:a="http://schemas.openxmlformats.org/drawingml/2006/main" xmlns:r="http://schemas.openxmlformats.org/officeDocument/2006/relationships" xmlns:p="http://schemas.openxmlformats.org/presentationml/2006/main">
   <p:cSld>
     <p:spTree>
@@ -9316,7 +11337,7 @@
 </p:sld>
 </file>
 
-<file path=ppt/slides/slide12.xml><?xml version="1.0" encoding="utf-8"?>
+<file path=ppt/slides/slide15.xml><?xml version="1.0" encoding="utf-8"?>
 <p:sld xmlns:a="http://schemas.openxmlformats.org/drawingml/2006/main" xmlns:r="http://schemas.openxmlformats.org/officeDocument/2006/relationships" xmlns:p="http://schemas.openxmlformats.org/presentationml/2006/main">
   <p:cSld>
     <p:spTree>
@@ -9566,7 +11587,7 @@
 </p:sld>
 </file>
 
-<file path=ppt/slides/slide13.xml><?xml version="1.0" encoding="utf-8"?>
+<file path=ppt/slides/slide16.xml><?xml version="1.0" encoding="utf-8"?>
 <p:sld xmlns:a="http://schemas.openxmlformats.org/drawingml/2006/main" xmlns:r="http://schemas.openxmlformats.org/officeDocument/2006/relationships" xmlns:p="http://schemas.openxmlformats.org/presentationml/2006/main">
   <p:cSld>
     <p:spTree>
@@ -9845,7 +11866,16 @@
                 <a:cs typeface="Montserrat"/>
                 <a:sym typeface="Montserrat"/>
               </a:rPr>
-              <a:t>following graph shows the relative distance between users after vectorization, by noting how they rated the reviews the wrote,</a:t>
+              <a:t>following graph shows the relative distance between users after vectorization, by noting how they rated the reviews the </a:t>
+            </a:r>
+            <a:r>
+              <a:rPr lang="en-US" dirty="0" smtClean="0">
+                <a:latin typeface="Montserrat"/>
+                <a:ea typeface="Montserrat"/>
+                <a:cs typeface="Montserrat"/>
+                <a:sym typeface="Montserrat"/>
+              </a:rPr>
+              <a:t>wrote.</a:t>
             </a:r>
             <a:endParaRPr lang="en-US" dirty="0">
               <a:latin typeface="Montserrat"/>
@@ -9864,7 +11894,7 @@
 </p:sld>
 </file>
 
-<file path=ppt/slides/slide14.xml><?xml version="1.0" encoding="utf-8"?>
+<file path=ppt/slides/slide17.xml><?xml version="1.0" encoding="utf-8"?>
 <p:sld xmlns:a="http://schemas.openxmlformats.org/drawingml/2006/main" xmlns:r="http://schemas.openxmlformats.org/officeDocument/2006/relationships" xmlns:p="http://schemas.openxmlformats.org/presentationml/2006/main">
   <p:cSld>
     <p:spTree>
@@ -10198,7 +12228,1809 @@
 </p:sld>
 </file>
 
-<file path=ppt/slides/slide15.xml><?xml version="1.0" encoding="utf-8"?>
+<file path=ppt/slides/slide18.xml><?xml version="1.0" encoding="utf-8"?>
+<p:sld xmlns:a="http://schemas.openxmlformats.org/drawingml/2006/main" xmlns:r="http://schemas.openxmlformats.org/officeDocument/2006/relationships" xmlns:p="http://schemas.openxmlformats.org/presentationml/2006/main">
+  <p:cSld>
+    <p:spTree>
+      <p:nvGrpSpPr>
+        <p:cNvPr id="1" name="Shape 149"/>
+        <p:cNvGrpSpPr/>
+        <p:nvPr/>
+      </p:nvGrpSpPr>
+      <p:grpSpPr>
+        <a:xfrm>
+          <a:off x="0" y="0"/>
+          <a:ext cx="0" cy="0"/>
+          <a:chOff x="0" y="0"/>
+          <a:chExt cx="0" cy="0"/>
+        </a:xfrm>
+      </p:grpSpPr>
+      <p:sp>
+        <p:nvSpPr>
+          <p:cNvPr id="14" name="Google Shape;144;p23"/>
+          <p:cNvSpPr txBox="1"/>
+          <p:nvPr/>
+        </p:nvSpPr>
+        <p:spPr>
+          <a:xfrm>
+            <a:off x="288899" y="1031974"/>
+            <a:ext cx="7868855" cy="1136470"/>
+          </a:xfrm>
+          <a:prstGeom prst="rect">
+            <a:avLst/>
+          </a:prstGeom>
+          <a:noFill/>
+          <a:ln>
+            <a:noFill/>
+          </a:ln>
+        </p:spPr>
+        <p:txBody>
+          <a:bodyPr spcFirstLastPara="1" wrap="square" lIns="91425" tIns="91425" rIns="91425" bIns="91425" anchor="t" anchorCtr="0">
+            <a:noAutofit/>
+          </a:bodyPr>
+          <a:lstStyle/>
+          <a:p>
+            <a:pPr marL="285750" lvl="0" indent="-285750">
+              <a:lnSpc>
+                <a:spcPct val="150000"/>
+              </a:lnSpc>
+              <a:buClr>
+                <a:srgbClr val="19CA99"/>
+              </a:buClr>
+              <a:buFont typeface="Arial" panose="020B0604020202020204" pitchFamily="34" charset="0"/>
+              <a:buChar char="•"/>
+            </a:pPr>
+            <a:r>
+              <a:rPr lang="en-US" dirty="0">
+                <a:latin typeface="Montserrat"/>
+                <a:ea typeface="Montserrat"/>
+                <a:cs typeface="Montserrat"/>
+                <a:sym typeface="Montserrat"/>
+              </a:rPr>
+              <a:t>This is the positions of U.S. </a:t>
+            </a:r>
+            <a:r>
+              <a:rPr lang="en-US" dirty="0" smtClean="0">
+                <a:latin typeface="Montserrat"/>
+                <a:ea typeface="Montserrat"/>
+                <a:cs typeface="Montserrat"/>
+                <a:sym typeface="Montserrat"/>
+              </a:rPr>
+              <a:t>users</a:t>
+            </a:r>
+            <a:r>
+              <a:rPr lang="en-US" dirty="0">
+                <a:latin typeface="Montserrat"/>
+                <a:ea typeface="Montserrat"/>
+                <a:cs typeface="Montserrat"/>
+                <a:sym typeface="Montserrat"/>
+              </a:rPr>
+              <a:t>, </a:t>
+            </a:r>
+            <a:r>
+              <a:rPr lang="en-US" dirty="0" smtClean="0">
+                <a:latin typeface="Montserrat"/>
+                <a:ea typeface="Montserrat"/>
+                <a:cs typeface="Montserrat"/>
+                <a:sym typeface="Montserrat"/>
+              </a:rPr>
+              <a:t>The following graph represents </a:t>
+            </a:r>
+            <a:r>
+              <a:rPr lang="en-US" dirty="0">
+                <a:latin typeface="Montserrat"/>
+                <a:ea typeface="Montserrat"/>
+                <a:cs typeface="Montserrat"/>
+                <a:sym typeface="Montserrat"/>
+              </a:rPr>
+              <a:t>how </a:t>
+            </a:r>
+            <a:r>
+              <a:rPr lang="en-US" dirty="0" smtClean="0">
+                <a:latin typeface="Montserrat"/>
+                <a:ea typeface="Montserrat"/>
+                <a:cs typeface="Montserrat"/>
+                <a:sym typeface="Montserrat"/>
+              </a:rPr>
+              <a:t>American </a:t>
+            </a:r>
+            <a:r>
+              <a:rPr lang="en-US" dirty="0">
+                <a:latin typeface="Montserrat"/>
+                <a:ea typeface="Montserrat"/>
+                <a:cs typeface="Montserrat"/>
+                <a:sym typeface="Montserrat"/>
+              </a:rPr>
+              <a:t>customers' tastes fragments</a:t>
+            </a:r>
+          </a:p>
+        </p:txBody>
+      </p:sp>
+      <p:pic>
+        <p:nvPicPr>
+          <p:cNvPr id="8196" name="Picture 4" descr="https://cdn.discordapp.com/attachments/858311695378284604/858803776890077244/unknown.png"/>
+          <p:cNvPicPr>
+            <a:picLocks noChangeAspect="1" noChangeArrowheads="1"/>
+          </p:cNvPicPr>
+          <p:nvPr/>
+        </p:nvPicPr>
+        <p:blipFill>
+          <a:blip r:embed="rId3">
+            <a:extLst>
+              <a:ext uri="{28A0092B-C50C-407E-A947-70E740481C1C}">
+                <a14:useLocalDpi xmlns:a14="http://schemas.microsoft.com/office/drawing/2010/main" val="0"/>
+              </a:ext>
+            </a:extLst>
+          </a:blip>
+          <a:srcRect/>
+          <a:stretch>
+            <a:fillRect/>
+          </a:stretch>
+        </p:blipFill>
+        <p:spPr bwMode="auto">
+          <a:xfrm>
+            <a:off x="4726123" y="2168444"/>
+            <a:ext cx="3431631" cy="2128272"/>
+          </a:xfrm>
+          <a:prstGeom prst="rect">
+            <a:avLst/>
+          </a:prstGeom>
+          <a:noFill/>
+          <a:extLst>
+            <a:ext uri="{909E8E84-426E-40DD-AFC4-6F175D3DCCD1}">
+              <a14:hiddenFill xmlns:a14="http://schemas.microsoft.com/office/drawing/2010/main">
+                <a:solidFill>
+                  <a:srgbClr val="FFFFFF"/>
+                </a:solidFill>
+              </a14:hiddenFill>
+            </a:ext>
+          </a:extLst>
+        </p:spPr>
+      </p:pic>
+      <p:sp>
+        <p:nvSpPr>
+          <p:cNvPr id="150" name="Google Shape;150;p24"/>
+          <p:cNvSpPr/>
+          <p:nvPr/>
+        </p:nvSpPr>
+        <p:spPr>
+          <a:xfrm>
+            <a:off x="-1" y="416878"/>
+            <a:ext cx="288900" cy="331200"/>
+          </a:xfrm>
+          <a:prstGeom prst="rect">
+            <a:avLst/>
+          </a:prstGeom>
+          <a:solidFill>
+            <a:srgbClr val="19CA99"/>
+          </a:solidFill>
+          <a:ln>
+            <a:noFill/>
+          </a:ln>
+        </p:spPr>
+        <p:txBody>
+          <a:bodyPr spcFirstLastPara="1" wrap="square" lIns="68575" tIns="34275" rIns="68575" bIns="34275" anchor="ctr" anchorCtr="0">
+            <a:noAutofit/>
+          </a:bodyPr>
+          <a:lstStyle/>
+          <a:p>
+            <a:pPr marL="0" marR="0" lvl="0" indent="0" algn="ctr" rtl="0">
+              <a:lnSpc>
+                <a:spcPct val="100000"/>
+              </a:lnSpc>
+              <a:spcBef>
+                <a:spcPts val="0"/>
+              </a:spcBef>
+              <a:spcAft>
+                <a:spcPts val="0"/>
+              </a:spcAft>
+              <a:buClr>
+                <a:srgbClr val="000000"/>
+              </a:buClr>
+              <a:buSzPts val="1400"/>
+              <a:buFont typeface="Arial"/>
+              <a:buNone/>
+            </a:pPr>
+            <a:endParaRPr sz="1400" b="0" i="0" u="none" strike="noStrike" cap="none">
+              <a:solidFill>
+                <a:schemeClr val="lt1"/>
+              </a:solidFill>
+              <a:latin typeface="Nunito Sans"/>
+              <a:ea typeface="Nunito Sans"/>
+              <a:cs typeface="Nunito Sans"/>
+              <a:sym typeface="Nunito Sans"/>
+            </a:endParaRPr>
+          </a:p>
+        </p:txBody>
+      </p:sp>
+      <p:sp>
+        <p:nvSpPr>
+          <p:cNvPr id="151" name="Google Shape;151;p24"/>
+          <p:cNvSpPr txBox="1"/>
+          <p:nvPr/>
+        </p:nvSpPr>
+        <p:spPr>
+          <a:xfrm>
+            <a:off x="506075" y="339524"/>
+            <a:ext cx="7854154" cy="849195"/>
+          </a:xfrm>
+          <a:prstGeom prst="rect">
+            <a:avLst/>
+          </a:prstGeom>
+          <a:noFill/>
+          <a:ln>
+            <a:noFill/>
+          </a:ln>
+        </p:spPr>
+        <p:txBody>
+          <a:bodyPr spcFirstLastPara="1" wrap="square" lIns="0" tIns="0" rIns="0" bIns="0" anchor="t" anchorCtr="0">
+            <a:noAutofit/>
+          </a:bodyPr>
+          <a:lstStyle/>
+          <a:p>
+            <a:pPr marL="0" marR="0" lvl="0" indent="0" algn="l" rtl="0">
+              <a:lnSpc>
+                <a:spcPct val="100000"/>
+              </a:lnSpc>
+              <a:spcBef>
+                <a:spcPts val="0"/>
+              </a:spcBef>
+              <a:spcAft>
+                <a:spcPts val="0"/>
+              </a:spcAft>
+              <a:buClr>
+                <a:srgbClr val="000000"/>
+              </a:buClr>
+              <a:buSzPts val="3200"/>
+              <a:buFont typeface="Arial"/>
+              <a:buNone/>
+            </a:pPr>
+            <a:r>
+              <a:rPr lang="en-US" sz="3300" dirty="0" smtClean="0">
+                <a:solidFill>
+                  <a:schemeClr val="dk2"/>
+                </a:solidFill>
+                <a:latin typeface="Montserrat Medium"/>
+                <a:ea typeface="Montserrat Medium"/>
+                <a:cs typeface="Montserrat Medium"/>
+                <a:sym typeface="Montserrat Medium"/>
+              </a:rPr>
+              <a:t>American Customers Tastes</a:t>
+            </a:r>
+          </a:p>
+          <a:p>
+            <a:pPr>
+              <a:buSzPts val="3200"/>
+            </a:pPr>
+            <a:r>
+              <a:rPr lang="en-US" sz="900" dirty="0" smtClean="0">
+                <a:solidFill>
+                  <a:schemeClr val="dk2"/>
+                </a:solidFill>
+                <a:latin typeface="Montserrat Medium"/>
+                <a:ea typeface="Montserrat Medium"/>
+                <a:cs typeface="Montserrat Medium"/>
+                <a:sym typeface="Montserrat Medium"/>
+              </a:rPr>
+              <a:t>Post Machine Learning.</a:t>
+            </a:r>
+          </a:p>
+          <a:p>
+            <a:pPr marL="0" marR="0" lvl="0" indent="0" algn="l" rtl="0">
+              <a:lnSpc>
+                <a:spcPct val="100000"/>
+              </a:lnSpc>
+              <a:spcBef>
+                <a:spcPts val="0"/>
+              </a:spcBef>
+              <a:spcAft>
+                <a:spcPts val="0"/>
+              </a:spcAft>
+              <a:buClr>
+                <a:srgbClr val="000000"/>
+              </a:buClr>
+              <a:buSzPts val="3200"/>
+              <a:buFont typeface="Arial"/>
+              <a:buNone/>
+            </a:pPr>
+            <a:endParaRPr sz="3300" i="0" u="none" strike="noStrike" cap="none" dirty="0">
+              <a:solidFill>
+                <a:schemeClr val="dk2"/>
+              </a:solidFill>
+              <a:latin typeface="Montserrat Medium"/>
+              <a:ea typeface="Montserrat Medium"/>
+              <a:cs typeface="Montserrat Medium"/>
+              <a:sym typeface="Montserrat Medium"/>
+            </a:endParaRPr>
+          </a:p>
+        </p:txBody>
+      </p:sp>
+    </p:spTree>
+    <p:extLst>
+      <p:ext uri="{BB962C8B-B14F-4D97-AF65-F5344CB8AC3E}">
+        <p14:creationId xmlns:p14="http://schemas.microsoft.com/office/powerpoint/2010/main" val="268288566"/>
+      </p:ext>
+    </p:extLst>
+  </p:cSld>
+  <p:clrMapOvr>
+    <a:masterClrMapping/>
+  </p:clrMapOvr>
+</p:sld>
+</file>
+
+<file path=ppt/slides/slide19.xml><?xml version="1.0" encoding="utf-8"?>
+<p:sld xmlns:a="http://schemas.openxmlformats.org/drawingml/2006/main" xmlns:r="http://schemas.openxmlformats.org/officeDocument/2006/relationships" xmlns:p="http://schemas.openxmlformats.org/presentationml/2006/main">
+  <p:cSld>
+    <p:spTree>
+      <p:nvGrpSpPr>
+        <p:cNvPr id="1" name="Shape 65"/>
+        <p:cNvGrpSpPr/>
+        <p:nvPr/>
+      </p:nvGrpSpPr>
+      <p:grpSpPr>
+        <a:xfrm>
+          <a:off x="0" y="0"/>
+          <a:ext cx="0" cy="0"/>
+          <a:chOff x="0" y="0"/>
+          <a:chExt cx="0" cy="0"/>
+        </a:xfrm>
+      </p:grpSpPr>
+      <p:sp>
+        <p:nvSpPr>
+          <p:cNvPr id="66" name="Google Shape;66;p16"/>
+          <p:cNvSpPr/>
+          <p:nvPr/>
+        </p:nvSpPr>
+        <p:spPr>
+          <a:xfrm>
+            <a:off x="-1" y="416878"/>
+            <a:ext cx="288900" cy="331200"/>
+          </a:xfrm>
+          <a:prstGeom prst="rect">
+            <a:avLst/>
+          </a:prstGeom>
+          <a:solidFill>
+            <a:srgbClr val="19CA99"/>
+          </a:solidFill>
+          <a:ln>
+            <a:noFill/>
+          </a:ln>
+        </p:spPr>
+        <p:txBody>
+          <a:bodyPr spcFirstLastPara="1" wrap="square" lIns="68575" tIns="34275" rIns="68575" bIns="34275" anchor="ctr" anchorCtr="0">
+            <a:noAutofit/>
+          </a:bodyPr>
+          <a:lstStyle/>
+          <a:p>
+            <a:pPr marL="0" marR="0" lvl="0" indent="0" algn="ctr" rtl="0">
+              <a:lnSpc>
+                <a:spcPct val="100000"/>
+              </a:lnSpc>
+              <a:spcBef>
+                <a:spcPts val="0"/>
+              </a:spcBef>
+              <a:spcAft>
+                <a:spcPts val="0"/>
+              </a:spcAft>
+              <a:buClr>
+                <a:srgbClr val="000000"/>
+              </a:buClr>
+              <a:buSzPts val="1400"/>
+              <a:buFont typeface="Arial"/>
+              <a:buNone/>
+            </a:pPr>
+            <a:endParaRPr sz="1400" b="0" i="0" u="none" strike="noStrike" cap="none">
+              <a:solidFill>
+                <a:schemeClr val="lt1"/>
+              </a:solidFill>
+              <a:latin typeface="Nunito Sans"/>
+              <a:ea typeface="Nunito Sans"/>
+              <a:cs typeface="Nunito Sans"/>
+              <a:sym typeface="Nunito Sans"/>
+            </a:endParaRPr>
+          </a:p>
+        </p:txBody>
+      </p:sp>
+      <p:pic>
+        <p:nvPicPr>
+          <p:cNvPr id="5" name="Google Shape;57;p15"/>
+          <p:cNvPicPr preferRelativeResize="0"/>
+          <p:nvPr/>
+        </p:nvPicPr>
+        <p:blipFill>
+          <a:blip r:embed="rId3">
+            <a:alphaModFix/>
+          </a:blip>
+          <a:stretch>
+            <a:fillRect/>
+          </a:stretch>
+        </p:blipFill>
+        <p:spPr>
+          <a:xfrm>
+            <a:off x="0" y="6531"/>
+            <a:ext cx="9212870" cy="5182240"/>
+          </a:xfrm>
+          <a:prstGeom prst="rect">
+            <a:avLst/>
+          </a:prstGeom>
+          <a:noFill/>
+          <a:ln>
+            <a:noFill/>
+          </a:ln>
+        </p:spPr>
+      </p:pic>
+      <p:sp>
+        <p:nvSpPr>
+          <p:cNvPr id="6" name="Google Shape;59;p15"/>
+          <p:cNvSpPr txBox="1"/>
+          <p:nvPr/>
+        </p:nvSpPr>
+        <p:spPr>
+          <a:xfrm>
+            <a:off x="1748935" y="2225888"/>
+            <a:ext cx="5715000" cy="1288021"/>
+          </a:xfrm>
+          <a:prstGeom prst="rect">
+            <a:avLst/>
+          </a:prstGeom>
+          <a:noFill/>
+          <a:ln>
+            <a:noFill/>
+          </a:ln>
+        </p:spPr>
+        <p:txBody>
+          <a:bodyPr spcFirstLastPara="1" wrap="square" lIns="68575" tIns="34275" rIns="68575" bIns="34275" anchor="t" anchorCtr="0">
+            <a:noAutofit/>
+          </a:bodyPr>
+          <a:lstStyle/>
+          <a:p>
+            <a:pPr lvl="0" algn="ctr">
+              <a:buSzPts val="3200"/>
+            </a:pPr>
+            <a:r>
+              <a:rPr lang="en-US" sz="3300" dirty="0" smtClean="0">
+                <a:solidFill>
+                  <a:schemeClr val="bg1"/>
+                </a:solidFill>
+                <a:latin typeface="Montserrat Medium"/>
+                <a:ea typeface="Montserrat Medium"/>
+                <a:cs typeface="Montserrat Medium"/>
+                <a:sym typeface="Montserrat Medium"/>
+              </a:rPr>
+              <a:t>Recipe Recommendation Demonstration</a:t>
+            </a:r>
+            <a:endParaRPr sz="3300" dirty="0">
+              <a:solidFill>
+                <a:schemeClr val="bg1"/>
+              </a:solidFill>
+              <a:latin typeface="Montserrat Medium"/>
+              <a:ea typeface="Montserrat Medium"/>
+              <a:cs typeface="Montserrat Medium"/>
+              <a:sym typeface="Montserrat Medium"/>
+            </a:endParaRPr>
+          </a:p>
+          <a:p>
+            <a:pPr marL="0" marR="0" lvl="0" indent="0" algn="l" rtl="0">
+              <a:lnSpc>
+                <a:spcPct val="90000"/>
+              </a:lnSpc>
+              <a:spcBef>
+                <a:spcPts val="0"/>
+              </a:spcBef>
+              <a:spcAft>
+                <a:spcPts val="0"/>
+              </a:spcAft>
+              <a:buClr>
+                <a:schemeClr val="dk1"/>
+              </a:buClr>
+              <a:buSzPts val="1100"/>
+              <a:buFont typeface="Arial"/>
+              <a:buNone/>
+            </a:pPr>
+            <a:endParaRPr sz="3300" dirty="0">
+              <a:solidFill>
+                <a:schemeClr val="lt1"/>
+              </a:solidFill>
+              <a:latin typeface="Montserrat Medium"/>
+              <a:ea typeface="Montserrat Medium"/>
+              <a:cs typeface="Montserrat Medium"/>
+              <a:sym typeface="Montserrat Medium"/>
+            </a:endParaRPr>
+          </a:p>
+          <a:p>
+            <a:pPr marL="0" marR="0" lvl="0" indent="0" algn="l" rtl="0">
+              <a:lnSpc>
+                <a:spcPct val="90000"/>
+              </a:lnSpc>
+              <a:spcBef>
+                <a:spcPts val="0"/>
+              </a:spcBef>
+              <a:spcAft>
+                <a:spcPts val="0"/>
+              </a:spcAft>
+              <a:buClr>
+                <a:schemeClr val="lt1"/>
+              </a:buClr>
+              <a:buSzPts val="4100"/>
+              <a:buFont typeface="Lato"/>
+              <a:buNone/>
+            </a:pPr>
+            <a:endParaRPr sz="3300" dirty="0">
+              <a:solidFill>
+                <a:schemeClr val="lt1"/>
+              </a:solidFill>
+              <a:latin typeface="Montserrat Medium"/>
+              <a:ea typeface="Montserrat Medium"/>
+              <a:cs typeface="Montserrat Medium"/>
+              <a:sym typeface="Montserrat Medium"/>
+            </a:endParaRPr>
+          </a:p>
+        </p:txBody>
+      </p:sp>
+    </p:spTree>
+    <p:extLst>
+      <p:ext uri="{BB962C8B-B14F-4D97-AF65-F5344CB8AC3E}">
+        <p14:creationId xmlns:p14="http://schemas.microsoft.com/office/powerpoint/2010/main" val="494973812"/>
+      </p:ext>
+    </p:extLst>
+  </p:cSld>
+  <p:clrMapOvr>
+    <a:masterClrMapping/>
+  </p:clrMapOvr>
+</p:sld>
+</file>
+
+<file path=ppt/slides/slide2.xml><?xml version="1.0" encoding="utf-8"?>
+<p:sld xmlns:a="http://schemas.openxmlformats.org/drawingml/2006/main" xmlns:r="http://schemas.openxmlformats.org/officeDocument/2006/relationships" xmlns:p="http://schemas.openxmlformats.org/presentationml/2006/main">
+  <p:cSld>
+    <p:spTree>
+      <p:nvGrpSpPr>
+        <p:cNvPr id="1" name="Shape 65"/>
+        <p:cNvGrpSpPr/>
+        <p:nvPr/>
+      </p:nvGrpSpPr>
+      <p:grpSpPr>
+        <a:xfrm>
+          <a:off x="0" y="0"/>
+          <a:ext cx="0" cy="0"/>
+          <a:chOff x="0" y="0"/>
+          <a:chExt cx="0" cy="0"/>
+        </a:xfrm>
+      </p:grpSpPr>
+      <p:sp>
+        <p:nvSpPr>
+          <p:cNvPr id="66" name="Google Shape;66;p16"/>
+          <p:cNvSpPr/>
+          <p:nvPr/>
+        </p:nvSpPr>
+        <p:spPr>
+          <a:xfrm>
+            <a:off x="-1" y="416878"/>
+            <a:ext cx="288900" cy="331200"/>
+          </a:xfrm>
+          <a:prstGeom prst="rect">
+            <a:avLst/>
+          </a:prstGeom>
+          <a:solidFill>
+            <a:srgbClr val="19CA99"/>
+          </a:solidFill>
+          <a:ln>
+            <a:noFill/>
+          </a:ln>
+        </p:spPr>
+        <p:txBody>
+          <a:bodyPr spcFirstLastPara="1" wrap="square" lIns="68575" tIns="34275" rIns="68575" bIns="34275" anchor="ctr" anchorCtr="0">
+            <a:noAutofit/>
+          </a:bodyPr>
+          <a:lstStyle/>
+          <a:p>
+            <a:pPr marL="0" marR="0" lvl="0" indent="0" algn="ctr" rtl="0">
+              <a:lnSpc>
+                <a:spcPct val="100000"/>
+              </a:lnSpc>
+              <a:spcBef>
+                <a:spcPts val="0"/>
+              </a:spcBef>
+              <a:spcAft>
+                <a:spcPts val="0"/>
+              </a:spcAft>
+              <a:buClr>
+                <a:srgbClr val="000000"/>
+              </a:buClr>
+              <a:buSzPts val="1400"/>
+              <a:buFont typeface="Arial"/>
+              <a:buNone/>
+            </a:pPr>
+            <a:endParaRPr sz="1400" b="0" i="0" u="none" strike="noStrike" cap="none">
+              <a:solidFill>
+                <a:schemeClr val="lt1"/>
+              </a:solidFill>
+              <a:latin typeface="Nunito Sans"/>
+              <a:ea typeface="Nunito Sans"/>
+              <a:cs typeface="Nunito Sans"/>
+              <a:sym typeface="Nunito Sans"/>
+            </a:endParaRPr>
+          </a:p>
+        </p:txBody>
+      </p:sp>
+      <p:sp>
+        <p:nvSpPr>
+          <p:cNvPr id="67" name="Google Shape;67;p16"/>
+          <p:cNvSpPr txBox="1"/>
+          <p:nvPr/>
+        </p:nvSpPr>
+        <p:spPr>
+          <a:xfrm>
+            <a:off x="500100" y="328400"/>
+            <a:ext cx="2304600" cy="675600"/>
+          </a:xfrm>
+          <a:prstGeom prst="rect">
+            <a:avLst/>
+          </a:prstGeom>
+          <a:noFill/>
+          <a:ln>
+            <a:noFill/>
+          </a:ln>
+        </p:spPr>
+        <p:txBody>
+          <a:bodyPr spcFirstLastPara="1" wrap="square" lIns="0" tIns="0" rIns="0" bIns="0" anchor="t" anchorCtr="0">
+            <a:noAutofit/>
+          </a:bodyPr>
+          <a:lstStyle/>
+          <a:p>
+            <a:pPr marL="0" lvl="0" indent="0" algn="l" rtl="0">
+              <a:spcBef>
+                <a:spcPts val="0"/>
+              </a:spcBef>
+              <a:spcAft>
+                <a:spcPts val="0"/>
+              </a:spcAft>
+              <a:buClr>
+                <a:schemeClr val="dk1"/>
+              </a:buClr>
+              <a:buSzPts val="3200"/>
+              <a:buFont typeface="Arial"/>
+              <a:buNone/>
+            </a:pPr>
+            <a:r>
+              <a:rPr lang="en" sz="3300" dirty="0">
+                <a:solidFill>
+                  <a:schemeClr val="dk2"/>
+                </a:solidFill>
+                <a:latin typeface="Montserrat Medium"/>
+                <a:ea typeface="Montserrat Medium"/>
+                <a:cs typeface="Montserrat Medium"/>
+                <a:sym typeface="Montserrat Medium"/>
+              </a:rPr>
+              <a:t>Objective</a:t>
+            </a:r>
+            <a:endParaRPr sz="3300" i="0" u="none" strike="noStrike" cap="none" dirty="0">
+              <a:solidFill>
+                <a:schemeClr val="dk2"/>
+              </a:solidFill>
+              <a:latin typeface="Montserrat Medium"/>
+              <a:ea typeface="Montserrat Medium"/>
+              <a:cs typeface="Montserrat Medium"/>
+              <a:sym typeface="Montserrat Medium"/>
+            </a:endParaRPr>
+          </a:p>
+        </p:txBody>
+      </p:sp>
+      <p:sp>
+        <p:nvSpPr>
+          <p:cNvPr id="68" name="Google Shape;68;p16"/>
+          <p:cNvSpPr txBox="1"/>
+          <p:nvPr/>
+        </p:nvSpPr>
+        <p:spPr>
+          <a:xfrm>
+            <a:off x="288899" y="1128096"/>
+            <a:ext cx="8051700" cy="3813000"/>
+          </a:xfrm>
+          <a:prstGeom prst="rect">
+            <a:avLst/>
+          </a:prstGeom>
+          <a:noFill/>
+          <a:ln>
+            <a:noFill/>
+          </a:ln>
+        </p:spPr>
+        <p:txBody>
+          <a:bodyPr spcFirstLastPara="1" wrap="square" lIns="91425" tIns="91425" rIns="91425" bIns="91425" anchor="t" anchorCtr="0">
+            <a:noAutofit/>
+          </a:bodyPr>
+          <a:lstStyle/>
+          <a:p>
+            <a:pPr lvl="0">
+              <a:lnSpc>
+                <a:spcPct val="150000"/>
+              </a:lnSpc>
+            </a:pPr>
+            <a:r>
+              <a:rPr lang="en-US" dirty="0">
+                <a:solidFill>
+                  <a:schemeClr val="dk1"/>
+                </a:solidFill>
+                <a:latin typeface="Montserrat"/>
+                <a:ea typeface="Montserrat"/>
+                <a:cs typeface="Montserrat"/>
+                <a:sym typeface="Montserrat"/>
+              </a:rPr>
+              <a:t>The main objective of the project is to predict peoples taste in food using the website https://allrecipes.com.</a:t>
+            </a:r>
+          </a:p>
+          <a:p>
+            <a:pPr lvl="0">
+              <a:lnSpc>
+                <a:spcPct val="150000"/>
+              </a:lnSpc>
+            </a:pPr>
+            <a:r>
+              <a:rPr lang="en-US" dirty="0" err="1">
+                <a:solidFill>
+                  <a:schemeClr val="dk1"/>
+                </a:solidFill>
+                <a:latin typeface="Montserrat"/>
+                <a:ea typeface="Montserrat"/>
+                <a:cs typeface="Montserrat"/>
+                <a:sym typeface="Montserrat"/>
+              </a:rPr>
+              <a:t>AllRecipes</a:t>
+            </a:r>
+            <a:r>
+              <a:rPr lang="en-US" dirty="0">
+                <a:solidFill>
+                  <a:schemeClr val="dk1"/>
+                </a:solidFill>
+                <a:latin typeface="Montserrat"/>
+                <a:ea typeface="Montserrat"/>
+                <a:cs typeface="Montserrat"/>
+                <a:sym typeface="Montserrat"/>
+              </a:rPr>
+              <a:t> is a social network which revolves around food.</a:t>
+            </a:r>
+          </a:p>
+          <a:p>
+            <a:pPr lvl="0">
+              <a:lnSpc>
+                <a:spcPct val="150000"/>
+              </a:lnSpc>
+            </a:pPr>
+            <a:r>
+              <a:rPr lang="en-US" dirty="0">
+                <a:solidFill>
+                  <a:schemeClr val="dk1"/>
+                </a:solidFill>
+                <a:latin typeface="Montserrat"/>
+                <a:ea typeface="Montserrat"/>
+                <a:cs typeface="Montserrat"/>
+                <a:sym typeface="Montserrat"/>
+              </a:rPr>
+              <a:t>Users can share recipes, make connections with other users, review recipes of others and even favorite recipes they like.</a:t>
+            </a:r>
+          </a:p>
+          <a:p>
+            <a:pPr lvl="0">
+              <a:lnSpc>
+                <a:spcPct val="150000"/>
+              </a:lnSpc>
+            </a:pPr>
+            <a:r>
+              <a:rPr lang="en-US" dirty="0" err="1">
+                <a:solidFill>
+                  <a:schemeClr val="dk1"/>
+                </a:solidFill>
+                <a:latin typeface="Montserrat"/>
+                <a:ea typeface="Montserrat"/>
+                <a:cs typeface="Montserrat"/>
+                <a:sym typeface="Montserrat"/>
+              </a:rPr>
+              <a:t>AllRecipes</a:t>
+            </a:r>
+            <a:r>
+              <a:rPr lang="en-US" dirty="0">
+                <a:solidFill>
+                  <a:schemeClr val="dk1"/>
+                </a:solidFill>
+                <a:latin typeface="Montserrat"/>
+                <a:ea typeface="Montserrat"/>
+                <a:cs typeface="Montserrat"/>
+                <a:sym typeface="Montserrat"/>
+              </a:rPr>
+              <a:t> is the most popular website in the field, composed of millions of users and myriad of different food recipes.</a:t>
+            </a:r>
+          </a:p>
+          <a:p>
+            <a:pPr lvl="0">
+              <a:lnSpc>
+                <a:spcPct val="150000"/>
+              </a:lnSpc>
+            </a:pPr>
+            <a:endParaRPr lang="en-US" dirty="0">
+              <a:solidFill>
+                <a:schemeClr val="dk1"/>
+              </a:solidFill>
+              <a:latin typeface="Montserrat"/>
+              <a:ea typeface="Montserrat"/>
+              <a:cs typeface="Montserrat"/>
+              <a:sym typeface="Montserrat"/>
+            </a:endParaRPr>
+          </a:p>
+          <a:p>
+            <a:pPr lvl="0">
+              <a:lnSpc>
+                <a:spcPct val="150000"/>
+              </a:lnSpc>
+            </a:pPr>
+            <a:r>
+              <a:rPr lang="en-US" dirty="0" err="1">
+                <a:solidFill>
+                  <a:schemeClr val="dk1"/>
+                </a:solidFill>
+                <a:latin typeface="Montserrat"/>
+                <a:ea typeface="Montserrat"/>
+                <a:cs typeface="Montserrat"/>
+                <a:sym typeface="Montserrat"/>
+              </a:rPr>
+              <a:t>Friecipe</a:t>
+            </a:r>
+            <a:r>
+              <a:rPr lang="en-US" dirty="0">
+                <a:solidFill>
+                  <a:schemeClr val="dk1"/>
+                </a:solidFill>
+                <a:latin typeface="Montserrat"/>
+                <a:ea typeface="Montserrat"/>
+                <a:cs typeface="Montserrat"/>
+                <a:sym typeface="Montserrat"/>
+              </a:rPr>
+              <a:t> is trying to predict a similarities in the taste of users and find users with fitting taste and even suggest other recipes which they might like based on their taste preferences. </a:t>
+            </a:r>
+            <a:endParaRPr dirty="0">
+              <a:latin typeface="Montserrat"/>
+              <a:ea typeface="Montserrat"/>
+              <a:cs typeface="Montserrat"/>
+              <a:sym typeface="Montserrat"/>
+            </a:endParaRPr>
+          </a:p>
+        </p:txBody>
+      </p:sp>
+    </p:spTree>
+  </p:cSld>
+  <p:clrMapOvr>
+    <a:masterClrMapping/>
+  </p:clrMapOvr>
+</p:sld>
+</file>
+
+<file path=ppt/slides/slide20.xml><?xml version="1.0" encoding="utf-8"?>
+<p:sld xmlns:a="http://schemas.openxmlformats.org/drawingml/2006/main" xmlns:r="http://schemas.openxmlformats.org/officeDocument/2006/relationships" xmlns:p="http://schemas.openxmlformats.org/presentationml/2006/main">
+  <p:cSld>
+    <p:spTree>
+      <p:nvGrpSpPr>
+        <p:cNvPr id="1" name="Shape 149"/>
+        <p:cNvGrpSpPr/>
+        <p:nvPr/>
+      </p:nvGrpSpPr>
+      <p:grpSpPr>
+        <a:xfrm>
+          <a:off x="0" y="0"/>
+          <a:ext cx="0" cy="0"/>
+          <a:chOff x="0" y="0"/>
+          <a:chExt cx="0" cy="0"/>
+        </a:xfrm>
+      </p:grpSpPr>
+      <p:sp>
+        <p:nvSpPr>
+          <p:cNvPr id="14" name="Google Shape;144;p23"/>
+          <p:cNvSpPr txBox="1"/>
+          <p:nvPr/>
+        </p:nvSpPr>
+        <p:spPr>
+          <a:xfrm>
+            <a:off x="288899" y="1188719"/>
+            <a:ext cx="7183055" cy="711917"/>
+          </a:xfrm>
+          <a:prstGeom prst="rect">
+            <a:avLst/>
+          </a:prstGeom>
+          <a:noFill/>
+          <a:ln>
+            <a:noFill/>
+          </a:ln>
+        </p:spPr>
+        <p:txBody>
+          <a:bodyPr spcFirstLastPara="1" wrap="square" lIns="91425" tIns="91425" rIns="91425" bIns="91425" anchor="t" anchorCtr="0">
+            <a:noAutofit/>
+          </a:bodyPr>
+          <a:lstStyle/>
+          <a:p>
+            <a:pPr marL="285750" lvl="0" indent="-285750">
+              <a:lnSpc>
+                <a:spcPct val="150000"/>
+              </a:lnSpc>
+              <a:buClr>
+                <a:srgbClr val="19CA99"/>
+              </a:buClr>
+              <a:buFont typeface="Arial" panose="020B0604020202020204" pitchFamily="34" charset="0"/>
+              <a:buChar char="•"/>
+            </a:pPr>
+            <a:r>
+              <a:rPr lang="en-US" dirty="0">
+                <a:latin typeface="Montserrat"/>
+                <a:ea typeface="Montserrat"/>
+                <a:cs typeface="Montserrat"/>
+                <a:sym typeface="Montserrat"/>
+              </a:rPr>
+              <a:t>Plotting of the </a:t>
+            </a:r>
+            <a:r>
+              <a:rPr lang="en-US" dirty="0" smtClean="0">
+                <a:latin typeface="Montserrat"/>
+                <a:ea typeface="Montserrat"/>
+                <a:cs typeface="Montserrat"/>
+                <a:sym typeface="Montserrat"/>
+              </a:rPr>
+              <a:t>three </a:t>
+            </a:r>
+            <a:r>
+              <a:rPr lang="en-US" dirty="0" err="1" smtClean="0">
+                <a:latin typeface="Montserrat"/>
+                <a:ea typeface="Montserrat"/>
+                <a:cs typeface="Montserrat"/>
+                <a:sym typeface="Montserrat"/>
+              </a:rPr>
+              <a:t>vectorized</a:t>
+            </a:r>
+            <a:r>
+              <a:rPr lang="en-US" dirty="0" smtClean="0">
+                <a:latin typeface="Montserrat"/>
+                <a:ea typeface="Montserrat"/>
+                <a:cs typeface="Montserrat"/>
+                <a:sym typeface="Montserrat"/>
+              </a:rPr>
+              <a:t> input recipes</a:t>
+            </a:r>
+            <a:endParaRPr lang="en-US" dirty="0">
+              <a:latin typeface="Montserrat"/>
+              <a:ea typeface="Montserrat"/>
+              <a:cs typeface="Montserrat"/>
+              <a:sym typeface="Montserrat"/>
+            </a:endParaRPr>
+          </a:p>
+        </p:txBody>
+      </p:sp>
+      <p:sp>
+        <p:nvSpPr>
+          <p:cNvPr id="150" name="Google Shape;150;p24"/>
+          <p:cNvSpPr/>
+          <p:nvPr/>
+        </p:nvSpPr>
+        <p:spPr>
+          <a:xfrm>
+            <a:off x="-1" y="416878"/>
+            <a:ext cx="288900" cy="331200"/>
+          </a:xfrm>
+          <a:prstGeom prst="rect">
+            <a:avLst/>
+          </a:prstGeom>
+          <a:solidFill>
+            <a:srgbClr val="19CA99"/>
+          </a:solidFill>
+          <a:ln>
+            <a:noFill/>
+          </a:ln>
+        </p:spPr>
+        <p:txBody>
+          <a:bodyPr spcFirstLastPara="1" wrap="square" lIns="68575" tIns="34275" rIns="68575" bIns="34275" anchor="ctr" anchorCtr="0">
+            <a:noAutofit/>
+          </a:bodyPr>
+          <a:lstStyle/>
+          <a:p>
+            <a:pPr marL="0" marR="0" lvl="0" indent="0" algn="ctr" rtl="0">
+              <a:lnSpc>
+                <a:spcPct val="100000"/>
+              </a:lnSpc>
+              <a:spcBef>
+                <a:spcPts val="0"/>
+              </a:spcBef>
+              <a:spcAft>
+                <a:spcPts val="0"/>
+              </a:spcAft>
+              <a:buClr>
+                <a:srgbClr val="000000"/>
+              </a:buClr>
+              <a:buSzPts val="1400"/>
+              <a:buFont typeface="Arial"/>
+              <a:buNone/>
+            </a:pPr>
+            <a:endParaRPr sz="1400" b="0" i="0" u="none" strike="noStrike" cap="none">
+              <a:solidFill>
+                <a:schemeClr val="lt1"/>
+              </a:solidFill>
+              <a:latin typeface="Nunito Sans"/>
+              <a:ea typeface="Nunito Sans"/>
+              <a:cs typeface="Nunito Sans"/>
+              <a:sym typeface="Nunito Sans"/>
+            </a:endParaRPr>
+          </a:p>
+        </p:txBody>
+      </p:sp>
+      <p:sp>
+        <p:nvSpPr>
+          <p:cNvPr id="151" name="Google Shape;151;p24"/>
+          <p:cNvSpPr txBox="1"/>
+          <p:nvPr/>
+        </p:nvSpPr>
+        <p:spPr>
+          <a:xfrm>
+            <a:off x="506075" y="339524"/>
+            <a:ext cx="7854154" cy="849195"/>
+          </a:xfrm>
+          <a:prstGeom prst="rect">
+            <a:avLst/>
+          </a:prstGeom>
+          <a:noFill/>
+          <a:ln>
+            <a:noFill/>
+          </a:ln>
+        </p:spPr>
+        <p:txBody>
+          <a:bodyPr spcFirstLastPara="1" wrap="square" lIns="0" tIns="0" rIns="0" bIns="0" anchor="t" anchorCtr="0">
+            <a:noAutofit/>
+          </a:bodyPr>
+          <a:lstStyle/>
+          <a:p>
+            <a:pPr marL="0" marR="0" lvl="0" indent="0" algn="l" rtl="0">
+              <a:lnSpc>
+                <a:spcPct val="100000"/>
+              </a:lnSpc>
+              <a:spcBef>
+                <a:spcPts val="0"/>
+              </a:spcBef>
+              <a:spcAft>
+                <a:spcPts val="0"/>
+              </a:spcAft>
+              <a:buClr>
+                <a:srgbClr val="000000"/>
+              </a:buClr>
+              <a:buSzPts val="3200"/>
+              <a:buFont typeface="Arial"/>
+              <a:buNone/>
+            </a:pPr>
+            <a:r>
+              <a:rPr lang="en-US" sz="3300" dirty="0" smtClean="0">
+                <a:solidFill>
+                  <a:schemeClr val="dk2"/>
+                </a:solidFill>
+                <a:latin typeface="Montserrat Medium"/>
+                <a:ea typeface="Montserrat Medium"/>
+                <a:cs typeface="Montserrat Medium"/>
+                <a:sym typeface="Montserrat Medium"/>
+              </a:rPr>
+              <a:t>American Customers Tastes</a:t>
+            </a:r>
+          </a:p>
+          <a:p>
+            <a:pPr>
+              <a:buSzPts val="3200"/>
+            </a:pPr>
+            <a:r>
+              <a:rPr lang="en-US" sz="900" dirty="0" smtClean="0">
+                <a:solidFill>
+                  <a:schemeClr val="dk2"/>
+                </a:solidFill>
+                <a:latin typeface="Montserrat Medium"/>
+                <a:ea typeface="Montserrat Medium"/>
+                <a:cs typeface="Montserrat Medium"/>
+                <a:sym typeface="Montserrat Medium"/>
+              </a:rPr>
+              <a:t>Post Machine Learning.</a:t>
+            </a:r>
+          </a:p>
+          <a:p>
+            <a:pPr marL="0" marR="0" lvl="0" indent="0" algn="l" rtl="0">
+              <a:lnSpc>
+                <a:spcPct val="100000"/>
+              </a:lnSpc>
+              <a:spcBef>
+                <a:spcPts val="0"/>
+              </a:spcBef>
+              <a:spcAft>
+                <a:spcPts val="0"/>
+              </a:spcAft>
+              <a:buClr>
+                <a:srgbClr val="000000"/>
+              </a:buClr>
+              <a:buSzPts val="3200"/>
+              <a:buFont typeface="Arial"/>
+              <a:buNone/>
+            </a:pPr>
+            <a:endParaRPr sz="3300" i="0" u="none" strike="noStrike" cap="none" dirty="0">
+              <a:solidFill>
+                <a:schemeClr val="dk2"/>
+              </a:solidFill>
+              <a:latin typeface="Montserrat Medium"/>
+              <a:ea typeface="Montserrat Medium"/>
+              <a:cs typeface="Montserrat Medium"/>
+              <a:sym typeface="Montserrat Medium"/>
+            </a:endParaRPr>
+          </a:p>
+        </p:txBody>
+      </p:sp>
+      <p:pic>
+        <p:nvPicPr>
+          <p:cNvPr id="6" name="Picture 2" descr="https://cdn.discordapp.com/attachments/858053051780562957/858806174681923584/unknown.png"/>
+          <p:cNvPicPr>
+            <a:picLocks noChangeAspect="1" noChangeArrowheads="1"/>
+          </p:cNvPicPr>
+          <p:nvPr/>
+        </p:nvPicPr>
+        <p:blipFill>
+          <a:blip r:embed="rId3">
+            <a:extLst>
+              <a:ext uri="{28A0092B-C50C-407E-A947-70E740481C1C}">
+                <a14:useLocalDpi xmlns:a14="http://schemas.microsoft.com/office/drawing/2010/main" val="0"/>
+              </a:ext>
+            </a:extLst>
+          </a:blip>
+          <a:srcRect/>
+          <a:stretch>
+            <a:fillRect/>
+          </a:stretch>
+        </p:blipFill>
+        <p:spPr bwMode="auto">
+          <a:xfrm>
+            <a:off x="4702629" y="2452340"/>
+            <a:ext cx="3657600" cy="2276475"/>
+          </a:xfrm>
+          <a:prstGeom prst="rect">
+            <a:avLst/>
+          </a:prstGeom>
+          <a:noFill/>
+          <a:extLst>
+            <a:ext uri="{909E8E84-426E-40DD-AFC4-6F175D3DCCD1}">
+              <a14:hiddenFill xmlns:a14="http://schemas.microsoft.com/office/drawing/2010/main">
+                <a:solidFill>
+                  <a:srgbClr val="FFFFFF"/>
+                </a:solidFill>
+              </a14:hiddenFill>
+            </a:ext>
+          </a:extLst>
+        </p:spPr>
+      </p:pic>
+    </p:spTree>
+    <p:extLst>
+      <p:ext uri="{BB962C8B-B14F-4D97-AF65-F5344CB8AC3E}">
+        <p14:creationId xmlns:p14="http://schemas.microsoft.com/office/powerpoint/2010/main" val="3813922683"/>
+      </p:ext>
+    </p:extLst>
+  </p:cSld>
+  <p:clrMapOvr>
+    <a:masterClrMapping/>
+  </p:clrMapOvr>
+</p:sld>
+</file>
+
+<file path=ppt/slides/slide21.xml><?xml version="1.0" encoding="utf-8"?>
+<p:sld xmlns:a="http://schemas.openxmlformats.org/drawingml/2006/main" xmlns:r="http://schemas.openxmlformats.org/officeDocument/2006/relationships" xmlns:p="http://schemas.openxmlformats.org/presentationml/2006/main">
+  <p:cSld>
+    <p:spTree>
+      <p:nvGrpSpPr>
+        <p:cNvPr id="1" name="Shape 149"/>
+        <p:cNvGrpSpPr/>
+        <p:nvPr/>
+      </p:nvGrpSpPr>
+      <p:grpSpPr>
+        <a:xfrm>
+          <a:off x="0" y="0"/>
+          <a:ext cx="0" cy="0"/>
+          <a:chOff x="0" y="0"/>
+          <a:chExt cx="0" cy="0"/>
+        </a:xfrm>
+      </p:grpSpPr>
+      <p:sp>
+        <p:nvSpPr>
+          <p:cNvPr id="14" name="Google Shape;144;p23"/>
+          <p:cNvSpPr txBox="1"/>
+          <p:nvPr/>
+        </p:nvSpPr>
+        <p:spPr>
+          <a:xfrm>
+            <a:off x="288900" y="1188719"/>
+            <a:ext cx="3865090" cy="548641"/>
+          </a:xfrm>
+          <a:prstGeom prst="rect">
+            <a:avLst/>
+          </a:prstGeom>
+          <a:noFill/>
+          <a:ln>
+            <a:noFill/>
+          </a:ln>
+        </p:spPr>
+        <p:txBody>
+          <a:bodyPr spcFirstLastPara="1" wrap="square" lIns="91425" tIns="91425" rIns="91425" bIns="91425" anchor="t" anchorCtr="0">
+            <a:noAutofit/>
+          </a:bodyPr>
+          <a:lstStyle/>
+          <a:p>
+            <a:pPr marL="285750" lvl="0" indent="-285750">
+              <a:lnSpc>
+                <a:spcPct val="150000"/>
+              </a:lnSpc>
+              <a:buClr>
+                <a:srgbClr val="19CA99"/>
+              </a:buClr>
+              <a:buFont typeface="Arial" panose="020B0604020202020204" pitchFamily="34" charset="0"/>
+              <a:buChar char="•"/>
+            </a:pPr>
+            <a:r>
+              <a:rPr lang="en-US" dirty="0" smtClean="0">
+                <a:latin typeface="Montserrat"/>
+                <a:ea typeface="Montserrat"/>
+                <a:cs typeface="Montserrat"/>
+                <a:sym typeface="Montserrat"/>
+              </a:rPr>
+              <a:t>Three input recipes </a:t>
+            </a:r>
+            <a:r>
+              <a:rPr lang="en-US" dirty="0">
+                <a:latin typeface="Montserrat"/>
+                <a:ea typeface="Montserrat"/>
+                <a:cs typeface="Montserrat"/>
+                <a:sym typeface="Montserrat"/>
+              </a:rPr>
+              <a:t>+ </a:t>
+            </a:r>
+            <a:r>
+              <a:rPr lang="en-US" dirty="0" smtClean="0">
+                <a:latin typeface="Montserrat"/>
+                <a:ea typeface="Montserrat"/>
+                <a:cs typeface="Montserrat"/>
+                <a:sym typeface="Montserrat"/>
+              </a:rPr>
+              <a:t>mean value</a:t>
+            </a:r>
+            <a:endParaRPr lang="en-US" dirty="0">
+              <a:latin typeface="Montserrat"/>
+              <a:ea typeface="Montserrat"/>
+              <a:cs typeface="Montserrat"/>
+              <a:sym typeface="Montserrat"/>
+            </a:endParaRPr>
+          </a:p>
+        </p:txBody>
+      </p:sp>
+      <p:sp>
+        <p:nvSpPr>
+          <p:cNvPr id="150" name="Google Shape;150;p24"/>
+          <p:cNvSpPr/>
+          <p:nvPr/>
+        </p:nvSpPr>
+        <p:spPr>
+          <a:xfrm>
+            <a:off x="-1" y="416878"/>
+            <a:ext cx="288900" cy="331200"/>
+          </a:xfrm>
+          <a:prstGeom prst="rect">
+            <a:avLst/>
+          </a:prstGeom>
+          <a:solidFill>
+            <a:srgbClr val="19CA99"/>
+          </a:solidFill>
+          <a:ln>
+            <a:noFill/>
+          </a:ln>
+        </p:spPr>
+        <p:txBody>
+          <a:bodyPr spcFirstLastPara="1" wrap="square" lIns="68575" tIns="34275" rIns="68575" bIns="34275" anchor="ctr" anchorCtr="0">
+            <a:noAutofit/>
+          </a:bodyPr>
+          <a:lstStyle/>
+          <a:p>
+            <a:pPr marL="0" marR="0" lvl="0" indent="0" algn="ctr" rtl="0">
+              <a:lnSpc>
+                <a:spcPct val="100000"/>
+              </a:lnSpc>
+              <a:spcBef>
+                <a:spcPts val="0"/>
+              </a:spcBef>
+              <a:spcAft>
+                <a:spcPts val="0"/>
+              </a:spcAft>
+              <a:buClr>
+                <a:srgbClr val="000000"/>
+              </a:buClr>
+              <a:buSzPts val="1400"/>
+              <a:buFont typeface="Arial"/>
+              <a:buNone/>
+            </a:pPr>
+            <a:endParaRPr sz="1400" b="0" i="0" u="none" strike="noStrike" cap="none">
+              <a:solidFill>
+                <a:schemeClr val="lt1"/>
+              </a:solidFill>
+              <a:latin typeface="Nunito Sans"/>
+              <a:ea typeface="Nunito Sans"/>
+              <a:cs typeface="Nunito Sans"/>
+              <a:sym typeface="Nunito Sans"/>
+            </a:endParaRPr>
+          </a:p>
+        </p:txBody>
+      </p:sp>
+      <p:sp>
+        <p:nvSpPr>
+          <p:cNvPr id="151" name="Google Shape;151;p24"/>
+          <p:cNvSpPr txBox="1"/>
+          <p:nvPr/>
+        </p:nvSpPr>
+        <p:spPr>
+          <a:xfrm>
+            <a:off x="506075" y="339524"/>
+            <a:ext cx="7854154" cy="849195"/>
+          </a:xfrm>
+          <a:prstGeom prst="rect">
+            <a:avLst/>
+          </a:prstGeom>
+          <a:noFill/>
+          <a:ln>
+            <a:noFill/>
+          </a:ln>
+        </p:spPr>
+        <p:txBody>
+          <a:bodyPr spcFirstLastPara="1" wrap="square" lIns="0" tIns="0" rIns="0" bIns="0" anchor="t" anchorCtr="0">
+            <a:noAutofit/>
+          </a:bodyPr>
+          <a:lstStyle/>
+          <a:p>
+            <a:pPr marL="0" marR="0" lvl="0" indent="0" algn="l" rtl="0">
+              <a:lnSpc>
+                <a:spcPct val="100000"/>
+              </a:lnSpc>
+              <a:spcBef>
+                <a:spcPts val="0"/>
+              </a:spcBef>
+              <a:spcAft>
+                <a:spcPts val="0"/>
+              </a:spcAft>
+              <a:buClr>
+                <a:srgbClr val="000000"/>
+              </a:buClr>
+              <a:buSzPts val="3200"/>
+              <a:buFont typeface="Arial"/>
+              <a:buNone/>
+            </a:pPr>
+            <a:r>
+              <a:rPr lang="en-US" sz="3300" dirty="0" smtClean="0">
+                <a:solidFill>
+                  <a:schemeClr val="dk2"/>
+                </a:solidFill>
+                <a:latin typeface="Montserrat Medium"/>
+                <a:ea typeface="Montserrat Medium"/>
+                <a:cs typeface="Montserrat Medium"/>
+                <a:sym typeface="Montserrat Medium"/>
+              </a:rPr>
+              <a:t>American Customers Tastes</a:t>
+            </a:r>
+          </a:p>
+          <a:p>
+            <a:pPr>
+              <a:buSzPts val="3200"/>
+            </a:pPr>
+            <a:r>
+              <a:rPr lang="en-US" sz="900" dirty="0" smtClean="0">
+                <a:solidFill>
+                  <a:schemeClr val="dk2"/>
+                </a:solidFill>
+                <a:latin typeface="Montserrat Medium"/>
+                <a:ea typeface="Montserrat Medium"/>
+                <a:cs typeface="Montserrat Medium"/>
+                <a:sym typeface="Montserrat Medium"/>
+              </a:rPr>
+              <a:t>Post Machine Learning.</a:t>
+            </a:r>
+          </a:p>
+          <a:p>
+            <a:pPr marL="0" marR="0" lvl="0" indent="0" algn="l" rtl="0">
+              <a:lnSpc>
+                <a:spcPct val="100000"/>
+              </a:lnSpc>
+              <a:spcBef>
+                <a:spcPts val="0"/>
+              </a:spcBef>
+              <a:spcAft>
+                <a:spcPts val="0"/>
+              </a:spcAft>
+              <a:buClr>
+                <a:srgbClr val="000000"/>
+              </a:buClr>
+              <a:buSzPts val="3200"/>
+              <a:buFont typeface="Arial"/>
+              <a:buNone/>
+            </a:pPr>
+            <a:endParaRPr sz="3300" i="0" u="none" strike="noStrike" cap="none" dirty="0">
+              <a:solidFill>
+                <a:schemeClr val="dk2"/>
+              </a:solidFill>
+              <a:latin typeface="Montserrat Medium"/>
+              <a:ea typeface="Montserrat Medium"/>
+              <a:cs typeface="Montserrat Medium"/>
+              <a:sym typeface="Montserrat Medium"/>
+            </a:endParaRPr>
+          </a:p>
+        </p:txBody>
+      </p:sp>
+      <p:pic>
+        <p:nvPicPr>
+          <p:cNvPr id="9218" name="Picture 2" descr="https://cdn.discordapp.com/attachments/858053051780562957/858806237139304499/unknown.png"/>
+          <p:cNvPicPr>
+            <a:picLocks noChangeAspect="1" noChangeArrowheads="1"/>
+          </p:cNvPicPr>
+          <p:nvPr/>
+        </p:nvPicPr>
+        <p:blipFill>
+          <a:blip r:embed="rId3">
+            <a:extLst>
+              <a:ext uri="{28A0092B-C50C-407E-A947-70E740481C1C}">
+                <a14:useLocalDpi xmlns:a14="http://schemas.microsoft.com/office/drawing/2010/main" val="0"/>
+              </a:ext>
+            </a:extLst>
+          </a:blip>
+          <a:srcRect/>
+          <a:stretch>
+            <a:fillRect/>
+          </a:stretch>
+        </p:blipFill>
+        <p:spPr bwMode="auto">
+          <a:xfrm>
+            <a:off x="4702629" y="2387026"/>
+            <a:ext cx="3657600" cy="2266951"/>
+          </a:xfrm>
+          <a:prstGeom prst="rect">
+            <a:avLst/>
+          </a:prstGeom>
+          <a:noFill/>
+          <a:extLst>
+            <a:ext uri="{909E8E84-426E-40DD-AFC4-6F175D3DCCD1}">
+              <a14:hiddenFill xmlns:a14="http://schemas.microsoft.com/office/drawing/2010/main">
+                <a:solidFill>
+                  <a:srgbClr val="FFFFFF"/>
+                </a:solidFill>
+              </a14:hiddenFill>
+            </a:ext>
+          </a:extLst>
+        </p:spPr>
+      </p:pic>
+    </p:spTree>
+    <p:extLst>
+      <p:ext uri="{BB962C8B-B14F-4D97-AF65-F5344CB8AC3E}">
+        <p14:creationId xmlns:p14="http://schemas.microsoft.com/office/powerpoint/2010/main" val="2377245371"/>
+      </p:ext>
+    </p:extLst>
+  </p:cSld>
+  <p:clrMapOvr>
+    <a:masterClrMapping/>
+  </p:clrMapOvr>
+</p:sld>
+</file>
+
+<file path=ppt/slides/slide22.xml><?xml version="1.0" encoding="utf-8"?>
+<p:sld xmlns:a="http://schemas.openxmlformats.org/drawingml/2006/main" xmlns:r="http://schemas.openxmlformats.org/officeDocument/2006/relationships" xmlns:p="http://schemas.openxmlformats.org/presentationml/2006/main">
+  <p:cSld>
+    <p:spTree>
+      <p:nvGrpSpPr>
+        <p:cNvPr id="1" name="Shape 149"/>
+        <p:cNvGrpSpPr/>
+        <p:nvPr/>
+      </p:nvGrpSpPr>
+      <p:grpSpPr>
+        <a:xfrm>
+          <a:off x="0" y="0"/>
+          <a:ext cx="0" cy="0"/>
+          <a:chOff x="0" y="0"/>
+          <a:chExt cx="0" cy="0"/>
+        </a:xfrm>
+      </p:grpSpPr>
+      <p:sp>
+        <p:nvSpPr>
+          <p:cNvPr id="14" name="Google Shape;144;p23"/>
+          <p:cNvSpPr txBox="1"/>
+          <p:nvPr/>
+        </p:nvSpPr>
+        <p:spPr>
+          <a:xfrm>
+            <a:off x="288899" y="1188719"/>
+            <a:ext cx="7183055" cy="568226"/>
+          </a:xfrm>
+          <a:prstGeom prst="rect">
+            <a:avLst/>
+          </a:prstGeom>
+          <a:noFill/>
+          <a:ln>
+            <a:noFill/>
+          </a:ln>
+        </p:spPr>
+        <p:txBody>
+          <a:bodyPr spcFirstLastPara="1" wrap="square" lIns="91425" tIns="91425" rIns="91425" bIns="91425" anchor="t" anchorCtr="0">
+            <a:noAutofit/>
+          </a:bodyPr>
+          <a:lstStyle/>
+          <a:p>
+            <a:pPr marL="285750" lvl="0" indent="-285750">
+              <a:lnSpc>
+                <a:spcPct val="150000"/>
+              </a:lnSpc>
+              <a:buClr>
+                <a:srgbClr val="19CA99"/>
+              </a:buClr>
+              <a:buFont typeface="Arial" panose="020B0604020202020204" pitchFamily="34" charset="0"/>
+              <a:buChar char="•"/>
+            </a:pPr>
+            <a:r>
+              <a:rPr lang="en-US" dirty="0" smtClean="0">
+                <a:latin typeface="Montserrat"/>
+                <a:ea typeface="Montserrat"/>
+                <a:cs typeface="Montserrat"/>
+                <a:sym typeface="Montserrat"/>
+              </a:rPr>
+              <a:t>Mean value </a:t>
+            </a:r>
+            <a:r>
+              <a:rPr lang="en-US" dirty="0">
+                <a:latin typeface="Montserrat"/>
+                <a:ea typeface="Montserrat"/>
+                <a:cs typeface="Montserrat"/>
+                <a:sym typeface="Montserrat"/>
+              </a:rPr>
+              <a:t>+ 10 nearest recipes to the mean </a:t>
+            </a:r>
+            <a:r>
+              <a:rPr lang="en-US" dirty="0" smtClean="0">
+                <a:latin typeface="Montserrat"/>
+                <a:ea typeface="Montserrat"/>
+                <a:cs typeface="Montserrat"/>
+                <a:sym typeface="Montserrat"/>
+              </a:rPr>
+              <a:t>value </a:t>
+            </a:r>
+            <a:r>
+              <a:rPr lang="en-US" dirty="0">
+                <a:latin typeface="Montserrat"/>
+                <a:ea typeface="Montserrat"/>
+                <a:cs typeface="Montserrat"/>
+                <a:sym typeface="Montserrat"/>
+              </a:rPr>
+              <a:t>(excluded input </a:t>
+            </a:r>
+            <a:r>
+              <a:rPr lang="en-US" dirty="0" smtClean="0">
+                <a:latin typeface="Montserrat"/>
+                <a:ea typeface="Montserrat"/>
+                <a:cs typeface="Montserrat"/>
+                <a:sym typeface="Montserrat"/>
+              </a:rPr>
+              <a:t>ones)</a:t>
+            </a:r>
+            <a:endParaRPr lang="en-US" dirty="0">
+              <a:latin typeface="Montserrat"/>
+              <a:ea typeface="Montserrat"/>
+              <a:cs typeface="Montserrat"/>
+              <a:sym typeface="Montserrat"/>
+            </a:endParaRPr>
+          </a:p>
+        </p:txBody>
+      </p:sp>
+      <p:sp>
+        <p:nvSpPr>
+          <p:cNvPr id="150" name="Google Shape;150;p24"/>
+          <p:cNvSpPr/>
+          <p:nvPr/>
+        </p:nvSpPr>
+        <p:spPr>
+          <a:xfrm>
+            <a:off x="-1" y="416878"/>
+            <a:ext cx="288900" cy="331200"/>
+          </a:xfrm>
+          <a:prstGeom prst="rect">
+            <a:avLst/>
+          </a:prstGeom>
+          <a:solidFill>
+            <a:srgbClr val="19CA99"/>
+          </a:solidFill>
+          <a:ln>
+            <a:noFill/>
+          </a:ln>
+        </p:spPr>
+        <p:txBody>
+          <a:bodyPr spcFirstLastPara="1" wrap="square" lIns="68575" tIns="34275" rIns="68575" bIns="34275" anchor="ctr" anchorCtr="0">
+            <a:noAutofit/>
+          </a:bodyPr>
+          <a:lstStyle/>
+          <a:p>
+            <a:pPr marL="0" marR="0" lvl="0" indent="0" algn="ctr" rtl="0">
+              <a:lnSpc>
+                <a:spcPct val="100000"/>
+              </a:lnSpc>
+              <a:spcBef>
+                <a:spcPts val="0"/>
+              </a:spcBef>
+              <a:spcAft>
+                <a:spcPts val="0"/>
+              </a:spcAft>
+              <a:buClr>
+                <a:srgbClr val="000000"/>
+              </a:buClr>
+              <a:buSzPts val="1400"/>
+              <a:buFont typeface="Arial"/>
+              <a:buNone/>
+            </a:pPr>
+            <a:endParaRPr sz="1400" b="0" i="0" u="none" strike="noStrike" cap="none">
+              <a:solidFill>
+                <a:schemeClr val="lt1"/>
+              </a:solidFill>
+              <a:latin typeface="Nunito Sans"/>
+              <a:ea typeface="Nunito Sans"/>
+              <a:cs typeface="Nunito Sans"/>
+              <a:sym typeface="Nunito Sans"/>
+            </a:endParaRPr>
+          </a:p>
+        </p:txBody>
+      </p:sp>
+      <p:sp>
+        <p:nvSpPr>
+          <p:cNvPr id="151" name="Google Shape;151;p24"/>
+          <p:cNvSpPr txBox="1"/>
+          <p:nvPr/>
+        </p:nvSpPr>
+        <p:spPr>
+          <a:xfrm>
+            <a:off x="506075" y="339524"/>
+            <a:ext cx="7854154" cy="849195"/>
+          </a:xfrm>
+          <a:prstGeom prst="rect">
+            <a:avLst/>
+          </a:prstGeom>
+          <a:noFill/>
+          <a:ln>
+            <a:noFill/>
+          </a:ln>
+        </p:spPr>
+        <p:txBody>
+          <a:bodyPr spcFirstLastPara="1" wrap="square" lIns="0" tIns="0" rIns="0" bIns="0" anchor="t" anchorCtr="0">
+            <a:noAutofit/>
+          </a:bodyPr>
+          <a:lstStyle/>
+          <a:p>
+            <a:pPr marL="0" marR="0" lvl="0" indent="0" algn="l" rtl="0">
+              <a:lnSpc>
+                <a:spcPct val="100000"/>
+              </a:lnSpc>
+              <a:spcBef>
+                <a:spcPts val="0"/>
+              </a:spcBef>
+              <a:spcAft>
+                <a:spcPts val="0"/>
+              </a:spcAft>
+              <a:buClr>
+                <a:srgbClr val="000000"/>
+              </a:buClr>
+              <a:buSzPts val="3200"/>
+              <a:buFont typeface="Arial"/>
+              <a:buNone/>
+            </a:pPr>
+            <a:r>
+              <a:rPr lang="en-US" sz="3300" dirty="0" smtClean="0">
+                <a:solidFill>
+                  <a:schemeClr val="dk2"/>
+                </a:solidFill>
+                <a:latin typeface="Montserrat Medium"/>
+                <a:ea typeface="Montserrat Medium"/>
+                <a:cs typeface="Montserrat Medium"/>
+                <a:sym typeface="Montserrat Medium"/>
+              </a:rPr>
+              <a:t>American Customers Tastes</a:t>
+            </a:r>
+          </a:p>
+          <a:p>
+            <a:pPr>
+              <a:buSzPts val="3200"/>
+            </a:pPr>
+            <a:r>
+              <a:rPr lang="en-US" sz="900" dirty="0" smtClean="0">
+                <a:solidFill>
+                  <a:schemeClr val="dk2"/>
+                </a:solidFill>
+                <a:latin typeface="Montserrat Medium"/>
+                <a:ea typeface="Montserrat Medium"/>
+                <a:cs typeface="Montserrat Medium"/>
+                <a:sym typeface="Montserrat Medium"/>
+              </a:rPr>
+              <a:t>Post Machine Learning.</a:t>
+            </a:r>
+          </a:p>
+          <a:p>
+            <a:pPr marL="0" marR="0" lvl="0" indent="0" algn="l" rtl="0">
+              <a:lnSpc>
+                <a:spcPct val="100000"/>
+              </a:lnSpc>
+              <a:spcBef>
+                <a:spcPts val="0"/>
+              </a:spcBef>
+              <a:spcAft>
+                <a:spcPts val="0"/>
+              </a:spcAft>
+              <a:buClr>
+                <a:srgbClr val="000000"/>
+              </a:buClr>
+              <a:buSzPts val="3200"/>
+              <a:buFont typeface="Arial"/>
+              <a:buNone/>
+            </a:pPr>
+            <a:endParaRPr sz="3300" i="0" u="none" strike="noStrike" cap="none" dirty="0">
+              <a:solidFill>
+                <a:schemeClr val="dk2"/>
+              </a:solidFill>
+              <a:latin typeface="Montserrat Medium"/>
+              <a:ea typeface="Montserrat Medium"/>
+              <a:cs typeface="Montserrat Medium"/>
+              <a:sym typeface="Montserrat Medium"/>
+            </a:endParaRPr>
+          </a:p>
+        </p:txBody>
+      </p:sp>
+      <p:pic>
+        <p:nvPicPr>
+          <p:cNvPr id="11268" name="Picture 4" descr="https://cdn.discordapp.com/attachments/858053051780562957/858806263206248528/unknown.png"/>
+          <p:cNvPicPr>
+            <a:picLocks noChangeAspect="1" noChangeArrowheads="1"/>
+          </p:cNvPicPr>
+          <p:nvPr/>
+        </p:nvPicPr>
+        <p:blipFill>
+          <a:blip r:embed="rId3">
+            <a:extLst>
+              <a:ext uri="{28A0092B-C50C-407E-A947-70E740481C1C}">
+                <a14:useLocalDpi xmlns:a14="http://schemas.microsoft.com/office/drawing/2010/main" val="0"/>
+              </a:ext>
+            </a:extLst>
+          </a:blip>
+          <a:srcRect/>
+          <a:stretch>
+            <a:fillRect/>
+          </a:stretch>
+        </p:blipFill>
+        <p:spPr bwMode="auto">
+          <a:xfrm>
+            <a:off x="4500154" y="2452340"/>
+            <a:ext cx="3657600" cy="2266951"/>
+          </a:xfrm>
+          <a:prstGeom prst="rect">
+            <a:avLst/>
+          </a:prstGeom>
+          <a:noFill/>
+          <a:extLst>
+            <a:ext uri="{909E8E84-426E-40DD-AFC4-6F175D3DCCD1}">
+              <a14:hiddenFill xmlns:a14="http://schemas.microsoft.com/office/drawing/2010/main">
+                <a:solidFill>
+                  <a:srgbClr val="FFFFFF"/>
+                </a:solidFill>
+              </a14:hiddenFill>
+            </a:ext>
+          </a:extLst>
+        </p:spPr>
+      </p:pic>
+    </p:spTree>
+    <p:extLst>
+      <p:ext uri="{BB962C8B-B14F-4D97-AF65-F5344CB8AC3E}">
+        <p14:creationId xmlns:p14="http://schemas.microsoft.com/office/powerpoint/2010/main" val="3873449651"/>
+      </p:ext>
+    </p:extLst>
+  </p:cSld>
+  <p:clrMapOvr>
+    <a:masterClrMapping/>
+  </p:clrMapOvr>
+</p:sld>
+</file>
+
+<file path=ppt/slides/slide23.xml><?xml version="1.0" encoding="utf-8"?>
 <p:sld xmlns:a="http://schemas.openxmlformats.org/drawingml/2006/main" xmlns:r="http://schemas.openxmlformats.org/officeDocument/2006/relationships" xmlns:p="http://schemas.openxmlformats.org/presentationml/2006/main">
   <p:cSld>
     <p:spTree>
@@ -10420,7 +14252,7 @@
 </p:sld>
 </file>
 
-<file path=ppt/slides/slide16.xml><?xml version="1.0" encoding="utf-8"?>
+<file path=ppt/slides/slide24.xml><?xml version="1.0" encoding="utf-8"?>
 <p:sld xmlns:a="http://schemas.openxmlformats.org/drawingml/2006/main" xmlns:r="http://schemas.openxmlformats.org/officeDocument/2006/relationships" xmlns:p="http://schemas.openxmlformats.org/presentationml/2006/main">
   <p:cSld>
     <p:spTree>
@@ -10533,15 +14365,6 @@
               </a:rPr>
               <a:t>Conclusions</a:t>
             </a:r>
-            <a:endParaRPr lang="en-US" sz="3300" dirty="0">
-              <a:solidFill>
-                <a:schemeClr val="dk2"/>
-              </a:solidFill>
-              <a:latin typeface="Montserrat Medium"/>
-              <a:ea typeface="Montserrat Medium"/>
-              <a:cs typeface="Montserrat Medium"/>
-              <a:sym typeface="Montserrat Medium"/>
-            </a:endParaRPr>
           </a:p>
         </p:txBody>
       </p:sp>
@@ -10553,8 +14376,8 @@
         </p:nvSpPr>
         <p:spPr>
           <a:xfrm>
-            <a:off x="506075" y="1034700"/>
-            <a:ext cx="7782300" cy="2211420"/>
+            <a:off x="506074" y="1034700"/>
+            <a:ext cx="7860685" cy="3223791"/>
           </a:xfrm>
           <a:prstGeom prst="rect">
             <a:avLst/>
@@ -10600,7 +14423,16 @@
                 <a:cs typeface="Montserrat"/>
                 <a:sym typeface="Montserrat"/>
               </a:rPr>
-              <a:t>sequence between</a:t>
+              <a:t>sequence between all recipes and users, there is </a:t>
+            </a:r>
+            <a:r>
+              <a:rPr lang="en-US" dirty="0">
+                <a:latin typeface="Montserrat"/>
+                <a:ea typeface="Montserrat"/>
+                <a:cs typeface="Montserrat"/>
+                <a:sym typeface="Montserrat"/>
+              </a:rPr>
+              <a:t>a clear </a:t>
             </a:r>
             <a:r>
               <a:rPr lang="en-US" dirty="0" smtClean="0">
@@ -10609,8 +14441,23 @@
                 <a:cs typeface="Montserrat"/>
                 <a:sym typeface="Montserrat"/>
               </a:rPr>
-              <a:t> all recipes and users, there is </a:t>
-            </a:r>
+              <a:t>tendency that shows similar </a:t>
+            </a:r>
+            <a:r>
+              <a:rPr lang="en-US" dirty="0" smtClean="0">
+                <a:latin typeface="Montserrat"/>
+                <a:ea typeface="Montserrat"/>
+                <a:cs typeface="Montserrat"/>
+              </a:rPr>
+              <a:t>ingredients and users </a:t>
+            </a:r>
+          </a:p>
+          <a:p>
+            <a:pPr>
+              <a:lnSpc>
+                <a:spcPct val="115000"/>
+              </a:lnSpc>
+            </a:pPr>
             <a:r>
               <a:rPr lang="en-US" dirty="0">
                 <a:latin typeface="Montserrat"/>
@@ -10618,7 +14465,7 @@
                 <a:cs typeface="Montserrat"/>
                 <a:sym typeface="Montserrat"/>
               </a:rPr>
-              <a:t>a clear </a:t>
+              <a:t>t</a:t>
             </a:r>
             <a:r>
               <a:rPr lang="en-US" dirty="0" smtClean="0">
@@ -10627,7 +14474,15 @@
                 <a:cs typeface="Montserrat"/>
                 <a:sym typeface="Montserrat"/>
               </a:rPr>
-              <a:t>tendency that shows similar </a:t>
+              <a:t>aste, </a:t>
+            </a:r>
+            <a:r>
+              <a:rPr lang="en-US" dirty="0">
+                <a:latin typeface="Montserrat"/>
+                <a:ea typeface="Montserrat"/>
+                <a:cs typeface="Montserrat"/>
+              </a:rPr>
+              <a:t>then we used DL (Deep Learning) to predict the taste of </a:t>
             </a:r>
             <a:r>
               <a:rPr lang="en-US" dirty="0" smtClean="0">
@@ -10635,8 +14490,13 @@
                 <a:ea typeface="Montserrat"/>
                 <a:cs typeface="Montserrat"/>
               </a:rPr>
-              <a:t>ingredients and users </a:t>
-            </a:r>
+              <a:t>a given user.</a:t>
+            </a:r>
+            <a:endParaRPr lang="en-US" dirty="0">
+              <a:latin typeface="Montserrat"/>
+              <a:ea typeface="Montserrat"/>
+              <a:cs typeface="Montserrat"/>
+            </a:endParaRPr>
           </a:p>
           <a:p>
             <a:pPr lvl="0">
@@ -10644,96 +14504,6 @@
                 <a:spcPct val="115000"/>
               </a:lnSpc>
             </a:pPr>
-            <a:r>
-              <a:rPr lang="en-US" dirty="0" smtClean="0">
-                <a:latin typeface="Montserrat"/>
-                <a:ea typeface="Montserrat"/>
-                <a:cs typeface="Montserrat"/>
-                <a:sym typeface="Montserrat"/>
-              </a:rPr>
-              <a:t>taste.</a:t>
-            </a:r>
-          </a:p>
-          <a:p>
-            <a:pPr lvl="0">
-              <a:lnSpc>
-                <a:spcPct val="115000"/>
-              </a:lnSpc>
-            </a:pPr>
-            <a:r>
-              <a:rPr lang="en-US" dirty="0" smtClean="0">
-                <a:latin typeface="Montserrat"/>
-                <a:ea typeface="Montserrat"/>
-                <a:cs typeface="Montserrat"/>
-                <a:sym typeface="Montserrat"/>
-              </a:rPr>
-              <a:t>According to the sequence we can conclude that there are some groups that likes </a:t>
-            </a:r>
-          </a:p>
-          <a:p>
-            <a:pPr lvl="0">
-              <a:lnSpc>
-                <a:spcPct val="115000"/>
-              </a:lnSpc>
-            </a:pPr>
-            <a:r>
-              <a:rPr lang="en-US" dirty="0">
-                <a:latin typeface="Montserrat"/>
-                <a:ea typeface="Montserrat"/>
-                <a:cs typeface="Montserrat"/>
-                <a:sym typeface="Montserrat"/>
-              </a:rPr>
-              <a:t>s</a:t>
-            </a:r>
-            <a:r>
-              <a:rPr lang="en-US" dirty="0" smtClean="0">
-                <a:latin typeface="Montserrat"/>
-                <a:ea typeface="Montserrat"/>
-                <a:cs typeface="Montserrat"/>
-                <a:sym typeface="Montserrat"/>
-              </a:rPr>
-              <a:t>ame food and this are the dots that actually close to each other.</a:t>
-            </a:r>
-          </a:p>
-          <a:p>
-            <a:pPr lvl="0">
-              <a:lnSpc>
-                <a:spcPct val="115000"/>
-              </a:lnSpc>
-            </a:pPr>
-            <a:r>
-              <a:rPr lang="en-US" dirty="0" smtClean="0">
-                <a:latin typeface="Montserrat"/>
-                <a:ea typeface="Montserrat"/>
-                <a:cs typeface="Montserrat"/>
-                <a:sym typeface="Montserrat"/>
-              </a:rPr>
-              <a:t>But if we’ll take a few dots that doesn't seem to be next to each other, it means that</a:t>
-            </a:r>
-          </a:p>
-          <a:p>
-            <a:pPr lvl="0">
-              <a:lnSpc>
-                <a:spcPct val="115000"/>
-              </a:lnSpc>
-            </a:pPr>
-            <a:r>
-              <a:rPr lang="en-US" dirty="0" smtClean="0">
-                <a:latin typeface="Montserrat"/>
-                <a:ea typeface="Montserrat"/>
-                <a:cs typeface="Montserrat"/>
-                <a:sym typeface="Montserrat"/>
-              </a:rPr>
-              <a:t>there is a big difference between the </a:t>
-            </a:r>
-            <a:r>
-              <a:rPr lang="en-US" dirty="0" smtClean="0">
-                <a:latin typeface="Montserrat"/>
-                <a:ea typeface="Montserrat"/>
-                <a:cs typeface="Montserrat"/>
-              </a:rPr>
-              <a:t>ingredients or the taste.</a:t>
-            </a:r>
             <a:endParaRPr lang="en-US" dirty="0" smtClean="0">
               <a:latin typeface="Montserrat"/>
               <a:ea typeface="Montserrat"/>
@@ -10747,11 +14517,119 @@
                 <a:spcPct val="115000"/>
               </a:lnSpc>
             </a:pPr>
-            <a:endParaRPr dirty="0">
+            <a:r>
+              <a:rPr lang="en-US" dirty="0" smtClean="0">
+                <a:latin typeface="Montserrat"/>
+                <a:ea typeface="Montserrat"/>
+                <a:cs typeface="Montserrat"/>
+                <a:sym typeface="Montserrat"/>
+              </a:rPr>
+              <a:t>According to the sequence we can conclude that there are some groups that likes </a:t>
+            </a:r>
+          </a:p>
+          <a:p>
+            <a:pPr lvl="0">
+              <a:lnSpc>
+                <a:spcPct val="115000"/>
+              </a:lnSpc>
+            </a:pPr>
+            <a:r>
+              <a:rPr lang="en-US" dirty="0">
+                <a:latin typeface="Montserrat"/>
+                <a:ea typeface="Montserrat"/>
+                <a:cs typeface="Montserrat"/>
+                <a:sym typeface="Montserrat"/>
+              </a:rPr>
+              <a:t>s</a:t>
+            </a:r>
+            <a:r>
+              <a:rPr lang="en-US" dirty="0" smtClean="0">
+                <a:latin typeface="Montserrat"/>
+                <a:ea typeface="Montserrat"/>
+                <a:cs typeface="Montserrat"/>
+                <a:sym typeface="Montserrat"/>
+              </a:rPr>
+              <a:t>ame food and this are the dots that actually close to each other.</a:t>
+            </a:r>
+          </a:p>
+          <a:p>
+            <a:pPr lvl="0">
+              <a:lnSpc>
+                <a:spcPct val="115000"/>
+              </a:lnSpc>
+            </a:pPr>
+            <a:r>
+              <a:rPr lang="en-US" dirty="0" smtClean="0">
+                <a:latin typeface="Montserrat"/>
+                <a:ea typeface="Montserrat"/>
+                <a:cs typeface="Montserrat"/>
+                <a:sym typeface="Montserrat"/>
+              </a:rPr>
+              <a:t>But if we’ll take a few dots that doesn't seem to be next to each other, it means that</a:t>
+            </a:r>
+          </a:p>
+          <a:p>
+            <a:pPr lvl="0">
+              <a:lnSpc>
+                <a:spcPct val="115000"/>
+              </a:lnSpc>
+            </a:pPr>
+            <a:r>
+              <a:rPr lang="en-US" dirty="0" smtClean="0">
+                <a:latin typeface="Montserrat"/>
+                <a:ea typeface="Montserrat"/>
+                <a:cs typeface="Montserrat"/>
+                <a:sym typeface="Montserrat"/>
+              </a:rPr>
+              <a:t>there is a big difference between the </a:t>
+            </a:r>
+            <a:r>
+              <a:rPr lang="en-US" dirty="0" smtClean="0">
+                <a:latin typeface="Montserrat"/>
+                <a:ea typeface="Montserrat"/>
+                <a:cs typeface="Montserrat"/>
+              </a:rPr>
+              <a:t>ingredients or the </a:t>
+            </a:r>
+            <a:r>
+              <a:rPr lang="en-US" dirty="0" smtClean="0">
+                <a:latin typeface="Montserrat"/>
+                <a:ea typeface="Montserrat"/>
+                <a:cs typeface="Montserrat"/>
+              </a:rPr>
+              <a:t>taste.</a:t>
+            </a:r>
+          </a:p>
+          <a:p>
+            <a:pPr lvl="0">
+              <a:lnSpc>
+                <a:spcPct val="115000"/>
+              </a:lnSpc>
+            </a:pPr>
+            <a:endParaRPr lang="en-US" dirty="0">
               <a:latin typeface="Montserrat"/>
               <a:ea typeface="Montserrat"/>
               <a:cs typeface="Montserrat"/>
-              <a:sym typeface="Montserrat"/>
+            </a:endParaRPr>
+          </a:p>
+          <a:p>
+            <a:pPr lvl="0">
+              <a:lnSpc>
+                <a:spcPct val="115000"/>
+              </a:lnSpc>
+            </a:pPr>
+            <a:r>
+              <a:rPr lang="en-US" dirty="0" smtClean="0">
+                <a:latin typeface="Montserrat"/>
+                <a:ea typeface="Montserrat"/>
+                <a:cs typeface="Montserrat"/>
+              </a:rPr>
+              <a:t>According to recipe recommendation demonstration we can conclude that it’s possible to use webs scraped data to build a real world application. </a:t>
+            </a:r>
+            <a:endParaRPr lang="en-US" dirty="0">
+              <a:latin typeface="Montserrat"/>
+              <a:ea typeface="Montserrat"/>
+              <a:cs typeface="Montserrat"/>
             </a:endParaRPr>
           </a:p>
         </p:txBody>
@@ -10764,7 +14642,7 @@
 </p:sld>
 </file>
 
-<file path=ppt/slides/slide17.xml><?xml version="1.0" encoding="utf-8"?>
+<file path=ppt/slides/slide25.xml><?xml version="1.0" encoding="utf-8"?>
 <p:sld xmlns:a="http://schemas.openxmlformats.org/drawingml/2006/main" xmlns:r="http://schemas.openxmlformats.org/officeDocument/2006/relationships" xmlns:p="http://schemas.openxmlformats.org/presentationml/2006/main">
   <p:cSld>
     <p:spTree>
@@ -10958,7 +14836,7 @@
 </p:sld>
 </file>
 
-<file path=ppt/slides/slide18.xml><?xml version="1.0" encoding="utf-8"?>
+<file path=ppt/slides/slide26.xml><?xml version="1.0" encoding="utf-8"?>
 <p:sld xmlns:a="http://schemas.openxmlformats.org/drawingml/2006/main" xmlns:r="http://schemas.openxmlformats.org/officeDocument/2006/relationships" xmlns:p="http://schemas.openxmlformats.org/presentationml/2006/main">
   <p:cSld>
     <p:spTree>
@@ -11651,329 +15529,6 @@
               <a:solidFill>
                 <a:schemeClr val="hlink"/>
               </a:solidFill>
-              <a:latin typeface="Montserrat"/>
-              <a:ea typeface="Montserrat"/>
-              <a:cs typeface="Montserrat"/>
-              <a:sym typeface="Montserrat"/>
-            </a:endParaRPr>
-          </a:p>
-        </p:txBody>
-      </p:sp>
-    </p:spTree>
-  </p:cSld>
-  <p:clrMapOvr>
-    <a:masterClrMapping/>
-  </p:clrMapOvr>
-</p:sld>
-</file>
-
-<file path=ppt/slides/slide2.xml><?xml version="1.0" encoding="utf-8"?>
-<p:sld xmlns:a="http://schemas.openxmlformats.org/drawingml/2006/main" xmlns:r="http://schemas.openxmlformats.org/officeDocument/2006/relationships" xmlns:p="http://schemas.openxmlformats.org/presentationml/2006/main">
-  <p:cSld>
-    <p:spTree>
-      <p:nvGrpSpPr>
-        <p:cNvPr id="1" name="Shape 65"/>
-        <p:cNvGrpSpPr/>
-        <p:nvPr/>
-      </p:nvGrpSpPr>
-      <p:grpSpPr>
-        <a:xfrm>
-          <a:off x="0" y="0"/>
-          <a:ext cx="0" cy="0"/>
-          <a:chOff x="0" y="0"/>
-          <a:chExt cx="0" cy="0"/>
-        </a:xfrm>
-      </p:grpSpPr>
-      <p:sp>
-        <p:nvSpPr>
-          <p:cNvPr id="66" name="Google Shape;66;p16"/>
-          <p:cNvSpPr/>
-          <p:nvPr/>
-        </p:nvSpPr>
-        <p:spPr>
-          <a:xfrm>
-            <a:off x="-1" y="416878"/>
-            <a:ext cx="288900" cy="331200"/>
-          </a:xfrm>
-          <a:prstGeom prst="rect">
-            <a:avLst/>
-          </a:prstGeom>
-          <a:solidFill>
-            <a:srgbClr val="19CA99"/>
-          </a:solidFill>
-          <a:ln>
-            <a:noFill/>
-          </a:ln>
-        </p:spPr>
-        <p:txBody>
-          <a:bodyPr spcFirstLastPara="1" wrap="square" lIns="68575" tIns="34275" rIns="68575" bIns="34275" anchor="ctr" anchorCtr="0">
-            <a:noAutofit/>
-          </a:bodyPr>
-          <a:lstStyle/>
-          <a:p>
-            <a:pPr marL="0" marR="0" lvl="0" indent="0" algn="ctr" rtl="0">
-              <a:lnSpc>
-                <a:spcPct val="100000"/>
-              </a:lnSpc>
-              <a:spcBef>
-                <a:spcPts val="0"/>
-              </a:spcBef>
-              <a:spcAft>
-                <a:spcPts val="0"/>
-              </a:spcAft>
-              <a:buClr>
-                <a:srgbClr val="000000"/>
-              </a:buClr>
-              <a:buSzPts val="1400"/>
-              <a:buFont typeface="Arial"/>
-              <a:buNone/>
-            </a:pPr>
-            <a:endParaRPr sz="1400" b="0" i="0" u="none" strike="noStrike" cap="none">
-              <a:solidFill>
-                <a:schemeClr val="lt1"/>
-              </a:solidFill>
-              <a:latin typeface="Nunito Sans"/>
-              <a:ea typeface="Nunito Sans"/>
-              <a:cs typeface="Nunito Sans"/>
-              <a:sym typeface="Nunito Sans"/>
-            </a:endParaRPr>
-          </a:p>
-        </p:txBody>
-      </p:sp>
-      <p:sp>
-        <p:nvSpPr>
-          <p:cNvPr id="67" name="Google Shape;67;p16"/>
-          <p:cNvSpPr txBox="1"/>
-          <p:nvPr/>
-        </p:nvSpPr>
-        <p:spPr>
-          <a:xfrm>
-            <a:off x="500100" y="328400"/>
-            <a:ext cx="2304600" cy="675600"/>
-          </a:xfrm>
-          <a:prstGeom prst="rect">
-            <a:avLst/>
-          </a:prstGeom>
-          <a:noFill/>
-          <a:ln>
-            <a:noFill/>
-          </a:ln>
-        </p:spPr>
-        <p:txBody>
-          <a:bodyPr spcFirstLastPara="1" wrap="square" lIns="0" tIns="0" rIns="0" bIns="0" anchor="t" anchorCtr="0">
-            <a:noAutofit/>
-          </a:bodyPr>
-          <a:lstStyle/>
-          <a:p>
-            <a:pPr marL="0" lvl="0" indent="0" algn="l" rtl="0">
-              <a:spcBef>
-                <a:spcPts val="0"/>
-              </a:spcBef>
-              <a:spcAft>
-                <a:spcPts val="0"/>
-              </a:spcAft>
-              <a:buClr>
-                <a:schemeClr val="dk1"/>
-              </a:buClr>
-              <a:buSzPts val="3200"/>
-              <a:buFont typeface="Arial"/>
-              <a:buNone/>
-            </a:pPr>
-            <a:r>
-              <a:rPr lang="en" sz="3300" dirty="0">
-                <a:solidFill>
-                  <a:schemeClr val="dk2"/>
-                </a:solidFill>
-                <a:latin typeface="Montserrat Medium"/>
-                <a:ea typeface="Montserrat Medium"/>
-                <a:cs typeface="Montserrat Medium"/>
-                <a:sym typeface="Montserrat Medium"/>
-              </a:rPr>
-              <a:t>Objective</a:t>
-            </a:r>
-            <a:endParaRPr sz="3300" i="0" u="none" strike="noStrike" cap="none" dirty="0">
-              <a:solidFill>
-                <a:schemeClr val="dk2"/>
-              </a:solidFill>
-              <a:latin typeface="Montserrat Medium"/>
-              <a:ea typeface="Montserrat Medium"/>
-              <a:cs typeface="Montserrat Medium"/>
-              <a:sym typeface="Montserrat Medium"/>
-            </a:endParaRPr>
-          </a:p>
-        </p:txBody>
-      </p:sp>
-      <p:sp>
-        <p:nvSpPr>
-          <p:cNvPr id="68" name="Google Shape;68;p16"/>
-          <p:cNvSpPr txBox="1"/>
-          <p:nvPr/>
-        </p:nvSpPr>
-        <p:spPr>
-          <a:xfrm>
-            <a:off x="288899" y="1128096"/>
-            <a:ext cx="8051700" cy="3813000"/>
-          </a:xfrm>
-          <a:prstGeom prst="rect">
-            <a:avLst/>
-          </a:prstGeom>
-          <a:noFill/>
-          <a:ln>
-            <a:noFill/>
-          </a:ln>
-        </p:spPr>
-        <p:txBody>
-          <a:bodyPr spcFirstLastPara="1" wrap="square" lIns="91425" tIns="91425" rIns="91425" bIns="91425" anchor="t" anchorCtr="0">
-            <a:noAutofit/>
-          </a:bodyPr>
-          <a:lstStyle/>
-          <a:p>
-            <a:pPr lvl="0">
-              <a:lnSpc>
-                <a:spcPct val="150000"/>
-              </a:lnSpc>
-            </a:pPr>
-            <a:r>
-              <a:rPr lang="en-US" dirty="0">
-                <a:solidFill>
-                  <a:schemeClr val="dk1"/>
-                </a:solidFill>
-                <a:latin typeface="Montserrat"/>
-                <a:ea typeface="Montserrat"/>
-                <a:cs typeface="Montserrat"/>
-                <a:sym typeface="Montserrat"/>
-              </a:rPr>
-              <a:t>The main objective of the project is to predict peoples taste in food using the website https://allrecipes.com.</a:t>
-            </a:r>
-          </a:p>
-          <a:p>
-            <a:pPr lvl="0">
-              <a:lnSpc>
-                <a:spcPct val="150000"/>
-              </a:lnSpc>
-            </a:pPr>
-            <a:r>
-              <a:rPr lang="en-US" dirty="0" err="1">
-                <a:solidFill>
-                  <a:schemeClr val="dk1"/>
-                </a:solidFill>
-                <a:latin typeface="Montserrat"/>
-                <a:ea typeface="Montserrat"/>
-                <a:cs typeface="Montserrat"/>
-                <a:sym typeface="Montserrat"/>
-              </a:rPr>
-              <a:t>AllRecipes</a:t>
-            </a:r>
-            <a:r>
-              <a:rPr lang="en-US" dirty="0">
-                <a:solidFill>
-                  <a:schemeClr val="dk1"/>
-                </a:solidFill>
-                <a:latin typeface="Montserrat"/>
-                <a:ea typeface="Montserrat"/>
-                <a:cs typeface="Montserrat"/>
-                <a:sym typeface="Montserrat"/>
-              </a:rPr>
-              <a:t> is a social network which revolves around food.</a:t>
-            </a:r>
-          </a:p>
-          <a:p>
-            <a:pPr lvl="0">
-              <a:lnSpc>
-                <a:spcPct val="150000"/>
-              </a:lnSpc>
-            </a:pPr>
-            <a:r>
-              <a:rPr lang="en-US" dirty="0">
-                <a:solidFill>
-                  <a:schemeClr val="dk1"/>
-                </a:solidFill>
-                <a:latin typeface="Montserrat"/>
-                <a:ea typeface="Montserrat"/>
-                <a:cs typeface="Montserrat"/>
-                <a:sym typeface="Montserrat"/>
-              </a:rPr>
-              <a:t>Users can share recipes, make connections with other users, review recipes of others and even favorite recipes they like.</a:t>
-            </a:r>
-          </a:p>
-          <a:p>
-            <a:pPr lvl="0">
-              <a:lnSpc>
-                <a:spcPct val="150000"/>
-              </a:lnSpc>
-            </a:pPr>
-            <a:r>
-              <a:rPr lang="en-US" dirty="0" err="1">
-                <a:solidFill>
-                  <a:schemeClr val="dk1"/>
-                </a:solidFill>
-                <a:latin typeface="Montserrat"/>
-                <a:ea typeface="Montserrat"/>
-                <a:cs typeface="Montserrat"/>
-                <a:sym typeface="Montserrat"/>
-              </a:rPr>
-              <a:t>AllRecipes</a:t>
-            </a:r>
-            <a:r>
-              <a:rPr lang="en-US" dirty="0">
-                <a:solidFill>
-                  <a:schemeClr val="dk1"/>
-                </a:solidFill>
-                <a:latin typeface="Montserrat"/>
-                <a:ea typeface="Montserrat"/>
-                <a:cs typeface="Montserrat"/>
-                <a:sym typeface="Montserrat"/>
-              </a:rPr>
-              <a:t> is the most popular website in the field, composed of millions of users and myriad of different food recipes.</a:t>
-            </a:r>
-          </a:p>
-          <a:p>
-            <a:pPr lvl="0">
-              <a:lnSpc>
-                <a:spcPct val="150000"/>
-              </a:lnSpc>
-            </a:pPr>
-            <a:endParaRPr lang="en-US" dirty="0">
-              <a:solidFill>
-                <a:schemeClr val="dk1"/>
-              </a:solidFill>
-              <a:latin typeface="Montserrat"/>
-              <a:ea typeface="Montserrat"/>
-              <a:cs typeface="Montserrat"/>
-              <a:sym typeface="Montserrat"/>
-            </a:endParaRPr>
-          </a:p>
-          <a:p>
-            <a:pPr lvl="0">
-              <a:lnSpc>
-                <a:spcPct val="150000"/>
-              </a:lnSpc>
-            </a:pPr>
-            <a:r>
-              <a:rPr lang="en-US" dirty="0" err="1">
-                <a:solidFill>
-                  <a:schemeClr val="dk1"/>
-                </a:solidFill>
-                <a:latin typeface="Montserrat"/>
-                <a:ea typeface="Montserrat"/>
-                <a:cs typeface="Montserrat"/>
-                <a:sym typeface="Montserrat"/>
-              </a:rPr>
-              <a:t>Friecipe</a:t>
-            </a:r>
-            <a:r>
-              <a:rPr lang="en-US" dirty="0">
-                <a:solidFill>
-                  <a:schemeClr val="dk1"/>
-                </a:solidFill>
-                <a:latin typeface="Montserrat"/>
-                <a:ea typeface="Montserrat"/>
-                <a:cs typeface="Montserrat"/>
-                <a:sym typeface="Montserrat"/>
-              </a:rPr>
-              <a:t> is trying to predict a similarities in the taste of users and find users with fitting taste and even suggest other recipes which they might like based on their taste preferences. </a:t>
-            </a:r>
-            <a:endParaRPr dirty="0">
               <a:latin typeface="Montserrat"/>
               <a:ea typeface="Montserrat"/>
               <a:cs typeface="Montserrat"/>
@@ -13239,34 +16794,109 @@
                 <a:cs typeface="Montserrat"/>
                 <a:sym typeface="Montserrat"/>
               </a:rPr>
+              <a:t>() -  </a:t>
+            </a:r>
+            <a:r>
+              <a:rPr lang="en-US" dirty="0">
+                <a:latin typeface="Montserrat"/>
+                <a:ea typeface="Montserrat"/>
+                <a:cs typeface="Montserrat"/>
+                <a:sym typeface="Montserrat"/>
+              </a:rPr>
+              <a:t>R</a:t>
+            </a:r>
+            <a:r>
+              <a:rPr lang="en-US" dirty="0" smtClean="0">
+                <a:latin typeface="Montserrat"/>
+                <a:ea typeface="Montserrat"/>
+                <a:cs typeface="Montserrat"/>
+                <a:sym typeface="Montserrat"/>
+              </a:rPr>
+              <a:t>eturns the profile id from the URL.</a:t>
+            </a:r>
+          </a:p>
+          <a:p>
+            <a:pPr marL="342900" lvl="0" indent="-342900">
+              <a:lnSpc>
+                <a:spcPct val="150000"/>
+              </a:lnSpc>
+              <a:buClr>
+                <a:srgbClr val="19CA99"/>
+              </a:buClr>
+              <a:buFont typeface="Arial" panose="020B0604020202020204" pitchFamily="34" charset="0"/>
+              <a:buChar char="•"/>
+            </a:pPr>
+            <a:r>
+              <a:rPr lang="en-US" b="1" dirty="0" err="1" smtClean="0">
+                <a:latin typeface="Montserrat"/>
+                <a:ea typeface="Montserrat"/>
+                <a:cs typeface="Montserrat"/>
+                <a:sym typeface="Montserrat"/>
+              </a:rPr>
+              <a:t>profile_scraper</a:t>
+            </a:r>
+            <a:r>
+              <a:rPr lang="en-US" b="1" dirty="0">
+                <a:latin typeface="Montserrat"/>
+                <a:ea typeface="Montserrat"/>
+                <a:cs typeface="Montserrat"/>
+                <a:sym typeface="Montserrat"/>
+              </a:rPr>
               <a:t>() </a:t>
             </a:r>
             <a:r>
-              <a:rPr lang="en-US" b="1" dirty="0">
-                <a:latin typeface="Montserrat"/>
-                <a:ea typeface="Montserrat"/>
-                <a:cs typeface="Montserrat"/>
-                <a:sym typeface="Montserrat"/>
-              </a:rPr>
-              <a:t>-  </a:t>
-            </a:r>
-            <a:r>
-              <a:rPr lang="en-US" dirty="0">
-                <a:latin typeface="Montserrat"/>
-                <a:ea typeface="Montserrat"/>
-                <a:cs typeface="Montserrat"/>
-                <a:sym typeface="Montserrat"/>
-              </a:rPr>
-              <a:t>R</a:t>
-            </a:r>
-            <a:r>
               <a:rPr lang="en-US" dirty="0" smtClean="0">
                 <a:latin typeface="Montserrat"/>
                 <a:ea typeface="Montserrat"/>
                 <a:cs typeface="Montserrat"/>
                 <a:sym typeface="Montserrat"/>
               </a:rPr>
-              <a:t>eturns the profile id from the URL.</a:t>
+              <a:t>– Scrapes the data uses </a:t>
+            </a:r>
+            <a:r>
+              <a:rPr lang="en-US" b="1" dirty="0" err="1">
+                <a:latin typeface="Montserrat"/>
+                <a:ea typeface="Montserrat"/>
+                <a:cs typeface="Montserrat"/>
+                <a:sym typeface="Montserrat"/>
+              </a:rPr>
+              <a:t>scrape_profile_reviews</a:t>
+            </a:r>
+            <a:r>
+              <a:rPr lang="en-US" b="1" dirty="0" smtClean="0">
+                <a:latin typeface="Montserrat"/>
+                <a:ea typeface="Montserrat"/>
+                <a:cs typeface="Montserrat"/>
+                <a:sym typeface="Montserrat"/>
+              </a:rPr>
+              <a:t>() </a:t>
+            </a:r>
+            <a:r>
+              <a:rPr lang="en-US" dirty="0" smtClean="0">
+                <a:latin typeface="Montserrat"/>
+                <a:ea typeface="Montserrat"/>
+                <a:cs typeface="Montserrat"/>
+                <a:sym typeface="Montserrat"/>
+              </a:rPr>
+              <a:t>and </a:t>
+            </a:r>
+            <a:r>
+              <a:rPr lang="en-US" b="1" dirty="0" err="1">
+                <a:latin typeface="Montserrat"/>
+                <a:ea typeface="Montserrat"/>
+                <a:cs typeface="Montserrat"/>
+                <a:sym typeface="Montserrat"/>
+              </a:rPr>
+              <a:t>scrape_contacts</a:t>
+            </a:r>
+            <a:r>
+              <a:rPr lang="en-US" b="1" dirty="0" smtClean="0">
+                <a:latin typeface="Montserrat"/>
+                <a:ea typeface="Montserrat"/>
+                <a:cs typeface="Montserrat"/>
+                <a:sym typeface="Montserrat"/>
+              </a:rPr>
+              <a:t>().</a:t>
             </a:r>
             <a:endParaRPr lang="en-US" dirty="0" smtClean="0">
               <a:latin typeface="Montserrat"/>
@@ -13293,34 +16923,7 @@
                 <a:cs typeface="Montserrat"/>
                 <a:sym typeface="Montserrat"/>
               </a:rPr>
-              <a:t>profile_scraper</a:t>
-            </a:r>
-            <a:r>
-              <a:rPr lang="en-US" b="1" dirty="0">
-                <a:latin typeface="Montserrat"/>
-                <a:ea typeface="Montserrat"/>
-                <a:cs typeface="Montserrat"/>
-                <a:sym typeface="Montserrat"/>
-              </a:rPr>
-              <a:t>() </a:t>
-            </a:r>
-            <a:r>
-              <a:rPr lang="en-US" dirty="0" smtClean="0">
-                <a:latin typeface="Montserrat"/>
-                <a:ea typeface="Montserrat"/>
-                <a:cs typeface="Montserrat"/>
-                <a:sym typeface="Montserrat"/>
-              </a:rPr>
-              <a:t>– Scrapes the data uses </a:t>
-            </a:r>
-            <a:r>
-              <a:rPr lang="en-US" b="1" dirty="0" err="1">
-                <a:latin typeface="Montserrat"/>
-                <a:ea typeface="Montserrat"/>
-                <a:cs typeface="Montserrat"/>
-                <a:sym typeface="Montserrat"/>
-              </a:rPr>
-              <a:t>scrape_profile_reviews</a:t>
+              <a:t>get_review_from_card</a:t>
             </a:r>
             <a:r>
               <a:rPr lang="en-US" b="1" dirty="0" smtClean="0">
@@ -13329,79 +16932,7 @@
                 <a:cs typeface="Montserrat"/>
                 <a:sym typeface="Montserrat"/>
               </a:rPr>
-              <a:t>() </a:t>
-            </a:r>
-            <a:r>
-              <a:rPr lang="en-US" dirty="0" smtClean="0">
-                <a:latin typeface="Montserrat"/>
-                <a:ea typeface="Montserrat"/>
-                <a:cs typeface="Montserrat"/>
-                <a:sym typeface="Montserrat"/>
-              </a:rPr>
-              <a:t>and </a:t>
-            </a:r>
-            <a:r>
-              <a:rPr lang="en-US" b="1" dirty="0" err="1">
-                <a:latin typeface="Montserrat"/>
-                <a:ea typeface="Montserrat"/>
-                <a:cs typeface="Montserrat"/>
-                <a:sym typeface="Montserrat"/>
-              </a:rPr>
-              <a:t>scrape_contacts</a:t>
-            </a:r>
-            <a:r>
-              <a:rPr lang="en-US" b="1" dirty="0" smtClean="0">
-                <a:latin typeface="Montserrat"/>
-                <a:ea typeface="Montserrat"/>
-                <a:cs typeface="Montserrat"/>
-                <a:sym typeface="Montserrat"/>
-              </a:rPr>
-              <a:t>().</a:t>
-            </a:r>
-            <a:endParaRPr lang="en-US" dirty="0" smtClean="0">
-              <a:latin typeface="Montserrat"/>
-              <a:ea typeface="Montserrat"/>
-              <a:cs typeface="Montserrat"/>
-              <a:sym typeface="Montserrat"/>
-            </a:endParaRPr>
-          </a:p>
-          <a:p>
-            <a:pPr marL="342900" lvl="0" indent="-342900">
-              <a:lnSpc>
-                <a:spcPct val="150000"/>
-              </a:lnSpc>
-              <a:buClr>
-                <a:srgbClr val="19CA99"/>
-              </a:buClr>
-              <a:buFont typeface="Arial" panose="020B0604020202020204" pitchFamily="34" charset="0"/>
-              <a:buChar char="•"/>
-            </a:pPr>
-            <a:r>
-              <a:rPr lang="en-US" b="1" dirty="0" err="1" smtClean="0">
-                <a:latin typeface="Montserrat"/>
-                <a:ea typeface="Montserrat"/>
-                <a:cs typeface="Montserrat"/>
-                <a:sym typeface="Montserrat"/>
-              </a:rPr>
-              <a:t>get_review_from_card</a:t>
-            </a:r>
-            <a:r>
-              <a:rPr lang="en-US" b="1" dirty="0" smtClean="0">
-                <a:latin typeface="Montserrat"/>
-                <a:ea typeface="Montserrat"/>
-                <a:cs typeface="Montserrat"/>
-                <a:sym typeface="Montserrat"/>
-              </a:rPr>
-              <a:t>() </a:t>
-            </a:r>
-            <a:r>
-              <a:rPr lang="en-US" b="1" dirty="0" smtClean="0">
-                <a:latin typeface="Montserrat"/>
-                <a:ea typeface="Montserrat"/>
-                <a:cs typeface="Montserrat"/>
-                <a:sym typeface="Montserrat"/>
-              </a:rPr>
-              <a:t>– </a:t>
+              <a:t>() – </a:t>
             </a:r>
             <a:r>
               <a:rPr lang="en-US" dirty="0" smtClean="0">
@@ -13488,7 +17019,7 @@
           <p:cNvPr id="3" name="Picture 2">
             <a:extLst>
               <a:ext uri="{FF2B5EF4-FFF2-40B4-BE49-F238E27FC236}">
-                <a16:creationId xmlns:a16="http://schemas.microsoft.com/office/drawing/2014/main" xmlns="" id="{D9B23470-C29F-4CDD-B2BE-A0F0FE753B6C}"/>
+                <a16:creationId xmlns="" xmlns:a16="http://schemas.microsoft.com/office/drawing/2014/main" id="{D9B23470-C29F-4CDD-B2BE-A0F0FE753B6C}"/>
               </a:ext>
             </a:extLst>
           </p:cNvPr>
@@ -13801,25 +17332,7 @@
                 <a:cs typeface="Montserrat"/>
                 <a:sym typeface="Montserrat"/>
               </a:rPr>
-              <a:t>some similar activity </a:t>
-            </a:r>
-            <a:r>
-              <a:rPr lang="en-US" dirty="0" smtClean="0">
-                <a:latin typeface="Montserrat"/>
-                <a:ea typeface="Montserrat"/>
-                <a:cs typeface="Montserrat"/>
-                <a:sym typeface="Montserrat"/>
-              </a:rPr>
-              <a:t>a</a:t>
-            </a:r>
-            <a:r>
-              <a:rPr lang="en-US" dirty="0" smtClean="0">
-                <a:latin typeface="Montserrat"/>
-                <a:ea typeface="Montserrat"/>
-                <a:cs typeface="Montserrat"/>
-                <a:sym typeface="Montserrat"/>
-              </a:rPr>
-              <a:t>bout different profiles in the website.</a:t>
+              <a:t>some similar activity about different profiles in the website.</a:t>
             </a:r>
             <a:endParaRPr dirty="0">
               <a:latin typeface="Montserrat"/>
@@ -13860,7 +17373,7 @@
           <p:cNvPr id="6" name="Picture 2">
             <a:extLst>
               <a:ext uri="{FF2B5EF4-FFF2-40B4-BE49-F238E27FC236}">
-                <a16:creationId xmlns:a16="http://schemas.microsoft.com/office/drawing/2014/main" xmlns="" id="{C58D6E2F-817D-4961-836F-5AF5EAADB877}"/>
+                <a16:creationId xmlns="" xmlns:a16="http://schemas.microsoft.com/office/drawing/2014/main" id="{C58D6E2F-817D-4961-836F-5AF5EAADB877}"/>
               </a:ext>
             </a:extLst>
           </p:cNvPr>
@@ -13890,7 +17403,7 @@
           <p:cNvPr id="3" name="Picture 2">
             <a:extLst>
               <a:ext uri="{FF2B5EF4-FFF2-40B4-BE49-F238E27FC236}">
-                <a16:creationId xmlns:a16="http://schemas.microsoft.com/office/drawing/2014/main" xmlns="" id="{0B669EC9-6CAB-4DB8-8769-2C63DF320D0E}"/>
+                <a16:creationId xmlns="" xmlns:a16="http://schemas.microsoft.com/office/drawing/2014/main" id="{0B669EC9-6CAB-4DB8-8769-2C63DF320D0E}"/>
               </a:ext>
             </a:extLst>
           </p:cNvPr>
@@ -14516,7 +18029,7 @@
         </p:nvSpPr>
         <p:spPr>
           <a:xfrm>
-            <a:off x="1818039" y="2334779"/>
+            <a:off x="1909479" y="2258545"/>
             <a:ext cx="5576791" cy="665149"/>
           </a:xfrm>
           <a:prstGeom prst="rect">
@@ -14546,7 +18059,7 @@
                 <a:cs typeface="Montserrat Medium"/>
                 <a:sym typeface="Montserrat Medium"/>
               </a:rPr>
-              <a:t>Pre Machine Learning</a:t>
+              <a:t>How Our Model Works</a:t>
             </a:r>
             <a:endParaRPr lang="en-US" sz="3300" dirty="0">
               <a:solidFill>
@@ -14647,7 +18160,7 @@
     </p:spTree>
     <p:extLst>
       <p:ext uri="{BB962C8B-B14F-4D97-AF65-F5344CB8AC3E}">
-        <p14:creationId xmlns:p14="http://schemas.microsoft.com/office/powerpoint/2010/main" val="2619793039"/>
+        <p14:creationId xmlns:p14="http://schemas.microsoft.com/office/powerpoint/2010/main" val="2931979566"/>
       </p:ext>
     </p:extLst>
   </p:cSld>
@@ -14732,14 +18245,59 @@
       </p:sp>
       <p:sp>
         <p:nvSpPr>
+          <p:cNvPr id="121" name="Google Shape;121;p21"/>
+          <p:cNvSpPr txBox="1"/>
+          <p:nvPr/>
+        </p:nvSpPr>
+        <p:spPr>
+          <a:xfrm>
+            <a:off x="288899" y="1012678"/>
+            <a:ext cx="4743638" cy="1710500"/>
+          </a:xfrm>
+          <a:prstGeom prst="rect">
+            <a:avLst/>
+          </a:prstGeom>
+          <a:noFill/>
+          <a:ln>
+            <a:noFill/>
+          </a:ln>
+        </p:spPr>
+        <p:txBody>
+          <a:bodyPr spcFirstLastPara="1" wrap="square" lIns="91425" tIns="91425" rIns="91425" bIns="91425" anchor="t" anchorCtr="0">
+            <a:noAutofit/>
+          </a:bodyPr>
+          <a:lstStyle/>
+          <a:p>
+            <a:pPr marL="285750" lvl="0" indent="-285750">
+              <a:lnSpc>
+                <a:spcPct val="150000"/>
+              </a:lnSpc>
+              <a:buClr>
+                <a:srgbClr val="19CA99"/>
+              </a:buClr>
+              <a:buSzPts val="1100"/>
+              <a:buFont typeface="Arial" panose="020B0604020202020204" pitchFamily="34" charset="0"/>
+              <a:buChar char="•"/>
+            </a:pPr>
+            <a:endParaRPr dirty="0">
+              <a:latin typeface="Montserrat"/>
+              <a:ea typeface="Montserrat"/>
+              <a:cs typeface="Montserrat"/>
+              <a:sym typeface="Montserrat"/>
+            </a:endParaRPr>
+          </a:p>
+        </p:txBody>
+      </p:sp>
+      <p:sp>
+        <p:nvSpPr>
           <p:cNvPr id="120" name="Google Shape;120;p21"/>
           <p:cNvSpPr txBox="1"/>
           <p:nvPr/>
         </p:nvSpPr>
         <p:spPr>
           <a:xfrm>
-            <a:off x="506074" y="339525"/>
-            <a:ext cx="3471565" cy="541500"/>
+            <a:off x="553956" y="385213"/>
+            <a:ext cx="3911253" cy="1276725"/>
           </a:xfrm>
           <a:prstGeom prst="rect">
             <a:avLst/>
@@ -14782,8 +18340,17 @@
                 <a:cs typeface="Montserrat Medium"/>
                 <a:sym typeface="Montserrat Medium"/>
               </a:rPr>
-              <a:t>Countries Data</a:t>
-            </a:r>
+              <a:t>How it Works</a:t>
+            </a:r>
+            <a:endParaRPr lang="en" sz="3300" dirty="0" smtClean="0">
+              <a:solidFill>
+                <a:schemeClr val="dk2"/>
+              </a:solidFill>
+              <a:latin typeface="Montserrat Medium"/>
+              <a:ea typeface="Montserrat Medium"/>
+              <a:cs typeface="Montserrat Medium"/>
+              <a:sym typeface="Montserrat Medium"/>
+            </a:endParaRPr>
           </a:p>
           <a:p>
             <a:pPr marL="0" marR="0" lvl="0" indent="0" algn="l" rtl="0">
@@ -14829,38 +18396,55 @@
       </p:sp>
       <p:pic>
         <p:nvPicPr>
-          <p:cNvPr id="2" name="תמונה 1"/>
+          <p:cNvPr id="1026" name="Picture 2" descr="https://cdn.discordapp.com/attachments/858053051780562957/858685843195953202/Untitled_Diagram.png"/>
           <p:cNvPicPr>
-            <a:picLocks noChangeAspect="1"/>
+            <a:picLocks noChangeAspect="1" noChangeArrowheads="1"/>
           </p:cNvPicPr>
           <p:nvPr/>
         </p:nvPicPr>
         <p:blipFill>
-          <a:blip r:embed="rId3"/>
+          <a:blip r:embed="rId3">
+            <a:extLst>
+              <a:ext uri="{28A0092B-C50C-407E-A947-70E740481C1C}">
+                <a14:useLocalDpi xmlns:a14="http://schemas.microsoft.com/office/drawing/2010/main" val="0"/>
+              </a:ext>
+            </a:extLst>
+          </a:blip>
+          <a:srcRect/>
           <a:stretch>
             <a:fillRect/>
           </a:stretch>
         </p:blipFill>
-        <p:spPr>
+        <p:spPr bwMode="auto">
           <a:xfrm>
-            <a:off x="1528353" y="1981289"/>
-            <a:ext cx="5643157" cy="2802268"/>
+            <a:off x="553956" y="1356500"/>
+            <a:ext cx="8086804" cy="1366678"/>
           </a:xfrm>
           <a:prstGeom prst="rect">
             <a:avLst/>
           </a:prstGeom>
+          <a:noFill/>
+          <a:extLst>
+            <a:ext uri="{909E8E84-426E-40DD-AFC4-6F175D3DCCD1}">
+              <a14:hiddenFill xmlns:a14="http://schemas.microsoft.com/office/drawing/2010/main">
+                <a:solidFill>
+                  <a:srgbClr val="FFFFFF"/>
+                </a:solidFill>
+              </a14:hiddenFill>
+            </a:ext>
+          </a:extLst>
         </p:spPr>
       </p:pic>
       <p:sp>
         <p:nvSpPr>
-          <p:cNvPr id="121" name="Google Shape;121;p21"/>
+          <p:cNvPr id="7" name="Google Shape;121;p21"/>
           <p:cNvSpPr txBox="1"/>
           <p:nvPr/>
         </p:nvSpPr>
         <p:spPr>
           <a:xfrm>
-            <a:off x="288899" y="1012677"/>
-            <a:ext cx="7821496" cy="1027395"/>
+            <a:off x="288898" y="2888198"/>
+            <a:ext cx="8301121" cy="2064246"/>
           </a:xfrm>
           <a:prstGeom prst="rect">
             <a:avLst/>
@@ -14894,7 +18478,7 @@
                 <a:cs typeface="Montserrat"/>
                 <a:sym typeface="Montserrat"/>
               </a:rPr>
-              <a:t>Representation of </a:t>
+              <a:t>We take the review and recipe data </a:t>
             </a:r>
             <a:r>
               <a:rPr lang="en-US" dirty="0">
@@ -14903,16 +18487,7 @@
                 <a:cs typeface="Montserrat"/>
                 <a:sym typeface="Montserrat"/>
               </a:rPr>
-              <a:t>the percentage of users of each country out of the entire </a:t>
-            </a:r>
-            <a:r>
-              <a:rPr lang="en-US" dirty="0" err="1" smtClean="0">
-                <a:latin typeface="Montserrat"/>
-                <a:ea typeface="Montserrat"/>
-                <a:cs typeface="Montserrat"/>
-                <a:sym typeface="Montserrat"/>
-              </a:rPr>
-              <a:t>userbase</a:t>
+              <a:t>and </a:t>
             </a:r>
             <a:r>
               <a:rPr lang="en-US" dirty="0" smtClean="0">
@@ -14921,8 +18496,45 @@
                 <a:cs typeface="Montserrat"/>
                 <a:sym typeface="Montserrat"/>
               </a:rPr>
-              <a:t>:</a:t>
-            </a:r>
+              <a:t>we </a:t>
+            </a:r>
+            <a:r>
+              <a:rPr lang="en-US" dirty="0">
+                <a:latin typeface="Montserrat"/>
+                <a:ea typeface="Montserrat"/>
+                <a:cs typeface="Montserrat"/>
+                <a:sym typeface="Montserrat"/>
+              </a:rPr>
+              <a:t>use dimensionality reduction to scale down the number of dimensions of users and </a:t>
+            </a:r>
+            <a:r>
+              <a:rPr lang="en-US" dirty="0" smtClean="0">
+                <a:latin typeface="Montserrat"/>
+                <a:ea typeface="Montserrat"/>
+                <a:cs typeface="Montserrat"/>
+                <a:sym typeface="Montserrat"/>
+              </a:rPr>
+              <a:t>recipes we than use deep neural network we combined users and recipes to the vectors and tried to predict whether a given user might or might not likes a given food.</a:t>
+            </a:r>
+            <a:endParaRPr lang="en-US" dirty="0">
+              <a:latin typeface="Montserrat"/>
+              <a:ea typeface="Montserrat"/>
+              <a:cs typeface="Montserrat"/>
+              <a:sym typeface="Montserrat"/>
+            </a:endParaRPr>
+          </a:p>
+          <a:p>
+            <a:pPr marL="285750" lvl="0" indent="-285750">
+              <a:lnSpc>
+                <a:spcPct val="150000"/>
+              </a:lnSpc>
+              <a:buClr>
+                <a:srgbClr val="19CA99"/>
+              </a:buClr>
+              <a:buSzPts val="1100"/>
+              <a:buFont typeface="Arial" panose="020B0604020202020204" pitchFamily="34" charset="0"/>
+              <a:buChar char="•"/>
+            </a:pPr>
             <a:endParaRPr dirty="0">
               <a:latin typeface="Montserrat"/>
               <a:ea typeface="Montserrat"/>
@@ -14933,6 +18545,11 @@
         </p:txBody>
       </p:sp>
     </p:spTree>
+    <p:extLst>
+      <p:ext uri="{BB962C8B-B14F-4D97-AF65-F5344CB8AC3E}">
+        <p14:creationId xmlns:p14="http://schemas.microsoft.com/office/powerpoint/2010/main" val="510187837"/>
+      </p:ext>
+    </p:extLst>
   </p:cSld>
   <p:clrMapOvr>
     <a:masterClrMapping/>
